--- a/Share/文字游戏玩法设计.pptx
+++ b/Share/文字游戏玩法设计.pptx
@@ -5,15 +5,18 @@
     <p:sldMasterId id="2147483648" r:id="rId1"/>
   </p:sldMasterIdLst>
   <p:notesMasterIdLst>
-    <p:notesMasterId r:id="rId8"/>
+    <p:notesMasterId r:id="rId12"/>
   </p:notesMasterIdLst>
   <p:sldIdLst>
-    <p:sldId id="258" r:id="rId2"/>
-    <p:sldId id="256" r:id="rId3"/>
-    <p:sldId id="261" r:id="rId4"/>
-    <p:sldId id="260" r:id="rId5"/>
-    <p:sldId id="262" r:id="rId6"/>
-    <p:sldId id="263" r:id="rId7"/>
+    <p:sldId id="258" r:id="rId3"/>
+    <p:sldId id="256" r:id="rId4"/>
+    <p:sldId id="261" r:id="rId5"/>
+    <p:sldId id="260" r:id="rId6"/>
+    <p:sldId id="262" r:id="rId7"/>
+    <p:sldId id="263" r:id="rId8"/>
+    <p:sldId id="265" r:id="rId9"/>
+    <p:sldId id="266" r:id="rId10"/>
+    <p:sldId id="267" r:id="rId11"/>
   </p:sldIdLst>
   <p:sldSz cx="12192000" cy="6858000"/>
   <p:notesSz cx="6858000" cy="9144000"/>
@@ -112,11 +115,6 @@
       </a:defRPr>
     </a:lvl9pPr>
   </p:defaultTextStyle>
-  <p:extLst>
-    <p:ext uri="{EFAFB233-063F-42B5-8137-9DF3F51BA10A}">
-      <p15:sldGuideLst xmlns:p15="http://schemas.microsoft.com/office/powerpoint/2012/main"/>
-    </p:ext>
-  </p:extLst>
 </p:presentation>
 </file>
 
@@ -202,7 +200,6 @@
           <a:p>
             <a:fld id="{D2A48B96-639E-45A3-A0BA-2464DFDB1FAA}" type="datetimeFigureOut">
               <a:rPr lang="zh-CN" altLang="en-US" smtClean="0"/>
-              <a:t>2018/3/17</a:t>
             </a:fld>
             <a:endParaRPr lang="zh-CN" altLang="en-US"/>
           </a:p>
@@ -269,6 +266,7 @@
               <a:rPr lang="zh-CN" altLang="en-US" smtClean="0"/>
               <a:t>单击此处编辑母版文本样式</a:t>
             </a:r>
+            <a:endParaRPr lang="zh-CN" altLang="en-US" smtClean="0"/>
           </a:p>
           <a:p>
             <a:pPr lvl="1"/>
@@ -276,6 +274,7 @@
               <a:rPr lang="zh-CN" altLang="en-US" smtClean="0"/>
               <a:t>第二级</a:t>
             </a:r>
+            <a:endParaRPr lang="zh-CN" altLang="en-US" smtClean="0"/>
           </a:p>
           <a:p>
             <a:pPr lvl="2"/>
@@ -283,6 +282,7 @@
               <a:rPr lang="zh-CN" altLang="en-US" smtClean="0"/>
               <a:t>第三级</a:t>
             </a:r>
+            <a:endParaRPr lang="zh-CN" altLang="en-US" smtClean="0"/>
           </a:p>
           <a:p>
             <a:pPr lvl="3"/>
@@ -290,6 +290,7 @@
               <a:rPr lang="zh-CN" altLang="en-US" smtClean="0"/>
               <a:t>第四级</a:t>
             </a:r>
+            <a:endParaRPr lang="zh-CN" altLang="en-US" smtClean="0"/>
           </a:p>
           <a:p>
             <a:pPr lvl="4"/>
@@ -361,18 +362,12 @@
           <a:p>
             <a:fld id="{A6837353-30EB-4A48-80EB-173D804AEFBD}" type="slidenum">
               <a:rPr lang="zh-CN" altLang="en-US" smtClean="0"/>
-              <a:t>‹#›</a:t>
             </a:fld>
             <a:endParaRPr lang="zh-CN" altLang="en-US"/>
           </a:p>
         </p:txBody>
       </p:sp>
     </p:spTree>
-    <p:extLst>
-      <p:ext uri="{BB962C8B-B14F-4D97-AF65-F5344CB8AC3E}">
-        <p14:creationId xmlns:p14="http://schemas.microsoft.com/office/powerpoint/2010/main" val="470970597"/>
-      </p:ext>
-    </p:extLst>
   </p:cSld>
   <p:clrMap bg1="lt1" tx1="dk1" bg2="lt2" tx2="dk2" accent1="accent1" accent2="accent2" accent3="accent3" accent4="accent4" accent5="accent5" accent6="accent6" hlink="hlink" folHlink="folHlink"/>
   <p:notesStyle>
@@ -601,7 +596,6 @@
           <a:p>
             <a:fld id="{D997B5FA-0921-464F-AAE1-844C04324D75}" type="datetimeFigureOut">
               <a:rPr lang="zh-CN" altLang="en-US" smtClean="0"/>
-              <a:t>2018/3/17</a:t>
             </a:fld>
             <a:endParaRPr lang="zh-CN" altLang="en-US"/>
           </a:p>
@@ -626,6 +620,7 @@
               <a:rPr lang="zh-CN" altLang="en-US"/>
               <a:t>三人开发小组</a:t>
             </a:r>
+            <a:endParaRPr lang="zh-CN" altLang="en-US"/>
           </a:p>
         </p:txBody>
       </p:sp>
@@ -646,7 +641,6 @@
           <a:p>
             <a:fld id="{565CE74E-AB26-4998-AD42-012C4C1AD076}" type="slidenum">
               <a:rPr lang="zh-CN" altLang="en-US" smtClean="0"/>
-              <a:t>‹#›</a:t>
             </a:fld>
             <a:endParaRPr lang="zh-CN" altLang="en-US"/>
           </a:p>
@@ -721,6 +715,7 @@
               <a:rPr lang="zh-CN" altLang="en-US" smtClean="0"/>
               <a:t>单击此处编辑母版文本样式</a:t>
             </a:r>
+            <a:endParaRPr lang="zh-CN" altLang="en-US" smtClean="0"/>
           </a:p>
           <a:p>
             <a:pPr lvl="1"/>
@@ -728,6 +723,7 @@
               <a:rPr lang="zh-CN" altLang="en-US" smtClean="0"/>
               <a:t>第二级</a:t>
             </a:r>
+            <a:endParaRPr lang="zh-CN" altLang="en-US" smtClean="0"/>
           </a:p>
           <a:p>
             <a:pPr lvl="2"/>
@@ -735,6 +731,7 @@
               <a:rPr lang="zh-CN" altLang="en-US" smtClean="0"/>
               <a:t>第三级</a:t>
             </a:r>
+            <a:endParaRPr lang="zh-CN" altLang="en-US" smtClean="0"/>
           </a:p>
           <a:p>
             <a:pPr lvl="3"/>
@@ -742,6 +739,7 @@
               <a:rPr lang="zh-CN" altLang="en-US" smtClean="0"/>
               <a:t>第四级</a:t>
             </a:r>
+            <a:endParaRPr lang="zh-CN" altLang="en-US" smtClean="0"/>
           </a:p>
           <a:p>
             <a:pPr lvl="4"/>
@@ -770,7 +768,6 @@
           <a:p>
             <a:fld id="{D997B5FA-0921-464F-AAE1-844C04324D75}" type="datetimeFigureOut">
               <a:rPr lang="zh-CN" altLang="en-US" smtClean="0"/>
-              <a:t>2018/3/17</a:t>
             </a:fld>
             <a:endParaRPr lang="zh-CN" altLang="en-US"/>
           </a:p>
@@ -795,6 +792,7 @@
               <a:rPr lang="zh-CN" altLang="en-US"/>
               <a:t>三人开发小组</a:t>
             </a:r>
+            <a:endParaRPr lang="zh-CN" altLang="en-US"/>
           </a:p>
         </p:txBody>
       </p:sp>
@@ -815,7 +813,6 @@
           <a:p>
             <a:fld id="{565CE74E-AB26-4998-AD42-012C4C1AD076}" type="slidenum">
               <a:rPr lang="zh-CN" altLang="en-US" smtClean="0"/>
-              <a:t>‹#›</a:t>
             </a:fld>
             <a:endParaRPr lang="zh-CN" altLang="en-US"/>
           </a:p>
@@ -900,6 +897,7 @@
               <a:rPr lang="zh-CN" altLang="en-US" smtClean="0"/>
               <a:t>单击此处编辑母版文本样式</a:t>
             </a:r>
+            <a:endParaRPr lang="zh-CN" altLang="en-US" smtClean="0"/>
           </a:p>
           <a:p>
             <a:pPr lvl="1"/>
@@ -907,6 +905,7 @@
               <a:rPr lang="zh-CN" altLang="en-US" smtClean="0"/>
               <a:t>第二级</a:t>
             </a:r>
+            <a:endParaRPr lang="zh-CN" altLang="en-US" smtClean="0"/>
           </a:p>
           <a:p>
             <a:pPr lvl="2"/>
@@ -914,6 +913,7 @@
               <a:rPr lang="zh-CN" altLang="en-US" smtClean="0"/>
               <a:t>第三级</a:t>
             </a:r>
+            <a:endParaRPr lang="zh-CN" altLang="en-US" smtClean="0"/>
           </a:p>
           <a:p>
             <a:pPr lvl="3"/>
@@ -921,6 +921,7 @@
               <a:rPr lang="zh-CN" altLang="en-US" smtClean="0"/>
               <a:t>第四级</a:t>
             </a:r>
+            <a:endParaRPr lang="zh-CN" altLang="en-US" smtClean="0"/>
           </a:p>
           <a:p>
             <a:pPr lvl="4"/>
@@ -949,7 +950,6 @@
           <a:p>
             <a:fld id="{D997B5FA-0921-464F-AAE1-844C04324D75}" type="datetimeFigureOut">
               <a:rPr lang="zh-CN" altLang="en-US" smtClean="0"/>
-              <a:t>2018/3/17</a:t>
             </a:fld>
             <a:endParaRPr lang="zh-CN" altLang="en-US"/>
           </a:p>
@@ -974,6 +974,7 @@
               <a:rPr lang="zh-CN" altLang="en-US"/>
               <a:t>三人开发小组</a:t>
             </a:r>
+            <a:endParaRPr lang="zh-CN" altLang="en-US"/>
           </a:p>
         </p:txBody>
       </p:sp>
@@ -994,7 +995,6 @@
           <a:p>
             <a:fld id="{565CE74E-AB26-4998-AD42-012C4C1AD076}" type="slidenum">
               <a:rPr lang="zh-CN" altLang="en-US" smtClean="0"/>
-              <a:t>‹#›</a:t>
             </a:fld>
             <a:endParaRPr lang="zh-CN" altLang="en-US"/>
           </a:p>
@@ -1069,6 +1069,7 @@
               <a:rPr lang="zh-CN" altLang="en-US" smtClean="0"/>
               <a:t>单击此处编辑母版文本样式</a:t>
             </a:r>
+            <a:endParaRPr lang="zh-CN" altLang="en-US" smtClean="0"/>
           </a:p>
           <a:p>
             <a:pPr lvl="1"/>
@@ -1076,6 +1077,7 @@
               <a:rPr lang="zh-CN" altLang="en-US" smtClean="0"/>
               <a:t>第二级</a:t>
             </a:r>
+            <a:endParaRPr lang="zh-CN" altLang="en-US" smtClean="0"/>
           </a:p>
           <a:p>
             <a:pPr lvl="2"/>
@@ -1083,6 +1085,7 @@
               <a:rPr lang="zh-CN" altLang="en-US" smtClean="0"/>
               <a:t>第三级</a:t>
             </a:r>
+            <a:endParaRPr lang="zh-CN" altLang="en-US" smtClean="0"/>
           </a:p>
           <a:p>
             <a:pPr lvl="3"/>
@@ -1090,6 +1093,7 @@
               <a:rPr lang="zh-CN" altLang="en-US" smtClean="0"/>
               <a:t>第四级</a:t>
             </a:r>
+            <a:endParaRPr lang="zh-CN" altLang="en-US" smtClean="0"/>
           </a:p>
           <a:p>
             <a:pPr lvl="4"/>
@@ -1118,7 +1122,6 @@
           <a:p>
             <a:fld id="{D997B5FA-0921-464F-AAE1-844C04324D75}" type="datetimeFigureOut">
               <a:rPr lang="zh-CN" altLang="en-US" smtClean="0"/>
-              <a:t>2018/3/17</a:t>
             </a:fld>
             <a:endParaRPr lang="zh-CN" altLang="en-US"/>
           </a:p>
@@ -1143,6 +1146,7 @@
               <a:rPr lang="zh-CN" altLang="en-US"/>
               <a:t>三人开发小组</a:t>
             </a:r>
+            <a:endParaRPr lang="zh-CN" altLang="en-US"/>
           </a:p>
         </p:txBody>
       </p:sp>
@@ -1163,7 +1167,6 @@
           <a:p>
             <a:fld id="{565CE74E-AB26-4998-AD42-012C4C1AD076}" type="slidenum">
               <a:rPr lang="zh-CN" altLang="en-US" smtClean="0"/>
-              <a:t>‹#›</a:t>
             </a:fld>
             <a:endParaRPr lang="zh-CN" altLang="en-US"/>
           </a:p>
@@ -1343,6 +1346,7 @@
               <a:rPr lang="zh-CN" altLang="en-US" smtClean="0"/>
               <a:t>单击此处编辑母版文本样式</a:t>
             </a:r>
+            <a:endParaRPr lang="zh-CN" altLang="en-US" smtClean="0"/>
           </a:p>
         </p:txBody>
       </p:sp>
@@ -1363,7 +1367,6 @@
           <a:p>
             <a:fld id="{D997B5FA-0921-464F-AAE1-844C04324D75}" type="datetimeFigureOut">
               <a:rPr lang="zh-CN" altLang="en-US" smtClean="0"/>
-              <a:t>2018/3/17</a:t>
             </a:fld>
             <a:endParaRPr lang="zh-CN" altLang="en-US"/>
           </a:p>
@@ -1388,6 +1391,7 @@
               <a:rPr lang="zh-CN" altLang="en-US"/>
               <a:t>三人开发小组</a:t>
             </a:r>
+            <a:endParaRPr lang="zh-CN" altLang="en-US"/>
           </a:p>
         </p:txBody>
       </p:sp>
@@ -1408,7 +1412,6 @@
           <a:p>
             <a:fld id="{565CE74E-AB26-4998-AD42-012C4C1AD076}" type="slidenum">
               <a:rPr lang="zh-CN" altLang="en-US" smtClean="0"/>
-              <a:t>‹#›</a:t>
             </a:fld>
             <a:endParaRPr lang="zh-CN" altLang="en-US"/>
           </a:p>
@@ -1488,6 +1491,7 @@
               <a:rPr lang="zh-CN" altLang="en-US" smtClean="0"/>
               <a:t>单击此处编辑母版文本样式</a:t>
             </a:r>
+            <a:endParaRPr lang="zh-CN" altLang="en-US" smtClean="0"/>
           </a:p>
           <a:p>
             <a:pPr lvl="1"/>
@@ -1495,6 +1499,7 @@
               <a:rPr lang="zh-CN" altLang="en-US" smtClean="0"/>
               <a:t>第二级</a:t>
             </a:r>
+            <a:endParaRPr lang="zh-CN" altLang="en-US" smtClean="0"/>
           </a:p>
           <a:p>
             <a:pPr lvl="2"/>
@@ -1502,6 +1507,7 @@
               <a:rPr lang="zh-CN" altLang="en-US" smtClean="0"/>
               <a:t>第三级</a:t>
             </a:r>
+            <a:endParaRPr lang="zh-CN" altLang="en-US" smtClean="0"/>
           </a:p>
           <a:p>
             <a:pPr lvl="3"/>
@@ -1509,6 +1515,7 @@
               <a:rPr lang="zh-CN" altLang="en-US" smtClean="0"/>
               <a:t>第四级</a:t>
             </a:r>
+            <a:endParaRPr lang="zh-CN" altLang="en-US" smtClean="0"/>
           </a:p>
           <a:p>
             <a:pPr lvl="4"/>
@@ -1545,6 +1552,7 @@
               <a:rPr lang="zh-CN" altLang="en-US" smtClean="0"/>
               <a:t>单击此处编辑母版文本样式</a:t>
             </a:r>
+            <a:endParaRPr lang="zh-CN" altLang="en-US" smtClean="0"/>
           </a:p>
           <a:p>
             <a:pPr lvl="1"/>
@@ -1552,6 +1560,7 @@
               <a:rPr lang="zh-CN" altLang="en-US" smtClean="0"/>
               <a:t>第二级</a:t>
             </a:r>
+            <a:endParaRPr lang="zh-CN" altLang="en-US" smtClean="0"/>
           </a:p>
           <a:p>
             <a:pPr lvl="2"/>
@@ -1559,6 +1568,7 @@
               <a:rPr lang="zh-CN" altLang="en-US" smtClean="0"/>
               <a:t>第三级</a:t>
             </a:r>
+            <a:endParaRPr lang="zh-CN" altLang="en-US" smtClean="0"/>
           </a:p>
           <a:p>
             <a:pPr lvl="3"/>
@@ -1566,6 +1576,7 @@
               <a:rPr lang="zh-CN" altLang="en-US" smtClean="0"/>
               <a:t>第四级</a:t>
             </a:r>
+            <a:endParaRPr lang="zh-CN" altLang="en-US" smtClean="0"/>
           </a:p>
           <a:p>
             <a:pPr lvl="4"/>
@@ -1594,7 +1605,6 @@
           <a:p>
             <a:fld id="{D997B5FA-0921-464F-AAE1-844C04324D75}" type="datetimeFigureOut">
               <a:rPr lang="zh-CN" altLang="en-US" smtClean="0"/>
-              <a:t>2018/3/17</a:t>
             </a:fld>
             <a:endParaRPr lang="zh-CN" altLang="en-US"/>
           </a:p>
@@ -1619,6 +1629,7 @@
               <a:rPr lang="zh-CN" altLang="en-US"/>
               <a:t>三人开发小组</a:t>
             </a:r>
+            <a:endParaRPr lang="zh-CN" altLang="en-US"/>
           </a:p>
         </p:txBody>
       </p:sp>
@@ -1639,7 +1650,6 @@
           <a:p>
             <a:fld id="{565CE74E-AB26-4998-AD42-012C4C1AD076}" type="slidenum">
               <a:rPr lang="zh-CN" altLang="en-US" smtClean="0"/>
-              <a:t>‹#›</a:t>
             </a:fld>
             <a:endParaRPr lang="zh-CN" altLang="en-US"/>
           </a:p>
@@ -1761,6 +1771,7 @@
               <a:rPr lang="zh-CN" altLang="en-US" smtClean="0"/>
               <a:t>单击此处编辑母版文本样式</a:t>
             </a:r>
+            <a:endParaRPr lang="zh-CN" altLang="en-US" smtClean="0"/>
           </a:p>
         </p:txBody>
       </p:sp>
@@ -1789,6 +1800,7 @@
               <a:rPr lang="zh-CN" altLang="en-US" smtClean="0"/>
               <a:t>单击此处编辑母版文本样式</a:t>
             </a:r>
+            <a:endParaRPr lang="zh-CN" altLang="en-US" smtClean="0"/>
           </a:p>
           <a:p>
             <a:pPr lvl="1"/>
@@ -1796,6 +1808,7 @@
               <a:rPr lang="zh-CN" altLang="en-US" smtClean="0"/>
               <a:t>第二级</a:t>
             </a:r>
+            <a:endParaRPr lang="zh-CN" altLang="en-US" smtClean="0"/>
           </a:p>
           <a:p>
             <a:pPr lvl="2"/>
@@ -1803,6 +1816,7 @@
               <a:rPr lang="zh-CN" altLang="en-US" smtClean="0"/>
               <a:t>第三级</a:t>
             </a:r>
+            <a:endParaRPr lang="zh-CN" altLang="en-US" smtClean="0"/>
           </a:p>
           <a:p>
             <a:pPr lvl="3"/>
@@ -1810,6 +1824,7 @@
               <a:rPr lang="zh-CN" altLang="en-US" smtClean="0"/>
               <a:t>第四级</a:t>
             </a:r>
+            <a:endParaRPr lang="zh-CN" altLang="en-US" smtClean="0"/>
           </a:p>
           <a:p>
             <a:pPr lvl="4"/>
@@ -1883,6 +1898,7 @@
               <a:rPr lang="zh-CN" altLang="en-US" smtClean="0"/>
               <a:t>单击此处编辑母版文本样式</a:t>
             </a:r>
+            <a:endParaRPr lang="zh-CN" altLang="en-US" smtClean="0"/>
           </a:p>
         </p:txBody>
       </p:sp>
@@ -1911,6 +1927,7 @@
               <a:rPr lang="zh-CN" altLang="en-US" smtClean="0"/>
               <a:t>单击此处编辑母版文本样式</a:t>
             </a:r>
+            <a:endParaRPr lang="zh-CN" altLang="en-US" smtClean="0"/>
           </a:p>
           <a:p>
             <a:pPr lvl="1"/>
@@ -1918,6 +1935,7 @@
               <a:rPr lang="zh-CN" altLang="en-US" smtClean="0"/>
               <a:t>第二级</a:t>
             </a:r>
+            <a:endParaRPr lang="zh-CN" altLang="en-US" smtClean="0"/>
           </a:p>
           <a:p>
             <a:pPr lvl="2"/>
@@ -1925,6 +1943,7 @@
               <a:rPr lang="zh-CN" altLang="en-US" smtClean="0"/>
               <a:t>第三级</a:t>
             </a:r>
+            <a:endParaRPr lang="zh-CN" altLang="en-US" smtClean="0"/>
           </a:p>
           <a:p>
             <a:pPr lvl="3"/>
@@ -1932,6 +1951,7 @@
               <a:rPr lang="zh-CN" altLang="en-US" smtClean="0"/>
               <a:t>第四级</a:t>
             </a:r>
+            <a:endParaRPr lang="zh-CN" altLang="en-US" smtClean="0"/>
           </a:p>
           <a:p>
             <a:pPr lvl="4"/>
@@ -1960,7 +1980,6 @@
           <a:p>
             <a:fld id="{D997B5FA-0921-464F-AAE1-844C04324D75}" type="datetimeFigureOut">
               <a:rPr lang="zh-CN" altLang="en-US" smtClean="0"/>
-              <a:t>2018/3/17</a:t>
             </a:fld>
             <a:endParaRPr lang="zh-CN" altLang="en-US"/>
           </a:p>
@@ -1985,6 +2004,7 @@
               <a:rPr lang="zh-CN" altLang="en-US"/>
               <a:t>三人开发小组</a:t>
             </a:r>
+            <a:endParaRPr lang="zh-CN" altLang="en-US"/>
           </a:p>
         </p:txBody>
       </p:sp>
@@ -2005,7 +2025,6 @@
           <a:p>
             <a:fld id="{565CE74E-AB26-4998-AD42-012C4C1AD076}" type="slidenum">
               <a:rPr lang="zh-CN" altLang="en-US" smtClean="0"/>
-              <a:t>‹#›</a:t>
             </a:fld>
             <a:endParaRPr lang="zh-CN" altLang="en-US"/>
           </a:p>
@@ -2077,7 +2096,6 @@
           <a:p>
             <a:fld id="{D997B5FA-0921-464F-AAE1-844C04324D75}" type="datetimeFigureOut">
               <a:rPr lang="zh-CN" altLang="en-US" smtClean="0"/>
-              <a:t>2018/3/17</a:t>
             </a:fld>
             <a:endParaRPr lang="zh-CN" altLang="en-US"/>
           </a:p>
@@ -2102,6 +2120,7 @@
               <a:rPr lang="zh-CN" altLang="en-US"/>
               <a:t>三人开发小组</a:t>
             </a:r>
+            <a:endParaRPr lang="zh-CN" altLang="en-US"/>
           </a:p>
         </p:txBody>
       </p:sp>
@@ -2122,7 +2141,6 @@
           <a:p>
             <a:fld id="{565CE74E-AB26-4998-AD42-012C4C1AD076}" type="slidenum">
               <a:rPr lang="zh-CN" altLang="en-US" smtClean="0"/>
-              <a:t>‹#›</a:t>
             </a:fld>
             <a:endParaRPr lang="zh-CN" altLang="en-US"/>
           </a:p>
@@ -2171,7 +2189,6 @@
           <a:p>
             <a:fld id="{D997B5FA-0921-464F-AAE1-844C04324D75}" type="datetimeFigureOut">
               <a:rPr lang="zh-CN" altLang="en-US" smtClean="0"/>
-              <a:t>2018/3/17</a:t>
             </a:fld>
             <a:endParaRPr lang="zh-CN" altLang="en-US"/>
           </a:p>
@@ -2196,6 +2213,7 @@
               <a:rPr lang="zh-CN" altLang="en-US"/>
               <a:t>三人开发小组</a:t>
             </a:r>
+            <a:endParaRPr lang="zh-CN" altLang="en-US"/>
           </a:p>
         </p:txBody>
       </p:sp>
@@ -2216,7 +2234,6 @@
           <a:p>
             <a:fld id="{565CE74E-AB26-4998-AD42-012C4C1AD076}" type="slidenum">
               <a:rPr lang="zh-CN" altLang="en-US" smtClean="0"/>
-              <a:t>‹#›</a:t>
             </a:fld>
             <a:endParaRPr lang="zh-CN" altLang="en-US"/>
           </a:p>
@@ -2333,6 +2350,7 @@
               <a:rPr lang="zh-CN" altLang="en-US" smtClean="0"/>
               <a:t>单击此处编辑母版文本样式</a:t>
             </a:r>
+            <a:endParaRPr lang="zh-CN" altLang="en-US" smtClean="0"/>
           </a:p>
           <a:p>
             <a:pPr lvl="1"/>
@@ -2340,6 +2358,7 @@
               <a:rPr lang="zh-CN" altLang="en-US" smtClean="0"/>
               <a:t>第二级</a:t>
             </a:r>
+            <a:endParaRPr lang="zh-CN" altLang="en-US" smtClean="0"/>
           </a:p>
           <a:p>
             <a:pPr lvl="2"/>
@@ -2347,6 +2366,7 @@
               <a:rPr lang="zh-CN" altLang="en-US" smtClean="0"/>
               <a:t>第三级</a:t>
             </a:r>
+            <a:endParaRPr lang="zh-CN" altLang="en-US" smtClean="0"/>
           </a:p>
           <a:p>
             <a:pPr lvl="3"/>
@@ -2354,6 +2374,7 @@
               <a:rPr lang="zh-CN" altLang="en-US" smtClean="0"/>
               <a:t>第四级</a:t>
             </a:r>
+            <a:endParaRPr lang="zh-CN" altLang="en-US" smtClean="0"/>
           </a:p>
           <a:p>
             <a:pPr lvl="4"/>
@@ -2427,6 +2448,7 @@
               <a:rPr lang="zh-CN" altLang="en-US" smtClean="0"/>
               <a:t>单击此处编辑母版文本样式</a:t>
             </a:r>
+            <a:endParaRPr lang="zh-CN" altLang="en-US" smtClean="0"/>
           </a:p>
         </p:txBody>
       </p:sp>
@@ -2447,7 +2469,6 @@
           <a:p>
             <a:fld id="{D997B5FA-0921-464F-AAE1-844C04324D75}" type="datetimeFigureOut">
               <a:rPr lang="zh-CN" altLang="en-US" smtClean="0"/>
-              <a:t>2018/3/17</a:t>
             </a:fld>
             <a:endParaRPr lang="zh-CN" altLang="en-US"/>
           </a:p>
@@ -2472,6 +2493,7 @@
               <a:rPr lang="zh-CN" altLang="en-US"/>
               <a:t>三人开发小组</a:t>
             </a:r>
+            <a:endParaRPr lang="zh-CN" altLang="en-US"/>
           </a:p>
         </p:txBody>
       </p:sp>
@@ -2492,7 +2514,6 @@
           <a:p>
             <a:fld id="{565CE74E-AB26-4998-AD42-012C4C1AD076}" type="slidenum">
               <a:rPr lang="zh-CN" altLang="en-US" smtClean="0"/>
-              <a:t>‹#›</a:t>
             </a:fld>
             <a:endParaRPr lang="zh-CN" altLang="en-US"/>
           </a:p>
@@ -2679,6 +2700,7 @@
               <a:rPr lang="zh-CN" altLang="en-US" smtClean="0"/>
               <a:t>单击此处编辑母版文本样式</a:t>
             </a:r>
+            <a:endParaRPr lang="zh-CN" altLang="en-US" smtClean="0"/>
           </a:p>
         </p:txBody>
       </p:sp>
@@ -2699,7 +2721,6 @@
           <a:p>
             <a:fld id="{D997B5FA-0921-464F-AAE1-844C04324D75}" type="datetimeFigureOut">
               <a:rPr lang="zh-CN" altLang="en-US" smtClean="0"/>
-              <a:t>2018/3/17</a:t>
             </a:fld>
             <a:endParaRPr lang="zh-CN" altLang="en-US"/>
           </a:p>
@@ -2724,6 +2745,7 @@
               <a:rPr lang="zh-CN" altLang="en-US"/>
               <a:t>三人开发小组</a:t>
             </a:r>
+            <a:endParaRPr lang="zh-CN" altLang="en-US"/>
           </a:p>
         </p:txBody>
       </p:sp>
@@ -2744,7 +2766,6 @@
           <a:p>
             <a:fld id="{565CE74E-AB26-4998-AD42-012C4C1AD076}" type="slidenum">
               <a:rPr lang="zh-CN" altLang="en-US" smtClean="0"/>
-              <a:t>‹#›</a:t>
             </a:fld>
             <a:endParaRPr lang="zh-CN" altLang="en-US"/>
           </a:p>
@@ -2844,6 +2865,7 @@
               <a:rPr lang="zh-CN" altLang="en-US" smtClean="0"/>
               <a:t>单击此处编辑母版文本样式</a:t>
             </a:r>
+            <a:endParaRPr lang="zh-CN" altLang="en-US" smtClean="0"/>
           </a:p>
           <a:p>
             <a:pPr lvl="1"/>
@@ -2851,6 +2873,7 @@
               <a:rPr lang="zh-CN" altLang="en-US" smtClean="0"/>
               <a:t>第二级</a:t>
             </a:r>
+            <a:endParaRPr lang="zh-CN" altLang="en-US" smtClean="0"/>
           </a:p>
           <a:p>
             <a:pPr lvl="2"/>
@@ -2858,6 +2881,7 @@
               <a:rPr lang="zh-CN" altLang="en-US" smtClean="0"/>
               <a:t>第三级</a:t>
             </a:r>
+            <a:endParaRPr lang="zh-CN" altLang="en-US" smtClean="0"/>
           </a:p>
           <a:p>
             <a:pPr lvl="3"/>
@@ -2865,6 +2889,7 @@
               <a:rPr lang="zh-CN" altLang="en-US" smtClean="0"/>
               <a:t>第四级</a:t>
             </a:r>
+            <a:endParaRPr lang="zh-CN" altLang="en-US" smtClean="0"/>
           </a:p>
           <a:p>
             <a:pPr lvl="4"/>
@@ -2911,7 +2936,6 @@
           <a:p>
             <a:fld id="{D997B5FA-0921-464F-AAE1-844C04324D75}" type="datetimeFigureOut">
               <a:rPr lang="zh-CN" altLang="en-US" smtClean="0"/>
-              <a:t>2018/3/17</a:t>
             </a:fld>
             <a:endParaRPr lang="zh-CN" altLang="en-US"/>
           </a:p>
@@ -2954,6 +2978,7 @@
               <a:rPr lang="zh-CN" altLang="en-US"/>
               <a:t>三人开发小组</a:t>
             </a:r>
+            <a:endParaRPr lang="zh-CN" altLang="en-US"/>
           </a:p>
         </p:txBody>
       </p:sp>
@@ -2992,7 +3017,6 @@
           <a:p>
             <a:fld id="{565CE74E-AB26-4998-AD42-012C4C1AD076}" type="slidenum">
               <a:rPr lang="zh-CN" altLang="en-US" smtClean="0"/>
-              <a:t>‹#›</a:t>
             </a:fld>
             <a:endParaRPr lang="zh-CN" altLang="en-US"/>
           </a:p>
@@ -4234,11 +4258,6 @@
         </p:txBody>
       </p:sp>
     </p:spTree>
-    <p:extLst>
-      <p:ext uri="{BB962C8B-B14F-4D97-AF65-F5344CB8AC3E}">
-        <p14:creationId xmlns:p14="http://schemas.microsoft.com/office/powerpoint/2010/main" val="2601495736"/>
-      </p:ext>
-    </p:extLst>
   </p:cSld>
   <p:clrMapOvr>
     <a:masterClrMapping/>
@@ -5507,11 +5526,6 @@
         </p:txBody>
       </p:sp>
     </p:spTree>
-    <p:extLst>
-      <p:ext uri="{BB962C8B-B14F-4D97-AF65-F5344CB8AC3E}">
-        <p14:creationId xmlns:p14="http://schemas.microsoft.com/office/powerpoint/2010/main" val="210689792"/>
-      </p:ext>
-    </p:extLst>
   </p:cSld>
   <p:clrMapOvr>
     <a:masterClrMapping/>
@@ -6642,7 +6656,6 @@
           <a:solidFill>
             <a:srgbClr val="EFDD9C"/>
           </a:solidFill>
-          <a:ln/>
         </p:spPr>
         <p:style>
           <a:lnRef idx="0">
@@ -7260,11 +7273,6 @@
         </p:txBody>
       </p:sp>
     </p:spTree>
-    <p:extLst>
-      <p:ext uri="{BB962C8B-B14F-4D97-AF65-F5344CB8AC3E}">
-        <p14:creationId xmlns:p14="http://schemas.microsoft.com/office/powerpoint/2010/main" val="1063531890"/>
-      </p:ext>
-    </p:extLst>
   </p:cSld>
   <p:clrMapOvr>
     <a:masterClrMapping/>
@@ -7866,11 +7874,6 @@
         </p:txBody>
       </p:sp>
     </p:spTree>
-    <p:extLst>
-      <p:ext uri="{BB962C8B-B14F-4D97-AF65-F5344CB8AC3E}">
-        <p14:creationId xmlns:p14="http://schemas.microsoft.com/office/powerpoint/2010/main" val="3439001549"/>
-      </p:ext>
-    </p:extLst>
   </p:cSld>
   <p:clrMapOvr>
     <a:masterClrMapping/>
@@ -8269,15 +8272,7 @@
                   <a:prstClr val="white"/>
                 </a:solidFill>
               </a:rPr>
-              <a:t>境扫描系</a:t>
-            </a:r>
-            <a:r>
-              <a:rPr lang="zh-CN" altLang="en-US" sz="3000" dirty="0" smtClean="0">
-                <a:solidFill>
-                  <a:prstClr val="white"/>
-                </a:solidFill>
-              </a:rPr>
-              <a:t>统界面</a:t>
+              <a:t>境扫描系统界面</a:t>
             </a:r>
             <a:endParaRPr lang="en-US" altLang="zh-CN" sz="3000" dirty="0">
               <a:solidFill>
@@ -9003,7 +8998,6 @@
           <a:solidFill>
             <a:srgbClr val="EFDD9C"/>
           </a:solidFill>
-          <a:ln/>
         </p:spPr>
         <p:style>
           <a:lnRef idx="0">
@@ -9048,6 +9042,11 @@
               </a:rPr>
               <a:t>日志</a:t>
             </a:r>
+            <a:endParaRPr lang="zh-CN" altLang="en-US" dirty="0">
+              <a:solidFill>
+                <a:prstClr val="black"/>
+              </a:solidFill>
+            </a:endParaRPr>
           </a:p>
         </p:txBody>
       </p:sp>
@@ -9605,6 +9604,11 @@
               </a:rPr>
               <a:t>保安</a:t>
             </a:r>
+            <a:endParaRPr lang="zh-CN" altLang="en-US" dirty="0">
+              <a:solidFill>
+                <a:schemeClr val="tx1"/>
+              </a:solidFill>
+            </a:endParaRPr>
           </a:p>
         </p:txBody>
       </p:sp>
@@ -9658,6 +9662,11 @@
               </a:rPr>
               <a:t>背后</a:t>
             </a:r>
+            <a:endParaRPr lang="zh-CN" altLang="en-US" dirty="0">
+              <a:solidFill>
+                <a:schemeClr val="tx1"/>
+              </a:solidFill>
+            </a:endParaRPr>
           </a:p>
         </p:txBody>
       </p:sp>
@@ -9758,11 +9767,5256 @@
         </p:txBody>
       </p:sp>
     </p:spTree>
-    <p:extLst>
-      <p:ext uri="{BB962C8B-B14F-4D97-AF65-F5344CB8AC3E}">
-        <p14:creationId xmlns:p14="http://schemas.microsoft.com/office/powerpoint/2010/main" val="1526253796"/>
-      </p:ext>
-    </p:extLst>
+  </p:cSld>
+  <p:clrMapOvr>
+    <a:masterClrMapping/>
+  </p:clrMapOvr>
+  <p:timing>
+    <p:tnLst>
+      <p:par>
+        <p:cTn id="1" dur="indefinite" restart="never" nodeType="tmRoot"/>
+      </p:par>
+    </p:tnLst>
+  </p:timing>
+</p:sld>
+</file>
+
+<file path=ppt/slides/slide7.xml><?xml version="1.0" encoding="utf-8"?>
+<p:sld xmlns:a="http://schemas.openxmlformats.org/drawingml/2006/main" xmlns:r="http://schemas.openxmlformats.org/officeDocument/2006/relationships" xmlns:p="http://schemas.openxmlformats.org/presentationml/2006/main">
+  <p:cSld>
+    <p:bg>
+      <p:bgPr>
+        <a:solidFill>
+          <a:schemeClr val="tx1">
+            <a:lumMod val="75000"/>
+            <a:lumOff val="25000"/>
+          </a:schemeClr>
+        </a:solidFill>
+        <a:effectLst/>
+      </p:bgPr>
+    </p:bg>
+    <p:spTree>
+      <p:nvGrpSpPr>
+        <p:cNvPr id="1" name=""/>
+        <p:cNvGrpSpPr/>
+        <p:nvPr/>
+      </p:nvGrpSpPr>
+      <p:grpSpPr>
+        <a:xfrm>
+          <a:off x="0" y="0"/>
+          <a:ext cx="0" cy="0"/>
+          <a:chOff x="0" y="0"/>
+          <a:chExt cx="0" cy="0"/>
+        </a:xfrm>
+      </p:grpSpPr>
+      <p:sp>
+        <p:nvSpPr>
+          <p:cNvPr id="9" name="Rectangle 8"/>
+          <p:cNvSpPr/>
+          <p:nvPr/>
+        </p:nvSpPr>
+        <p:spPr>
+          <a:xfrm>
+            <a:off x="1" y="242485"/>
+            <a:ext cx="4128370" cy="65217"/>
+          </a:xfrm>
+          <a:prstGeom prst="rect">
+            <a:avLst/>
+          </a:prstGeom>
+          <a:solidFill>
+            <a:srgbClr val="9CAEF0"/>
+          </a:solidFill>
+          <a:ln>
+            <a:noFill/>
+          </a:ln>
+        </p:spPr>
+        <p:style>
+          <a:lnRef idx="2">
+            <a:schemeClr val="accent1">
+              <a:shade val="50000"/>
+            </a:schemeClr>
+          </a:lnRef>
+          <a:fillRef idx="1">
+            <a:schemeClr val="accent1"/>
+          </a:fillRef>
+          <a:effectRef idx="0">
+            <a:schemeClr val="accent1"/>
+          </a:effectRef>
+          <a:fontRef idx="minor">
+            <a:schemeClr val="lt1"/>
+          </a:fontRef>
+        </p:style>
+        <p:txBody>
+          <a:bodyPr rtlCol="0" anchor="ctr"/>
+          <a:lstStyle/>
+          <a:p>
+            <a:pPr algn="ctr"/>
+            <a:endParaRPr lang="zh-CN" altLang="en-US">
+              <a:solidFill>
+                <a:prstClr val="white"/>
+              </a:solidFill>
+            </a:endParaRPr>
+          </a:p>
+        </p:txBody>
+      </p:sp>
+      <p:sp>
+        <p:nvSpPr>
+          <p:cNvPr id="40" name="Rectangle 39"/>
+          <p:cNvSpPr/>
+          <p:nvPr/>
+        </p:nvSpPr>
+        <p:spPr>
+          <a:xfrm>
+            <a:off x="1" y="402349"/>
+            <a:ext cx="4128370" cy="65217"/>
+          </a:xfrm>
+          <a:prstGeom prst="rect">
+            <a:avLst/>
+          </a:prstGeom>
+          <a:solidFill>
+            <a:srgbClr val="9CD8F0"/>
+          </a:solidFill>
+          <a:ln>
+            <a:noFill/>
+          </a:ln>
+        </p:spPr>
+        <p:style>
+          <a:lnRef idx="2">
+            <a:schemeClr val="accent1">
+              <a:shade val="50000"/>
+            </a:schemeClr>
+          </a:lnRef>
+          <a:fillRef idx="1">
+            <a:schemeClr val="accent1"/>
+          </a:fillRef>
+          <a:effectRef idx="0">
+            <a:schemeClr val="accent1"/>
+          </a:effectRef>
+          <a:fontRef idx="minor">
+            <a:schemeClr val="lt1"/>
+          </a:fontRef>
+        </p:style>
+        <p:txBody>
+          <a:bodyPr rtlCol="0" anchor="ctr"/>
+          <a:lstStyle/>
+          <a:p>
+            <a:pPr algn="ctr"/>
+            <a:endParaRPr lang="zh-CN" altLang="en-US">
+              <a:solidFill>
+                <a:prstClr val="white"/>
+              </a:solidFill>
+            </a:endParaRPr>
+          </a:p>
+        </p:txBody>
+      </p:sp>
+      <p:sp>
+        <p:nvSpPr>
+          <p:cNvPr id="41" name="Rectangle 40"/>
+          <p:cNvSpPr/>
+          <p:nvPr/>
+        </p:nvSpPr>
+        <p:spPr>
+          <a:xfrm>
+            <a:off x="0" y="562213"/>
+            <a:ext cx="4128370" cy="65217"/>
+          </a:xfrm>
+          <a:prstGeom prst="rect">
+            <a:avLst/>
+          </a:prstGeom>
+          <a:solidFill>
+            <a:srgbClr val="EFDD9C"/>
+          </a:solidFill>
+          <a:ln>
+            <a:noFill/>
+          </a:ln>
+        </p:spPr>
+        <p:style>
+          <a:lnRef idx="2">
+            <a:schemeClr val="accent1">
+              <a:shade val="50000"/>
+            </a:schemeClr>
+          </a:lnRef>
+          <a:fillRef idx="1">
+            <a:schemeClr val="accent1"/>
+          </a:fillRef>
+          <a:effectRef idx="0">
+            <a:schemeClr val="accent1"/>
+          </a:effectRef>
+          <a:fontRef idx="minor">
+            <a:schemeClr val="lt1"/>
+          </a:fontRef>
+        </p:style>
+        <p:txBody>
+          <a:bodyPr rtlCol="0" anchor="ctr"/>
+          <a:lstStyle/>
+          <a:p>
+            <a:pPr algn="ctr"/>
+            <a:endParaRPr lang="zh-CN" altLang="en-US">
+              <a:solidFill>
+                <a:prstClr val="white"/>
+              </a:solidFill>
+            </a:endParaRPr>
+          </a:p>
+        </p:txBody>
+      </p:sp>
+      <p:sp>
+        <p:nvSpPr>
+          <p:cNvPr id="42" name="Rectangle 41"/>
+          <p:cNvSpPr/>
+          <p:nvPr/>
+        </p:nvSpPr>
+        <p:spPr>
+          <a:xfrm>
+            <a:off x="8602383" y="242485"/>
+            <a:ext cx="4128370" cy="65217"/>
+          </a:xfrm>
+          <a:prstGeom prst="rect">
+            <a:avLst/>
+          </a:prstGeom>
+          <a:solidFill>
+            <a:srgbClr val="9CAEF0"/>
+          </a:solidFill>
+          <a:ln>
+            <a:noFill/>
+          </a:ln>
+        </p:spPr>
+        <p:style>
+          <a:lnRef idx="2">
+            <a:schemeClr val="accent1">
+              <a:shade val="50000"/>
+            </a:schemeClr>
+          </a:lnRef>
+          <a:fillRef idx="1">
+            <a:schemeClr val="accent1"/>
+          </a:fillRef>
+          <a:effectRef idx="0">
+            <a:schemeClr val="accent1"/>
+          </a:effectRef>
+          <a:fontRef idx="minor">
+            <a:schemeClr val="lt1"/>
+          </a:fontRef>
+        </p:style>
+        <p:txBody>
+          <a:bodyPr rtlCol="0" anchor="ctr"/>
+          <a:lstStyle/>
+          <a:p>
+            <a:pPr algn="ctr"/>
+            <a:endParaRPr lang="zh-CN" altLang="en-US">
+              <a:solidFill>
+                <a:prstClr val="white"/>
+              </a:solidFill>
+            </a:endParaRPr>
+          </a:p>
+        </p:txBody>
+      </p:sp>
+      <p:sp>
+        <p:nvSpPr>
+          <p:cNvPr id="43" name="Rectangle 42"/>
+          <p:cNvSpPr/>
+          <p:nvPr/>
+        </p:nvSpPr>
+        <p:spPr>
+          <a:xfrm>
+            <a:off x="8602383" y="402349"/>
+            <a:ext cx="4128370" cy="65217"/>
+          </a:xfrm>
+          <a:prstGeom prst="rect">
+            <a:avLst/>
+          </a:prstGeom>
+          <a:solidFill>
+            <a:srgbClr val="9CD8F0"/>
+          </a:solidFill>
+          <a:ln>
+            <a:noFill/>
+          </a:ln>
+        </p:spPr>
+        <p:style>
+          <a:lnRef idx="2">
+            <a:schemeClr val="accent1">
+              <a:shade val="50000"/>
+            </a:schemeClr>
+          </a:lnRef>
+          <a:fillRef idx="1">
+            <a:schemeClr val="accent1"/>
+          </a:fillRef>
+          <a:effectRef idx="0">
+            <a:schemeClr val="accent1"/>
+          </a:effectRef>
+          <a:fontRef idx="minor">
+            <a:schemeClr val="lt1"/>
+          </a:fontRef>
+        </p:style>
+        <p:txBody>
+          <a:bodyPr rtlCol="0" anchor="ctr"/>
+          <a:lstStyle/>
+          <a:p>
+            <a:pPr algn="ctr"/>
+            <a:endParaRPr lang="zh-CN" altLang="en-US">
+              <a:solidFill>
+                <a:prstClr val="white"/>
+              </a:solidFill>
+            </a:endParaRPr>
+          </a:p>
+        </p:txBody>
+      </p:sp>
+      <p:sp>
+        <p:nvSpPr>
+          <p:cNvPr id="44" name="Rectangle 43"/>
+          <p:cNvSpPr/>
+          <p:nvPr/>
+        </p:nvSpPr>
+        <p:spPr>
+          <a:xfrm>
+            <a:off x="8602382" y="562213"/>
+            <a:ext cx="4128370" cy="65217"/>
+          </a:xfrm>
+          <a:prstGeom prst="rect">
+            <a:avLst/>
+          </a:prstGeom>
+          <a:solidFill>
+            <a:srgbClr val="EFDD9C"/>
+          </a:solidFill>
+          <a:ln>
+            <a:noFill/>
+          </a:ln>
+        </p:spPr>
+        <p:style>
+          <a:lnRef idx="2">
+            <a:schemeClr val="accent1">
+              <a:shade val="50000"/>
+            </a:schemeClr>
+          </a:lnRef>
+          <a:fillRef idx="1">
+            <a:schemeClr val="accent1"/>
+          </a:fillRef>
+          <a:effectRef idx="0">
+            <a:schemeClr val="accent1"/>
+          </a:effectRef>
+          <a:fontRef idx="minor">
+            <a:schemeClr val="lt1"/>
+          </a:fontRef>
+        </p:style>
+        <p:txBody>
+          <a:bodyPr rtlCol="0" anchor="ctr"/>
+          <a:lstStyle/>
+          <a:p>
+            <a:pPr algn="ctr"/>
+            <a:endParaRPr lang="zh-CN" altLang="en-US">
+              <a:solidFill>
+                <a:prstClr val="white"/>
+              </a:solidFill>
+            </a:endParaRPr>
+          </a:p>
+        </p:txBody>
+      </p:sp>
+      <p:sp>
+        <p:nvSpPr>
+          <p:cNvPr id="5" name="Rectangle 4"/>
+          <p:cNvSpPr/>
+          <p:nvPr/>
+        </p:nvSpPr>
+        <p:spPr>
+          <a:xfrm>
+            <a:off x="4128371" y="137403"/>
+            <a:ext cx="4474011" cy="585823"/>
+          </a:xfrm>
+          <a:prstGeom prst="rect">
+            <a:avLst/>
+          </a:prstGeom>
+          <a:noFill/>
+          <a:ln w="57150">
+            <a:solidFill>
+              <a:srgbClr val="8678AB"/>
+            </a:solidFill>
+          </a:ln>
+        </p:spPr>
+        <p:style>
+          <a:lnRef idx="2">
+            <a:schemeClr val="accent1">
+              <a:shade val="50000"/>
+            </a:schemeClr>
+          </a:lnRef>
+          <a:fillRef idx="1">
+            <a:schemeClr val="accent1"/>
+          </a:fillRef>
+          <a:effectRef idx="0">
+            <a:schemeClr val="accent1"/>
+          </a:effectRef>
+          <a:fontRef idx="minor">
+            <a:schemeClr val="lt1"/>
+          </a:fontRef>
+        </p:style>
+        <p:txBody>
+          <a:bodyPr rtlCol="0" anchor="ctr"/>
+          <a:lstStyle/>
+          <a:p>
+            <a:pPr algn="ctr"/>
+            <a:r>
+              <a:rPr lang="zh-CN" altLang="en-US" sz="3000" dirty="0">
+                <a:solidFill>
+                  <a:prstClr val="white"/>
+                </a:solidFill>
+              </a:rPr>
+              <a:t>以上玩法不足</a:t>
+            </a:r>
+            <a:endParaRPr lang="zh-CN" altLang="en-US" sz="3000" dirty="0">
+              <a:solidFill>
+                <a:prstClr val="white"/>
+              </a:solidFill>
+            </a:endParaRPr>
+          </a:p>
+        </p:txBody>
+      </p:sp>
+      <p:sp>
+        <p:nvSpPr>
+          <p:cNvPr id="8" name="Rectangle 7"/>
+          <p:cNvSpPr/>
+          <p:nvPr/>
+        </p:nvSpPr>
+        <p:spPr>
+          <a:xfrm>
+            <a:off x="924128" y="242485"/>
+            <a:ext cx="457200" cy="398335"/>
+          </a:xfrm>
+          <a:prstGeom prst="rect">
+            <a:avLst/>
+          </a:prstGeom>
+          <a:solidFill>
+            <a:schemeClr val="tx1">
+              <a:lumMod val="75000"/>
+              <a:lumOff val="25000"/>
+            </a:schemeClr>
+          </a:solidFill>
+          <a:ln>
+            <a:noFill/>
+          </a:ln>
+        </p:spPr>
+        <p:style>
+          <a:lnRef idx="2">
+            <a:schemeClr val="accent1">
+              <a:shade val="50000"/>
+            </a:schemeClr>
+          </a:lnRef>
+          <a:fillRef idx="1">
+            <a:schemeClr val="accent1"/>
+          </a:fillRef>
+          <a:effectRef idx="0">
+            <a:schemeClr val="accent1"/>
+          </a:effectRef>
+          <a:fontRef idx="minor">
+            <a:schemeClr val="lt1"/>
+          </a:fontRef>
+        </p:style>
+        <p:txBody>
+          <a:bodyPr rtlCol="0" anchor="ctr"/>
+          <a:lstStyle/>
+          <a:p>
+            <a:pPr algn="ctr"/>
+            <a:r>
+              <a:rPr lang="en-US" altLang="zh-CN" dirty="0">
+                <a:solidFill>
+                  <a:prstClr val="white"/>
+                </a:solidFill>
+              </a:rPr>
+              <a:t>6</a:t>
+            </a:r>
+            <a:endParaRPr lang="en-US" altLang="zh-CN" dirty="0">
+              <a:solidFill>
+                <a:prstClr val="white"/>
+              </a:solidFill>
+            </a:endParaRPr>
+          </a:p>
+        </p:txBody>
+      </p:sp>
+      <p:sp>
+        <p:nvSpPr>
+          <p:cNvPr id="46" name="TextBox 45"/>
+          <p:cNvSpPr txBox="1"/>
+          <p:nvPr/>
+        </p:nvSpPr>
+        <p:spPr>
+          <a:xfrm>
+            <a:off x="3381375" y="2783840"/>
+            <a:ext cx="5967730" cy="475615"/>
+          </a:xfrm>
+          <a:prstGeom prst="rect">
+            <a:avLst/>
+          </a:prstGeom>
+          <a:noFill/>
+        </p:spPr>
+        <p:txBody>
+          <a:bodyPr wrap="square" rtlCol="0">
+            <a:spAutoFit/>
+          </a:bodyPr>
+          <a:lstStyle/>
+          <a:p>
+            <a:pPr>
+              <a:lnSpc>
+                <a:spcPts val="3000"/>
+              </a:lnSpc>
+            </a:pPr>
+            <a:r>
+              <a:rPr lang="zh-CN" altLang="en-US" sz="2000" dirty="0" smtClean="0">
+                <a:solidFill>
+                  <a:prstClr val="white"/>
+                </a:solidFill>
+              </a:rPr>
+              <a:t>主要问题：文字的组合难以全球化难全球化</a:t>
+            </a:r>
+            <a:endParaRPr lang="zh-CN" altLang="en-US" sz="2000" dirty="0" smtClean="0">
+              <a:solidFill>
+                <a:prstClr val="white"/>
+              </a:solidFill>
+            </a:endParaRPr>
+          </a:p>
+        </p:txBody>
+      </p:sp>
+    </p:spTree>
+  </p:cSld>
+  <p:clrMapOvr>
+    <a:masterClrMapping/>
+  </p:clrMapOvr>
+  <p:timing>
+    <p:tnLst>
+      <p:par>
+        <p:cTn id="1" dur="indefinite" restart="never" nodeType="tmRoot"/>
+      </p:par>
+    </p:tnLst>
+  </p:timing>
+</p:sld>
+</file>
+
+<file path=ppt/slides/slide8.xml><?xml version="1.0" encoding="utf-8"?>
+<p:sld xmlns:a="http://schemas.openxmlformats.org/drawingml/2006/main" xmlns:r="http://schemas.openxmlformats.org/officeDocument/2006/relationships" xmlns:p="http://schemas.openxmlformats.org/presentationml/2006/main">
+  <p:cSld>
+    <p:bg>
+      <p:bgPr>
+        <a:solidFill>
+          <a:schemeClr val="tx1">
+            <a:lumMod val="75000"/>
+            <a:lumOff val="25000"/>
+          </a:schemeClr>
+        </a:solidFill>
+        <a:effectLst/>
+      </p:bgPr>
+    </p:bg>
+    <p:spTree>
+      <p:nvGrpSpPr>
+        <p:cNvPr id="1" name=""/>
+        <p:cNvGrpSpPr/>
+        <p:nvPr/>
+      </p:nvGrpSpPr>
+      <p:grpSpPr>
+        <a:xfrm>
+          <a:off x="0" y="0"/>
+          <a:ext cx="0" cy="0"/>
+          <a:chOff x="0" y="0"/>
+          <a:chExt cx="0" cy="0"/>
+        </a:xfrm>
+      </p:grpSpPr>
+      <p:sp>
+        <p:nvSpPr>
+          <p:cNvPr id="9" name="Rectangle 8"/>
+          <p:cNvSpPr/>
+          <p:nvPr/>
+        </p:nvSpPr>
+        <p:spPr>
+          <a:xfrm>
+            <a:off x="1" y="242485"/>
+            <a:ext cx="4128370" cy="65217"/>
+          </a:xfrm>
+          <a:prstGeom prst="rect">
+            <a:avLst/>
+          </a:prstGeom>
+          <a:solidFill>
+            <a:srgbClr val="9CAEF0"/>
+          </a:solidFill>
+          <a:ln>
+            <a:noFill/>
+          </a:ln>
+        </p:spPr>
+        <p:style>
+          <a:lnRef idx="2">
+            <a:schemeClr val="accent1">
+              <a:shade val="50000"/>
+            </a:schemeClr>
+          </a:lnRef>
+          <a:fillRef idx="1">
+            <a:schemeClr val="accent1"/>
+          </a:fillRef>
+          <a:effectRef idx="0">
+            <a:schemeClr val="accent1"/>
+          </a:effectRef>
+          <a:fontRef idx="minor">
+            <a:schemeClr val="lt1"/>
+          </a:fontRef>
+        </p:style>
+        <p:txBody>
+          <a:bodyPr rtlCol="0" anchor="ctr"/>
+          <a:lstStyle/>
+          <a:p>
+            <a:pPr algn="ctr"/>
+            <a:endParaRPr lang="zh-CN" altLang="en-US">
+              <a:solidFill>
+                <a:prstClr val="white"/>
+              </a:solidFill>
+            </a:endParaRPr>
+          </a:p>
+        </p:txBody>
+      </p:sp>
+      <p:sp>
+        <p:nvSpPr>
+          <p:cNvPr id="40" name="Rectangle 39"/>
+          <p:cNvSpPr/>
+          <p:nvPr/>
+        </p:nvSpPr>
+        <p:spPr>
+          <a:xfrm>
+            <a:off x="1" y="402349"/>
+            <a:ext cx="4128370" cy="65217"/>
+          </a:xfrm>
+          <a:prstGeom prst="rect">
+            <a:avLst/>
+          </a:prstGeom>
+          <a:solidFill>
+            <a:srgbClr val="9CD8F0"/>
+          </a:solidFill>
+          <a:ln>
+            <a:noFill/>
+          </a:ln>
+        </p:spPr>
+        <p:style>
+          <a:lnRef idx="2">
+            <a:schemeClr val="accent1">
+              <a:shade val="50000"/>
+            </a:schemeClr>
+          </a:lnRef>
+          <a:fillRef idx="1">
+            <a:schemeClr val="accent1"/>
+          </a:fillRef>
+          <a:effectRef idx="0">
+            <a:schemeClr val="accent1"/>
+          </a:effectRef>
+          <a:fontRef idx="minor">
+            <a:schemeClr val="lt1"/>
+          </a:fontRef>
+        </p:style>
+        <p:txBody>
+          <a:bodyPr rtlCol="0" anchor="ctr"/>
+          <a:lstStyle/>
+          <a:p>
+            <a:pPr algn="ctr"/>
+            <a:endParaRPr lang="zh-CN" altLang="en-US">
+              <a:solidFill>
+                <a:prstClr val="white"/>
+              </a:solidFill>
+            </a:endParaRPr>
+          </a:p>
+        </p:txBody>
+      </p:sp>
+      <p:sp>
+        <p:nvSpPr>
+          <p:cNvPr id="41" name="Rectangle 40"/>
+          <p:cNvSpPr/>
+          <p:nvPr/>
+        </p:nvSpPr>
+        <p:spPr>
+          <a:xfrm>
+            <a:off x="0" y="562213"/>
+            <a:ext cx="4128370" cy="65217"/>
+          </a:xfrm>
+          <a:prstGeom prst="rect">
+            <a:avLst/>
+          </a:prstGeom>
+          <a:solidFill>
+            <a:srgbClr val="EFDD9C"/>
+          </a:solidFill>
+          <a:ln>
+            <a:noFill/>
+          </a:ln>
+        </p:spPr>
+        <p:style>
+          <a:lnRef idx="2">
+            <a:schemeClr val="accent1">
+              <a:shade val="50000"/>
+            </a:schemeClr>
+          </a:lnRef>
+          <a:fillRef idx="1">
+            <a:schemeClr val="accent1"/>
+          </a:fillRef>
+          <a:effectRef idx="0">
+            <a:schemeClr val="accent1"/>
+          </a:effectRef>
+          <a:fontRef idx="minor">
+            <a:schemeClr val="lt1"/>
+          </a:fontRef>
+        </p:style>
+        <p:txBody>
+          <a:bodyPr rtlCol="0" anchor="ctr"/>
+          <a:lstStyle/>
+          <a:p>
+            <a:pPr algn="ctr"/>
+            <a:endParaRPr lang="zh-CN" altLang="en-US">
+              <a:solidFill>
+                <a:prstClr val="white"/>
+              </a:solidFill>
+            </a:endParaRPr>
+          </a:p>
+        </p:txBody>
+      </p:sp>
+      <p:sp>
+        <p:nvSpPr>
+          <p:cNvPr id="42" name="Rectangle 41"/>
+          <p:cNvSpPr/>
+          <p:nvPr/>
+        </p:nvSpPr>
+        <p:spPr>
+          <a:xfrm>
+            <a:off x="8602383" y="242485"/>
+            <a:ext cx="4128370" cy="65217"/>
+          </a:xfrm>
+          <a:prstGeom prst="rect">
+            <a:avLst/>
+          </a:prstGeom>
+          <a:solidFill>
+            <a:srgbClr val="9CAEF0"/>
+          </a:solidFill>
+          <a:ln>
+            <a:noFill/>
+          </a:ln>
+        </p:spPr>
+        <p:style>
+          <a:lnRef idx="2">
+            <a:schemeClr val="accent1">
+              <a:shade val="50000"/>
+            </a:schemeClr>
+          </a:lnRef>
+          <a:fillRef idx="1">
+            <a:schemeClr val="accent1"/>
+          </a:fillRef>
+          <a:effectRef idx="0">
+            <a:schemeClr val="accent1"/>
+          </a:effectRef>
+          <a:fontRef idx="minor">
+            <a:schemeClr val="lt1"/>
+          </a:fontRef>
+        </p:style>
+        <p:txBody>
+          <a:bodyPr rtlCol="0" anchor="ctr"/>
+          <a:lstStyle/>
+          <a:p>
+            <a:pPr algn="ctr"/>
+            <a:endParaRPr lang="zh-CN" altLang="en-US">
+              <a:solidFill>
+                <a:prstClr val="white"/>
+              </a:solidFill>
+            </a:endParaRPr>
+          </a:p>
+        </p:txBody>
+      </p:sp>
+      <p:sp>
+        <p:nvSpPr>
+          <p:cNvPr id="43" name="Rectangle 42"/>
+          <p:cNvSpPr/>
+          <p:nvPr/>
+        </p:nvSpPr>
+        <p:spPr>
+          <a:xfrm>
+            <a:off x="8602383" y="402349"/>
+            <a:ext cx="4128370" cy="65217"/>
+          </a:xfrm>
+          <a:prstGeom prst="rect">
+            <a:avLst/>
+          </a:prstGeom>
+          <a:solidFill>
+            <a:srgbClr val="9CD8F0"/>
+          </a:solidFill>
+          <a:ln>
+            <a:noFill/>
+          </a:ln>
+        </p:spPr>
+        <p:style>
+          <a:lnRef idx="2">
+            <a:schemeClr val="accent1">
+              <a:shade val="50000"/>
+            </a:schemeClr>
+          </a:lnRef>
+          <a:fillRef idx="1">
+            <a:schemeClr val="accent1"/>
+          </a:fillRef>
+          <a:effectRef idx="0">
+            <a:schemeClr val="accent1"/>
+          </a:effectRef>
+          <a:fontRef idx="minor">
+            <a:schemeClr val="lt1"/>
+          </a:fontRef>
+        </p:style>
+        <p:txBody>
+          <a:bodyPr rtlCol="0" anchor="ctr"/>
+          <a:lstStyle/>
+          <a:p>
+            <a:pPr algn="ctr"/>
+            <a:endParaRPr lang="zh-CN" altLang="en-US">
+              <a:solidFill>
+                <a:prstClr val="white"/>
+              </a:solidFill>
+            </a:endParaRPr>
+          </a:p>
+        </p:txBody>
+      </p:sp>
+      <p:sp>
+        <p:nvSpPr>
+          <p:cNvPr id="44" name="Rectangle 43"/>
+          <p:cNvSpPr/>
+          <p:nvPr/>
+        </p:nvSpPr>
+        <p:spPr>
+          <a:xfrm>
+            <a:off x="8602382" y="562213"/>
+            <a:ext cx="4128370" cy="65217"/>
+          </a:xfrm>
+          <a:prstGeom prst="rect">
+            <a:avLst/>
+          </a:prstGeom>
+          <a:solidFill>
+            <a:srgbClr val="EFDD9C"/>
+          </a:solidFill>
+          <a:ln>
+            <a:noFill/>
+          </a:ln>
+        </p:spPr>
+        <p:style>
+          <a:lnRef idx="2">
+            <a:schemeClr val="accent1">
+              <a:shade val="50000"/>
+            </a:schemeClr>
+          </a:lnRef>
+          <a:fillRef idx="1">
+            <a:schemeClr val="accent1"/>
+          </a:fillRef>
+          <a:effectRef idx="0">
+            <a:schemeClr val="accent1"/>
+          </a:effectRef>
+          <a:fontRef idx="minor">
+            <a:schemeClr val="lt1"/>
+          </a:fontRef>
+        </p:style>
+        <p:txBody>
+          <a:bodyPr rtlCol="0" anchor="ctr"/>
+          <a:lstStyle/>
+          <a:p>
+            <a:pPr algn="ctr"/>
+            <a:endParaRPr lang="zh-CN" altLang="en-US">
+              <a:solidFill>
+                <a:prstClr val="white"/>
+              </a:solidFill>
+            </a:endParaRPr>
+          </a:p>
+        </p:txBody>
+      </p:sp>
+      <p:sp>
+        <p:nvSpPr>
+          <p:cNvPr id="5" name="Rectangle 4"/>
+          <p:cNvSpPr/>
+          <p:nvPr/>
+        </p:nvSpPr>
+        <p:spPr>
+          <a:xfrm>
+            <a:off x="4128371" y="137403"/>
+            <a:ext cx="4474011" cy="585823"/>
+          </a:xfrm>
+          <a:prstGeom prst="rect">
+            <a:avLst/>
+          </a:prstGeom>
+          <a:noFill/>
+          <a:ln w="57150">
+            <a:solidFill>
+              <a:srgbClr val="8678AB"/>
+            </a:solidFill>
+          </a:ln>
+        </p:spPr>
+        <p:style>
+          <a:lnRef idx="2">
+            <a:schemeClr val="accent1">
+              <a:shade val="50000"/>
+            </a:schemeClr>
+          </a:lnRef>
+          <a:fillRef idx="1">
+            <a:schemeClr val="accent1"/>
+          </a:fillRef>
+          <a:effectRef idx="0">
+            <a:schemeClr val="accent1"/>
+          </a:effectRef>
+          <a:fontRef idx="minor">
+            <a:schemeClr val="lt1"/>
+          </a:fontRef>
+        </p:style>
+        <p:txBody>
+          <a:bodyPr rtlCol="0" anchor="ctr"/>
+          <a:lstStyle/>
+          <a:p>
+            <a:pPr algn="ctr"/>
+            <a:r>
+              <a:rPr lang="zh-CN" altLang="en-US" sz="3000" dirty="0">
+                <a:solidFill>
+                  <a:prstClr val="white"/>
+                </a:solidFill>
+              </a:rPr>
+              <a:t>玩法改进</a:t>
+            </a:r>
+            <a:r>
+              <a:rPr lang="en-US" altLang="zh-CN" sz="3000" dirty="0">
+                <a:solidFill>
+                  <a:prstClr val="white"/>
+                </a:solidFill>
+              </a:rPr>
+              <a:t>--</a:t>
+            </a:r>
+            <a:r>
+              <a:rPr lang="zh-CN" altLang="en-US" sz="3000" dirty="0">
+                <a:solidFill>
+                  <a:prstClr val="white"/>
+                </a:solidFill>
+              </a:rPr>
+              <a:t>事件记录</a:t>
+            </a:r>
+            <a:endParaRPr lang="zh-CN" altLang="en-US" sz="3000" dirty="0">
+              <a:solidFill>
+                <a:prstClr val="white"/>
+              </a:solidFill>
+            </a:endParaRPr>
+          </a:p>
+        </p:txBody>
+      </p:sp>
+      <p:sp>
+        <p:nvSpPr>
+          <p:cNvPr id="8" name="Rectangle 7"/>
+          <p:cNvSpPr/>
+          <p:nvPr/>
+        </p:nvSpPr>
+        <p:spPr>
+          <a:xfrm>
+            <a:off x="924128" y="242485"/>
+            <a:ext cx="457200" cy="398335"/>
+          </a:xfrm>
+          <a:prstGeom prst="rect">
+            <a:avLst/>
+          </a:prstGeom>
+          <a:solidFill>
+            <a:schemeClr val="tx1">
+              <a:lumMod val="75000"/>
+              <a:lumOff val="25000"/>
+            </a:schemeClr>
+          </a:solidFill>
+          <a:ln>
+            <a:noFill/>
+          </a:ln>
+        </p:spPr>
+        <p:style>
+          <a:lnRef idx="2">
+            <a:schemeClr val="accent1">
+              <a:shade val="50000"/>
+            </a:schemeClr>
+          </a:lnRef>
+          <a:fillRef idx="1">
+            <a:schemeClr val="accent1"/>
+          </a:fillRef>
+          <a:effectRef idx="0">
+            <a:schemeClr val="accent1"/>
+          </a:effectRef>
+          <a:fontRef idx="minor">
+            <a:schemeClr val="lt1"/>
+          </a:fontRef>
+        </p:style>
+        <p:txBody>
+          <a:bodyPr rtlCol="0" anchor="ctr"/>
+          <a:lstStyle/>
+          <a:p>
+            <a:pPr algn="ctr"/>
+            <a:r>
+              <a:rPr lang="en-US" altLang="zh-CN" dirty="0">
+                <a:solidFill>
+                  <a:prstClr val="white"/>
+                </a:solidFill>
+              </a:rPr>
+              <a:t>7</a:t>
+            </a:r>
+            <a:endParaRPr lang="en-US" altLang="zh-CN" dirty="0">
+              <a:solidFill>
+                <a:prstClr val="white"/>
+              </a:solidFill>
+            </a:endParaRPr>
+          </a:p>
+        </p:txBody>
+      </p:sp>
+      <p:sp>
+        <p:nvSpPr>
+          <p:cNvPr id="15" name="Rectangle 14"/>
+          <p:cNvSpPr/>
+          <p:nvPr/>
+        </p:nvSpPr>
+        <p:spPr>
+          <a:xfrm>
+            <a:off x="648510" y="1280101"/>
+            <a:ext cx="3369013" cy="4906690"/>
+          </a:xfrm>
+          <a:prstGeom prst="rect">
+            <a:avLst/>
+          </a:prstGeom>
+          <a:solidFill>
+            <a:srgbClr val="8678AB"/>
+          </a:solidFill>
+          <a:ln>
+            <a:noFill/>
+          </a:ln>
+        </p:spPr>
+        <p:style>
+          <a:lnRef idx="2">
+            <a:schemeClr val="accent1">
+              <a:shade val="50000"/>
+            </a:schemeClr>
+          </a:lnRef>
+          <a:fillRef idx="1">
+            <a:schemeClr val="accent1"/>
+          </a:fillRef>
+          <a:effectRef idx="0">
+            <a:schemeClr val="accent1"/>
+          </a:effectRef>
+          <a:fontRef idx="minor">
+            <a:schemeClr val="lt1"/>
+          </a:fontRef>
+        </p:style>
+        <p:txBody>
+          <a:bodyPr rtlCol="0" anchor="ctr"/>
+          <a:p>
+            <a:pPr algn="ctr"/>
+            <a:endParaRPr lang="zh-CN" altLang="en-US">
+              <a:solidFill>
+                <a:prstClr val="white"/>
+              </a:solidFill>
+            </a:endParaRPr>
+          </a:p>
+        </p:txBody>
+      </p:sp>
+      <p:sp>
+        <p:nvSpPr>
+          <p:cNvPr id="14" name="Rectangle 13"/>
+          <p:cNvSpPr/>
+          <p:nvPr/>
+        </p:nvSpPr>
+        <p:spPr>
+          <a:xfrm>
+            <a:off x="1199806" y="1508060"/>
+            <a:ext cx="111600" cy="112238"/>
+          </a:xfrm>
+          <a:prstGeom prst="rect">
+            <a:avLst/>
+          </a:prstGeom>
+          <a:solidFill>
+            <a:srgbClr val="9CD8F0"/>
+          </a:solidFill>
+          <a:ln>
+            <a:noFill/>
+          </a:ln>
+        </p:spPr>
+        <p:style>
+          <a:lnRef idx="2">
+            <a:schemeClr val="accent1">
+              <a:shade val="50000"/>
+            </a:schemeClr>
+          </a:lnRef>
+          <a:fillRef idx="1">
+            <a:schemeClr val="accent1"/>
+          </a:fillRef>
+          <a:effectRef idx="0">
+            <a:schemeClr val="accent1"/>
+          </a:effectRef>
+          <a:fontRef idx="minor">
+            <a:schemeClr val="lt1"/>
+          </a:fontRef>
+        </p:style>
+        <p:txBody>
+          <a:bodyPr rtlCol="0" anchor="ctr"/>
+          <a:p>
+            <a:pPr algn="ctr"/>
+            <a:endParaRPr lang="zh-CN" altLang="en-US">
+              <a:solidFill>
+                <a:prstClr val="white"/>
+              </a:solidFill>
+            </a:endParaRPr>
+          </a:p>
+        </p:txBody>
+      </p:sp>
+      <p:sp>
+        <p:nvSpPr>
+          <p:cNvPr id="16" name="Rectangle 15"/>
+          <p:cNvSpPr/>
+          <p:nvPr/>
+        </p:nvSpPr>
+        <p:spPr>
+          <a:xfrm>
+            <a:off x="1400844" y="1508060"/>
+            <a:ext cx="111600" cy="112238"/>
+          </a:xfrm>
+          <a:prstGeom prst="rect">
+            <a:avLst/>
+          </a:prstGeom>
+          <a:solidFill>
+            <a:schemeClr val="bg1"/>
+          </a:solidFill>
+          <a:ln>
+            <a:noFill/>
+          </a:ln>
+        </p:spPr>
+        <p:style>
+          <a:lnRef idx="2">
+            <a:schemeClr val="accent1">
+              <a:shade val="50000"/>
+            </a:schemeClr>
+          </a:lnRef>
+          <a:fillRef idx="1">
+            <a:schemeClr val="accent1"/>
+          </a:fillRef>
+          <a:effectRef idx="0">
+            <a:schemeClr val="accent1"/>
+          </a:effectRef>
+          <a:fontRef idx="minor">
+            <a:schemeClr val="lt1"/>
+          </a:fontRef>
+        </p:style>
+        <p:txBody>
+          <a:bodyPr rtlCol="0" anchor="ctr"/>
+          <a:p>
+            <a:pPr algn="ctr"/>
+            <a:endParaRPr lang="zh-CN" altLang="en-US">
+              <a:solidFill>
+                <a:prstClr val="white"/>
+              </a:solidFill>
+            </a:endParaRPr>
+          </a:p>
+        </p:txBody>
+      </p:sp>
+      <p:sp>
+        <p:nvSpPr>
+          <p:cNvPr id="17" name="Rectangle 16"/>
+          <p:cNvSpPr/>
+          <p:nvPr/>
+        </p:nvSpPr>
+        <p:spPr>
+          <a:xfrm>
+            <a:off x="1601882" y="1508060"/>
+            <a:ext cx="111600" cy="112238"/>
+          </a:xfrm>
+          <a:prstGeom prst="rect">
+            <a:avLst/>
+          </a:prstGeom>
+          <a:solidFill>
+            <a:schemeClr val="bg1"/>
+          </a:solidFill>
+          <a:ln>
+            <a:noFill/>
+          </a:ln>
+        </p:spPr>
+        <p:style>
+          <a:lnRef idx="2">
+            <a:schemeClr val="accent1">
+              <a:shade val="50000"/>
+            </a:schemeClr>
+          </a:lnRef>
+          <a:fillRef idx="1">
+            <a:schemeClr val="accent1"/>
+          </a:fillRef>
+          <a:effectRef idx="0">
+            <a:schemeClr val="accent1"/>
+          </a:effectRef>
+          <a:fontRef idx="minor">
+            <a:schemeClr val="lt1"/>
+          </a:fontRef>
+        </p:style>
+        <p:txBody>
+          <a:bodyPr rtlCol="0" anchor="ctr"/>
+          <a:p>
+            <a:pPr algn="ctr"/>
+            <a:endParaRPr lang="zh-CN" altLang="en-US">
+              <a:solidFill>
+                <a:prstClr val="white"/>
+              </a:solidFill>
+            </a:endParaRPr>
+          </a:p>
+        </p:txBody>
+      </p:sp>
+      <p:sp>
+        <p:nvSpPr>
+          <p:cNvPr id="18" name="Rectangle 17"/>
+          <p:cNvSpPr/>
+          <p:nvPr/>
+        </p:nvSpPr>
+        <p:spPr>
+          <a:xfrm>
+            <a:off x="1802920" y="1508060"/>
+            <a:ext cx="111600" cy="112238"/>
+          </a:xfrm>
+          <a:prstGeom prst="rect">
+            <a:avLst/>
+          </a:prstGeom>
+          <a:solidFill>
+            <a:schemeClr val="bg1"/>
+          </a:solidFill>
+          <a:ln>
+            <a:noFill/>
+          </a:ln>
+        </p:spPr>
+        <p:style>
+          <a:lnRef idx="2">
+            <a:schemeClr val="accent1">
+              <a:shade val="50000"/>
+            </a:schemeClr>
+          </a:lnRef>
+          <a:fillRef idx="1">
+            <a:schemeClr val="accent1"/>
+          </a:fillRef>
+          <a:effectRef idx="0">
+            <a:schemeClr val="accent1"/>
+          </a:effectRef>
+          <a:fontRef idx="minor">
+            <a:schemeClr val="lt1"/>
+          </a:fontRef>
+        </p:style>
+        <p:txBody>
+          <a:bodyPr rtlCol="0" anchor="ctr"/>
+          <a:p>
+            <a:pPr algn="ctr"/>
+            <a:endParaRPr lang="zh-CN" altLang="en-US">
+              <a:solidFill>
+                <a:prstClr val="white"/>
+              </a:solidFill>
+            </a:endParaRPr>
+          </a:p>
+        </p:txBody>
+      </p:sp>
+      <p:sp>
+        <p:nvSpPr>
+          <p:cNvPr id="19" name="Rectangle 18"/>
+          <p:cNvSpPr/>
+          <p:nvPr/>
+        </p:nvSpPr>
+        <p:spPr>
+          <a:xfrm>
+            <a:off x="998768" y="1508060"/>
+            <a:ext cx="111600" cy="112238"/>
+          </a:xfrm>
+          <a:prstGeom prst="rect">
+            <a:avLst/>
+          </a:prstGeom>
+          <a:solidFill>
+            <a:srgbClr val="9CD8F0"/>
+          </a:solidFill>
+          <a:ln>
+            <a:noFill/>
+          </a:ln>
+        </p:spPr>
+        <p:style>
+          <a:lnRef idx="2">
+            <a:schemeClr val="accent1">
+              <a:shade val="50000"/>
+            </a:schemeClr>
+          </a:lnRef>
+          <a:fillRef idx="1">
+            <a:schemeClr val="accent1"/>
+          </a:fillRef>
+          <a:effectRef idx="0">
+            <a:schemeClr val="accent1"/>
+          </a:effectRef>
+          <a:fontRef idx="minor">
+            <a:schemeClr val="lt1"/>
+          </a:fontRef>
+        </p:style>
+        <p:txBody>
+          <a:bodyPr rtlCol="0" anchor="ctr"/>
+          <a:p>
+            <a:pPr algn="ctr"/>
+            <a:endParaRPr lang="zh-CN" altLang="en-US">
+              <a:solidFill>
+                <a:prstClr val="white"/>
+              </a:solidFill>
+            </a:endParaRPr>
+          </a:p>
+        </p:txBody>
+      </p:sp>
+      <p:sp>
+        <p:nvSpPr>
+          <p:cNvPr id="2" name="TextBox 1"/>
+          <p:cNvSpPr txBox="1"/>
+          <p:nvPr/>
+        </p:nvSpPr>
+        <p:spPr>
+          <a:xfrm>
+            <a:off x="924128" y="1848256"/>
+            <a:ext cx="1828800" cy="369332"/>
+          </a:xfrm>
+          <a:prstGeom prst="rect">
+            <a:avLst/>
+          </a:prstGeom>
+          <a:noFill/>
+        </p:spPr>
+        <p:txBody>
+          <a:bodyPr wrap="square" rtlCol="0">
+            <a:spAutoFit/>
+          </a:bodyPr>
+          <a:p>
+            <a:r>
+              <a:rPr lang="zh-CN" altLang="en-US" dirty="0" smtClean="0"/>
+              <a:t>对话内容</a:t>
+            </a:r>
+            <a:r>
+              <a:rPr lang="en-US" altLang="zh-CN" dirty="0" smtClean="0"/>
+              <a:t>1</a:t>
+            </a:r>
+            <a:endParaRPr lang="zh-CN" altLang="en-US" dirty="0"/>
+          </a:p>
+        </p:txBody>
+      </p:sp>
+      <p:sp>
+        <p:nvSpPr>
+          <p:cNvPr id="21" name="TextBox 20"/>
+          <p:cNvSpPr txBox="1"/>
+          <p:nvPr/>
+        </p:nvSpPr>
+        <p:spPr>
+          <a:xfrm>
+            <a:off x="924128" y="2406524"/>
+            <a:ext cx="1828800" cy="369332"/>
+          </a:xfrm>
+          <a:prstGeom prst="rect">
+            <a:avLst/>
+          </a:prstGeom>
+          <a:noFill/>
+        </p:spPr>
+        <p:txBody>
+          <a:bodyPr wrap="square" rtlCol="0">
+            <a:spAutoFit/>
+          </a:bodyPr>
+          <a:p>
+            <a:r>
+              <a:rPr lang="zh-CN" altLang="en-US" dirty="0" smtClean="0"/>
+              <a:t>对话内容</a:t>
+            </a:r>
+            <a:r>
+              <a:rPr lang="en-US" altLang="zh-CN" dirty="0"/>
+              <a:t>2</a:t>
+            </a:r>
+            <a:endParaRPr lang="zh-CN" altLang="en-US" dirty="0"/>
+          </a:p>
+        </p:txBody>
+      </p:sp>
+      <p:sp>
+        <p:nvSpPr>
+          <p:cNvPr id="22" name="TextBox 21"/>
+          <p:cNvSpPr txBox="1"/>
+          <p:nvPr/>
+        </p:nvSpPr>
+        <p:spPr>
+          <a:xfrm>
+            <a:off x="924128" y="2964792"/>
+            <a:ext cx="1828800" cy="369332"/>
+          </a:xfrm>
+          <a:prstGeom prst="rect">
+            <a:avLst/>
+          </a:prstGeom>
+          <a:noFill/>
+        </p:spPr>
+        <p:txBody>
+          <a:bodyPr wrap="square" rtlCol="0">
+            <a:spAutoFit/>
+          </a:bodyPr>
+          <a:p>
+            <a:r>
+              <a:rPr lang="zh-CN" altLang="en-US" dirty="0" smtClean="0"/>
+              <a:t>对话内容</a:t>
+            </a:r>
+            <a:r>
+              <a:rPr lang="en-US" altLang="zh-CN" dirty="0" smtClean="0"/>
+              <a:t>3</a:t>
+            </a:r>
+            <a:endParaRPr lang="zh-CN" altLang="en-US" dirty="0"/>
+          </a:p>
+        </p:txBody>
+      </p:sp>
+      <p:sp>
+        <p:nvSpPr>
+          <p:cNvPr id="23" name="TextBox 22"/>
+          <p:cNvSpPr txBox="1"/>
+          <p:nvPr/>
+        </p:nvSpPr>
+        <p:spPr>
+          <a:xfrm>
+            <a:off x="924128" y="3523060"/>
+            <a:ext cx="1828800" cy="369332"/>
+          </a:xfrm>
+          <a:prstGeom prst="rect">
+            <a:avLst/>
+          </a:prstGeom>
+          <a:noFill/>
+        </p:spPr>
+        <p:txBody>
+          <a:bodyPr wrap="square" rtlCol="0">
+            <a:spAutoFit/>
+          </a:bodyPr>
+          <a:p>
+            <a:r>
+              <a:rPr lang="zh-CN" altLang="en-US" dirty="0" smtClean="0"/>
+              <a:t>对话内容</a:t>
+            </a:r>
+            <a:r>
+              <a:rPr lang="en-US" altLang="zh-CN" dirty="0" smtClean="0"/>
+              <a:t>4</a:t>
+            </a:r>
+            <a:endParaRPr lang="zh-CN" altLang="en-US" dirty="0"/>
+          </a:p>
+        </p:txBody>
+      </p:sp>
+      <p:sp>
+        <p:nvSpPr>
+          <p:cNvPr id="24" name="TextBox 23"/>
+          <p:cNvSpPr txBox="1"/>
+          <p:nvPr/>
+        </p:nvSpPr>
+        <p:spPr>
+          <a:xfrm>
+            <a:off x="924128" y="4081328"/>
+            <a:ext cx="1828800" cy="369332"/>
+          </a:xfrm>
+          <a:prstGeom prst="rect">
+            <a:avLst/>
+          </a:prstGeom>
+          <a:noFill/>
+        </p:spPr>
+        <p:txBody>
+          <a:bodyPr wrap="square" rtlCol="0">
+            <a:spAutoFit/>
+          </a:bodyPr>
+          <a:p>
+            <a:r>
+              <a:rPr lang="zh-CN" altLang="en-US" dirty="0" smtClean="0"/>
+              <a:t>对话内容</a:t>
+            </a:r>
+            <a:r>
+              <a:rPr lang="en-US" altLang="zh-CN" dirty="0" smtClean="0"/>
+              <a:t>5</a:t>
+            </a:r>
+            <a:endParaRPr lang="zh-CN" altLang="en-US" dirty="0"/>
+          </a:p>
+        </p:txBody>
+      </p:sp>
+      <p:sp>
+        <p:nvSpPr>
+          <p:cNvPr id="25" name="Rectangle 24"/>
+          <p:cNvSpPr/>
+          <p:nvPr/>
+        </p:nvSpPr>
+        <p:spPr>
+          <a:xfrm>
+            <a:off x="1127761" y="5593297"/>
+            <a:ext cx="1109065" cy="406211"/>
+          </a:xfrm>
+          <a:prstGeom prst="rect">
+            <a:avLst/>
+          </a:prstGeom>
+          <a:solidFill>
+            <a:srgbClr val="EFDD9C"/>
+          </a:solidFill>
+          <a:ln>
+            <a:noFill/>
+          </a:ln>
+        </p:spPr>
+        <p:style>
+          <a:lnRef idx="2">
+            <a:schemeClr val="accent1">
+              <a:shade val="50000"/>
+            </a:schemeClr>
+          </a:lnRef>
+          <a:fillRef idx="1">
+            <a:schemeClr val="accent1"/>
+          </a:fillRef>
+          <a:effectRef idx="0">
+            <a:schemeClr val="accent1"/>
+          </a:effectRef>
+          <a:fontRef idx="minor">
+            <a:schemeClr val="lt1"/>
+          </a:fontRef>
+        </p:style>
+        <p:txBody>
+          <a:bodyPr rtlCol="0" anchor="ctr"/>
+          <a:p>
+            <a:pPr algn="ctr"/>
+            <a:r>
+              <a:rPr lang="zh-CN" altLang="en-US" dirty="0" smtClean="0">
+                <a:solidFill>
+                  <a:schemeClr val="tx1"/>
+                </a:solidFill>
+              </a:rPr>
+              <a:t>选项</a:t>
+            </a:r>
+            <a:r>
+              <a:rPr lang="en-US" altLang="zh-CN" dirty="0" smtClean="0">
+                <a:solidFill>
+                  <a:schemeClr val="tx1"/>
+                </a:solidFill>
+              </a:rPr>
+              <a:t>1</a:t>
+            </a:r>
+            <a:endParaRPr lang="zh-CN" altLang="en-US" dirty="0">
+              <a:solidFill>
+                <a:schemeClr val="tx1"/>
+              </a:solidFill>
+            </a:endParaRPr>
+          </a:p>
+        </p:txBody>
+      </p:sp>
+      <p:sp>
+        <p:nvSpPr>
+          <p:cNvPr id="26" name="Rectangle 25"/>
+          <p:cNvSpPr/>
+          <p:nvPr/>
+        </p:nvSpPr>
+        <p:spPr>
+          <a:xfrm>
+            <a:off x="2572642" y="5593298"/>
+            <a:ext cx="1109065" cy="406211"/>
+          </a:xfrm>
+          <a:prstGeom prst="rect">
+            <a:avLst/>
+          </a:prstGeom>
+          <a:solidFill>
+            <a:srgbClr val="EFDD9C"/>
+          </a:solidFill>
+          <a:ln>
+            <a:noFill/>
+          </a:ln>
+        </p:spPr>
+        <p:style>
+          <a:lnRef idx="2">
+            <a:schemeClr val="accent1">
+              <a:shade val="50000"/>
+            </a:schemeClr>
+          </a:lnRef>
+          <a:fillRef idx="1">
+            <a:schemeClr val="accent1"/>
+          </a:fillRef>
+          <a:effectRef idx="0">
+            <a:schemeClr val="accent1"/>
+          </a:effectRef>
+          <a:fontRef idx="minor">
+            <a:schemeClr val="lt1"/>
+          </a:fontRef>
+        </p:style>
+        <p:txBody>
+          <a:bodyPr rtlCol="0" anchor="ctr"/>
+          <a:p>
+            <a:pPr algn="ctr"/>
+            <a:r>
+              <a:rPr lang="zh-CN" altLang="en-US" dirty="0" smtClean="0">
+                <a:solidFill>
+                  <a:schemeClr val="tx1"/>
+                </a:solidFill>
+              </a:rPr>
+              <a:t>选项</a:t>
+            </a:r>
+            <a:r>
+              <a:rPr lang="en-US" altLang="zh-CN" dirty="0" smtClean="0">
+                <a:solidFill>
+                  <a:schemeClr val="tx1"/>
+                </a:solidFill>
+              </a:rPr>
+              <a:t>2</a:t>
+            </a:r>
+            <a:endParaRPr lang="zh-CN" altLang="en-US" dirty="0">
+              <a:solidFill>
+                <a:schemeClr val="tx1"/>
+              </a:solidFill>
+            </a:endParaRPr>
+          </a:p>
+        </p:txBody>
+      </p:sp>
+      <p:sp>
+        <p:nvSpPr>
+          <p:cNvPr id="27" name="Rectangle 26"/>
+          <p:cNvSpPr/>
+          <p:nvPr/>
+        </p:nvSpPr>
+        <p:spPr>
+          <a:xfrm flipH="1">
+            <a:off x="3529251" y="1770068"/>
+            <a:ext cx="45719" cy="3667694"/>
+          </a:xfrm>
+          <a:prstGeom prst="rect">
+            <a:avLst/>
+          </a:prstGeom>
+          <a:solidFill>
+            <a:srgbClr val="EFDD9C"/>
+          </a:solidFill>
+          <a:ln>
+            <a:noFill/>
+          </a:ln>
+        </p:spPr>
+        <p:style>
+          <a:lnRef idx="2">
+            <a:schemeClr val="accent1">
+              <a:shade val="50000"/>
+            </a:schemeClr>
+          </a:lnRef>
+          <a:fillRef idx="1">
+            <a:schemeClr val="accent1"/>
+          </a:fillRef>
+          <a:effectRef idx="0">
+            <a:schemeClr val="accent1"/>
+          </a:effectRef>
+          <a:fontRef idx="minor">
+            <a:schemeClr val="lt1"/>
+          </a:fontRef>
+        </p:style>
+        <p:txBody>
+          <a:bodyPr rtlCol="0" anchor="ctr"/>
+          <a:p>
+            <a:pPr algn="ctr"/>
+            <a:endParaRPr lang="zh-CN" altLang="en-US">
+              <a:solidFill>
+                <a:prstClr val="white"/>
+              </a:solidFill>
+            </a:endParaRPr>
+          </a:p>
+        </p:txBody>
+      </p:sp>
+      <p:sp>
+        <p:nvSpPr>
+          <p:cNvPr id="3" name="Rectangle 2"/>
+          <p:cNvSpPr/>
+          <p:nvPr/>
+        </p:nvSpPr>
+        <p:spPr>
+          <a:xfrm>
+            <a:off x="3574970" y="3762958"/>
+            <a:ext cx="442553" cy="1674804"/>
+          </a:xfrm>
+          <a:prstGeom prst="rect">
+            <a:avLst/>
+          </a:prstGeom>
+          <a:solidFill>
+            <a:srgbClr val="EFDD9C"/>
+          </a:solidFill>
+        </p:spPr>
+        <p:style>
+          <a:lnRef idx="0">
+            <a:schemeClr val="accent2"/>
+          </a:lnRef>
+          <a:fillRef idx="3">
+            <a:schemeClr val="accent2"/>
+          </a:fillRef>
+          <a:effectRef idx="3">
+            <a:schemeClr val="accent2"/>
+          </a:effectRef>
+          <a:fontRef idx="minor">
+            <a:schemeClr val="lt1"/>
+          </a:fontRef>
+        </p:style>
+        <p:txBody>
+          <a:bodyPr rtlCol="0" anchor="ctr"/>
+          <a:p>
+            <a:pPr algn="ctr"/>
+            <a:r>
+              <a:rPr lang="zh-CN" altLang="en-US" dirty="0">
+                <a:solidFill>
+                  <a:schemeClr val="tx1"/>
+                </a:solidFill>
+              </a:rPr>
+              <a:t>事</a:t>
+            </a:r>
+            <a:r>
+              <a:rPr lang="zh-CN" altLang="en-US" dirty="0" smtClean="0">
+                <a:solidFill>
+                  <a:schemeClr val="tx1"/>
+                </a:solidFill>
+              </a:rPr>
+              <a:t>件</a:t>
+            </a:r>
+            <a:r>
+              <a:rPr lang="zh-CN" altLang="en-US" dirty="0">
+                <a:solidFill>
+                  <a:schemeClr val="tx1"/>
+                </a:solidFill>
+              </a:rPr>
+              <a:t>日志</a:t>
+            </a:r>
+            <a:endParaRPr lang="zh-CN" altLang="en-US" dirty="0">
+              <a:solidFill>
+                <a:schemeClr val="tx1"/>
+              </a:solidFill>
+            </a:endParaRPr>
+          </a:p>
+        </p:txBody>
+      </p:sp>
+      <p:sp>
+        <p:nvSpPr>
+          <p:cNvPr id="29" name="Rectangle 28"/>
+          <p:cNvSpPr/>
+          <p:nvPr/>
+        </p:nvSpPr>
+        <p:spPr>
+          <a:xfrm>
+            <a:off x="5325330" y="1280101"/>
+            <a:ext cx="3369013" cy="4906690"/>
+          </a:xfrm>
+          <a:prstGeom prst="rect">
+            <a:avLst/>
+          </a:prstGeom>
+          <a:solidFill>
+            <a:srgbClr val="8678AB"/>
+          </a:solidFill>
+          <a:ln>
+            <a:noFill/>
+          </a:ln>
+        </p:spPr>
+        <p:style>
+          <a:lnRef idx="2">
+            <a:schemeClr val="accent1">
+              <a:shade val="50000"/>
+            </a:schemeClr>
+          </a:lnRef>
+          <a:fillRef idx="1">
+            <a:schemeClr val="accent1"/>
+          </a:fillRef>
+          <a:effectRef idx="0">
+            <a:schemeClr val="accent1"/>
+          </a:effectRef>
+          <a:fontRef idx="minor">
+            <a:schemeClr val="lt1"/>
+          </a:fontRef>
+        </p:style>
+        <p:txBody>
+          <a:bodyPr rtlCol="0" anchor="ctr"/>
+          <a:p>
+            <a:pPr algn="ctr"/>
+            <a:endParaRPr lang="zh-CN" altLang="en-US">
+              <a:solidFill>
+                <a:prstClr val="white"/>
+              </a:solidFill>
+            </a:endParaRPr>
+          </a:p>
+        </p:txBody>
+      </p:sp>
+      <p:sp>
+        <p:nvSpPr>
+          <p:cNvPr id="30" name="Rectangle 29"/>
+          <p:cNvSpPr/>
+          <p:nvPr/>
+        </p:nvSpPr>
+        <p:spPr>
+          <a:xfrm>
+            <a:off x="5727250" y="1907031"/>
+            <a:ext cx="111600" cy="112238"/>
+          </a:xfrm>
+          <a:prstGeom prst="rect">
+            <a:avLst/>
+          </a:prstGeom>
+          <a:solidFill>
+            <a:srgbClr val="9CD8F0"/>
+          </a:solidFill>
+          <a:ln>
+            <a:noFill/>
+          </a:ln>
+        </p:spPr>
+        <p:style>
+          <a:lnRef idx="2">
+            <a:schemeClr val="accent1">
+              <a:shade val="50000"/>
+            </a:schemeClr>
+          </a:lnRef>
+          <a:fillRef idx="1">
+            <a:schemeClr val="accent1"/>
+          </a:fillRef>
+          <a:effectRef idx="0">
+            <a:schemeClr val="accent1"/>
+          </a:effectRef>
+          <a:fontRef idx="minor">
+            <a:schemeClr val="lt1"/>
+          </a:fontRef>
+        </p:style>
+        <p:txBody>
+          <a:bodyPr rtlCol="0" anchor="ctr"/>
+          <a:p>
+            <a:pPr algn="ctr"/>
+            <a:endParaRPr lang="zh-CN" altLang="en-US">
+              <a:solidFill>
+                <a:prstClr val="white"/>
+              </a:solidFill>
+            </a:endParaRPr>
+          </a:p>
+        </p:txBody>
+      </p:sp>
+      <p:sp>
+        <p:nvSpPr>
+          <p:cNvPr id="31" name="Rectangle 30"/>
+          <p:cNvSpPr/>
+          <p:nvPr/>
+        </p:nvSpPr>
+        <p:spPr>
+          <a:xfrm>
+            <a:off x="5928288" y="1907031"/>
+            <a:ext cx="111600" cy="112238"/>
+          </a:xfrm>
+          <a:prstGeom prst="rect">
+            <a:avLst/>
+          </a:prstGeom>
+          <a:solidFill>
+            <a:schemeClr val="bg1"/>
+          </a:solidFill>
+          <a:ln>
+            <a:noFill/>
+          </a:ln>
+        </p:spPr>
+        <p:style>
+          <a:lnRef idx="2">
+            <a:schemeClr val="accent1">
+              <a:shade val="50000"/>
+            </a:schemeClr>
+          </a:lnRef>
+          <a:fillRef idx="1">
+            <a:schemeClr val="accent1"/>
+          </a:fillRef>
+          <a:effectRef idx="0">
+            <a:schemeClr val="accent1"/>
+          </a:effectRef>
+          <a:fontRef idx="minor">
+            <a:schemeClr val="lt1"/>
+          </a:fontRef>
+        </p:style>
+        <p:txBody>
+          <a:bodyPr rtlCol="0" anchor="ctr"/>
+          <a:p>
+            <a:pPr algn="ctr"/>
+            <a:endParaRPr lang="zh-CN" altLang="en-US">
+              <a:solidFill>
+                <a:prstClr val="white"/>
+              </a:solidFill>
+            </a:endParaRPr>
+          </a:p>
+        </p:txBody>
+      </p:sp>
+      <p:sp>
+        <p:nvSpPr>
+          <p:cNvPr id="32" name="Rectangle 31"/>
+          <p:cNvSpPr/>
+          <p:nvPr/>
+        </p:nvSpPr>
+        <p:spPr>
+          <a:xfrm>
+            <a:off x="6129326" y="1907031"/>
+            <a:ext cx="111600" cy="112238"/>
+          </a:xfrm>
+          <a:prstGeom prst="rect">
+            <a:avLst/>
+          </a:prstGeom>
+          <a:solidFill>
+            <a:schemeClr val="bg1"/>
+          </a:solidFill>
+          <a:ln>
+            <a:noFill/>
+          </a:ln>
+        </p:spPr>
+        <p:style>
+          <a:lnRef idx="2">
+            <a:schemeClr val="accent1">
+              <a:shade val="50000"/>
+            </a:schemeClr>
+          </a:lnRef>
+          <a:fillRef idx="1">
+            <a:schemeClr val="accent1"/>
+          </a:fillRef>
+          <a:effectRef idx="0">
+            <a:schemeClr val="accent1"/>
+          </a:effectRef>
+          <a:fontRef idx="minor">
+            <a:schemeClr val="lt1"/>
+          </a:fontRef>
+        </p:style>
+        <p:txBody>
+          <a:bodyPr rtlCol="0" anchor="ctr"/>
+          <a:p>
+            <a:pPr algn="ctr"/>
+            <a:endParaRPr lang="zh-CN" altLang="en-US">
+              <a:solidFill>
+                <a:prstClr val="white"/>
+              </a:solidFill>
+            </a:endParaRPr>
+          </a:p>
+        </p:txBody>
+      </p:sp>
+      <p:sp>
+        <p:nvSpPr>
+          <p:cNvPr id="33" name="Rectangle 32"/>
+          <p:cNvSpPr/>
+          <p:nvPr/>
+        </p:nvSpPr>
+        <p:spPr>
+          <a:xfrm>
+            <a:off x="6330364" y="1907031"/>
+            <a:ext cx="111600" cy="112238"/>
+          </a:xfrm>
+          <a:prstGeom prst="rect">
+            <a:avLst/>
+          </a:prstGeom>
+          <a:solidFill>
+            <a:schemeClr val="bg1"/>
+          </a:solidFill>
+          <a:ln>
+            <a:noFill/>
+          </a:ln>
+        </p:spPr>
+        <p:style>
+          <a:lnRef idx="2">
+            <a:schemeClr val="accent1">
+              <a:shade val="50000"/>
+            </a:schemeClr>
+          </a:lnRef>
+          <a:fillRef idx="1">
+            <a:schemeClr val="accent1"/>
+          </a:fillRef>
+          <a:effectRef idx="0">
+            <a:schemeClr val="accent1"/>
+          </a:effectRef>
+          <a:fontRef idx="minor">
+            <a:schemeClr val="lt1"/>
+          </a:fontRef>
+        </p:style>
+        <p:txBody>
+          <a:bodyPr rtlCol="0" anchor="ctr"/>
+          <a:p>
+            <a:pPr algn="ctr"/>
+            <a:endParaRPr lang="zh-CN" altLang="en-US">
+              <a:solidFill>
+                <a:prstClr val="white"/>
+              </a:solidFill>
+            </a:endParaRPr>
+          </a:p>
+        </p:txBody>
+      </p:sp>
+      <p:sp>
+        <p:nvSpPr>
+          <p:cNvPr id="34" name="Rectangle 33"/>
+          <p:cNvSpPr/>
+          <p:nvPr/>
+        </p:nvSpPr>
+        <p:spPr>
+          <a:xfrm>
+            <a:off x="5526212" y="1907031"/>
+            <a:ext cx="111600" cy="112238"/>
+          </a:xfrm>
+          <a:prstGeom prst="rect">
+            <a:avLst/>
+          </a:prstGeom>
+          <a:solidFill>
+            <a:srgbClr val="9CD8F0"/>
+          </a:solidFill>
+          <a:ln>
+            <a:noFill/>
+          </a:ln>
+        </p:spPr>
+        <p:style>
+          <a:lnRef idx="2">
+            <a:schemeClr val="accent1">
+              <a:shade val="50000"/>
+            </a:schemeClr>
+          </a:lnRef>
+          <a:fillRef idx="1">
+            <a:schemeClr val="accent1"/>
+          </a:fillRef>
+          <a:effectRef idx="0">
+            <a:schemeClr val="accent1"/>
+          </a:effectRef>
+          <a:fontRef idx="minor">
+            <a:schemeClr val="lt1"/>
+          </a:fontRef>
+        </p:style>
+        <p:txBody>
+          <a:bodyPr rtlCol="0" anchor="ctr"/>
+          <a:p>
+            <a:pPr algn="ctr"/>
+            <a:endParaRPr lang="zh-CN" altLang="en-US">
+              <a:solidFill>
+                <a:prstClr val="white"/>
+              </a:solidFill>
+            </a:endParaRPr>
+          </a:p>
+        </p:txBody>
+      </p:sp>
+      <p:sp>
+        <p:nvSpPr>
+          <p:cNvPr id="35" name="TextBox 34"/>
+          <p:cNvSpPr txBox="1"/>
+          <p:nvPr/>
+        </p:nvSpPr>
+        <p:spPr>
+          <a:xfrm>
+            <a:off x="6441964" y="2433866"/>
+            <a:ext cx="1828800" cy="369332"/>
+          </a:xfrm>
+          <a:prstGeom prst="rect">
+            <a:avLst/>
+          </a:prstGeom>
+          <a:noFill/>
+        </p:spPr>
+        <p:txBody>
+          <a:bodyPr wrap="square" rtlCol="0">
+            <a:spAutoFit/>
+          </a:bodyPr>
+          <a:p>
+            <a:r>
+              <a:rPr lang="zh-CN" altLang="en-US" dirty="0" smtClean="0"/>
+              <a:t>对话内容</a:t>
+            </a:r>
+            <a:r>
+              <a:rPr lang="en-US" altLang="zh-CN" dirty="0" smtClean="0"/>
+              <a:t>1</a:t>
+            </a:r>
+            <a:endParaRPr lang="zh-CN" altLang="en-US" dirty="0"/>
+          </a:p>
+        </p:txBody>
+      </p:sp>
+      <p:sp>
+        <p:nvSpPr>
+          <p:cNvPr id="39" name="TextBox 38"/>
+          <p:cNvSpPr txBox="1"/>
+          <p:nvPr/>
+        </p:nvSpPr>
+        <p:spPr>
+          <a:xfrm>
+            <a:off x="6441964" y="3065632"/>
+            <a:ext cx="1828800" cy="369332"/>
+          </a:xfrm>
+          <a:prstGeom prst="rect">
+            <a:avLst/>
+          </a:prstGeom>
+          <a:noFill/>
+        </p:spPr>
+        <p:txBody>
+          <a:bodyPr wrap="square" rtlCol="0">
+            <a:spAutoFit/>
+          </a:bodyPr>
+          <a:p>
+            <a:r>
+              <a:rPr lang="zh-CN" altLang="en-US" dirty="0" smtClean="0"/>
+              <a:t>对话内容</a:t>
+            </a:r>
+            <a:r>
+              <a:rPr lang="en-US" altLang="zh-CN" dirty="0" smtClean="0"/>
+              <a:t>5</a:t>
+            </a:r>
+            <a:endParaRPr lang="zh-CN" altLang="en-US" dirty="0"/>
+          </a:p>
+        </p:txBody>
+      </p:sp>
+      <p:sp>
+        <p:nvSpPr>
+          <p:cNvPr id="51" name="Rectangle 50"/>
+          <p:cNvSpPr/>
+          <p:nvPr/>
+        </p:nvSpPr>
+        <p:spPr>
+          <a:xfrm>
+            <a:off x="5481742" y="1337575"/>
+            <a:ext cx="1528094" cy="379335"/>
+          </a:xfrm>
+          <a:prstGeom prst="rect">
+            <a:avLst/>
+          </a:prstGeom>
+          <a:solidFill>
+            <a:srgbClr val="EFDD9C"/>
+          </a:solidFill>
+          <a:ln>
+            <a:noFill/>
+          </a:ln>
+        </p:spPr>
+        <p:style>
+          <a:lnRef idx="2">
+            <a:schemeClr val="accent1">
+              <a:shade val="50000"/>
+            </a:schemeClr>
+          </a:lnRef>
+          <a:fillRef idx="1">
+            <a:schemeClr val="accent1"/>
+          </a:fillRef>
+          <a:effectRef idx="0">
+            <a:schemeClr val="accent1"/>
+          </a:effectRef>
+          <a:fontRef idx="minor">
+            <a:schemeClr val="lt1"/>
+          </a:fontRef>
+        </p:style>
+        <p:txBody>
+          <a:bodyPr rtlCol="0" anchor="ctr"/>
+          <a:p>
+            <a:pPr algn="ctr"/>
+            <a:r>
+              <a:rPr lang="zh-CN" altLang="en-US" dirty="0">
+                <a:solidFill>
+                  <a:schemeClr val="tx1"/>
+                </a:solidFill>
+              </a:rPr>
+              <a:t>事</a:t>
+            </a:r>
+            <a:r>
+              <a:rPr lang="zh-CN" altLang="en-US" dirty="0" smtClean="0">
+                <a:solidFill>
+                  <a:schemeClr val="tx1"/>
+                </a:solidFill>
+              </a:rPr>
+              <a:t>件系统</a:t>
+            </a:r>
+            <a:endParaRPr lang="zh-CN" altLang="en-US" dirty="0">
+              <a:solidFill>
+                <a:schemeClr val="tx1"/>
+              </a:solidFill>
+            </a:endParaRPr>
+          </a:p>
+        </p:txBody>
+      </p:sp>
+      <p:sp>
+        <p:nvSpPr>
+          <p:cNvPr id="4" name="TextBox 3"/>
+          <p:cNvSpPr txBox="1"/>
+          <p:nvPr/>
+        </p:nvSpPr>
+        <p:spPr>
+          <a:xfrm>
+            <a:off x="2061319" y="4081328"/>
+            <a:ext cx="719847" cy="369332"/>
+          </a:xfrm>
+          <a:prstGeom prst="rect">
+            <a:avLst/>
+          </a:prstGeom>
+          <a:noFill/>
+        </p:spPr>
+        <p:txBody>
+          <a:bodyPr wrap="square" rtlCol="0">
+            <a:spAutoFit/>
+          </a:bodyPr>
+          <a:p>
+            <a:r>
+              <a:rPr lang="zh-CN" altLang="en-US" b="1" dirty="0" smtClean="0">
+                <a:solidFill>
+                  <a:schemeClr val="bg1"/>
+                </a:solidFill>
+              </a:rPr>
+              <a:t>！</a:t>
+            </a:r>
+            <a:endParaRPr lang="zh-CN" altLang="en-US" b="1" dirty="0">
+              <a:solidFill>
+                <a:schemeClr val="bg1"/>
+              </a:solidFill>
+            </a:endParaRPr>
+          </a:p>
+        </p:txBody>
+      </p:sp>
+      <p:sp>
+        <p:nvSpPr>
+          <p:cNvPr id="6" name="Curved Left Arrow 5"/>
+          <p:cNvSpPr/>
+          <p:nvPr/>
+        </p:nvSpPr>
+        <p:spPr>
+          <a:xfrm>
+            <a:off x="8072274" y="1372119"/>
+            <a:ext cx="396980" cy="428017"/>
+          </a:xfrm>
+          <a:prstGeom prst="curvedLeftArrow">
+            <a:avLst>
+              <a:gd name="adj1" fmla="val 29980"/>
+              <a:gd name="adj2" fmla="val 34149"/>
+              <a:gd name="adj3" fmla="val 25000"/>
+            </a:avLst>
+          </a:prstGeom>
+          <a:solidFill>
+            <a:srgbClr val="EFDD9C"/>
+          </a:solidFill>
+          <a:ln>
+            <a:noFill/>
+          </a:ln>
+        </p:spPr>
+        <p:style>
+          <a:lnRef idx="2">
+            <a:schemeClr val="accent1">
+              <a:shade val="50000"/>
+            </a:schemeClr>
+          </a:lnRef>
+          <a:fillRef idx="1">
+            <a:schemeClr val="accent1"/>
+          </a:fillRef>
+          <a:effectRef idx="0">
+            <a:schemeClr val="accent1"/>
+          </a:effectRef>
+          <a:fontRef idx="minor">
+            <a:schemeClr val="lt1"/>
+          </a:fontRef>
+        </p:style>
+        <p:txBody>
+          <a:bodyPr rtlCol="0" anchor="ctr"/>
+          <a:p>
+            <a:pPr algn="ctr"/>
+            <a:endParaRPr lang="zh-CN" altLang="en-US">
+              <a:solidFill>
+                <a:schemeClr val="tx1"/>
+              </a:solidFill>
+            </a:endParaRPr>
+          </a:p>
+        </p:txBody>
+      </p:sp>
+      <p:sp>
+        <p:nvSpPr>
+          <p:cNvPr id="52" name="TextBox 51"/>
+          <p:cNvSpPr txBox="1"/>
+          <p:nvPr/>
+        </p:nvSpPr>
+        <p:spPr>
+          <a:xfrm>
+            <a:off x="2075438" y="1870265"/>
+            <a:ext cx="719847" cy="369332"/>
+          </a:xfrm>
+          <a:prstGeom prst="rect">
+            <a:avLst/>
+          </a:prstGeom>
+          <a:noFill/>
+        </p:spPr>
+        <p:txBody>
+          <a:bodyPr wrap="square" rtlCol="0">
+            <a:spAutoFit/>
+          </a:bodyPr>
+          <a:p>
+            <a:r>
+              <a:rPr lang="zh-CN" altLang="en-US" b="1" dirty="0" smtClean="0">
+                <a:solidFill>
+                  <a:schemeClr val="bg1"/>
+                </a:solidFill>
+              </a:rPr>
+              <a:t>！</a:t>
+            </a:r>
+            <a:endParaRPr lang="zh-CN" altLang="en-US" b="1" dirty="0">
+              <a:solidFill>
+                <a:schemeClr val="bg1"/>
+              </a:solidFill>
+            </a:endParaRPr>
+          </a:p>
+        </p:txBody>
+      </p:sp>
+      <p:sp>
+        <p:nvSpPr>
+          <p:cNvPr id="7" name="TextBox 45"/>
+          <p:cNvSpPr txBox="1"/>
+          <p:nvPr/>
+        </p:nvSpPr>
+        <p:spPr>
+          <a:xfrm>
+            <a:off x="9413875" y="2218055"/>
+            <a:ext cx="1437005" cy="2784475"/>
+          </a:xfrm>
+          <a:prstGeom prst="rect">
+            <a:avLst/>
+          </a:prstGeom>
+          <a:noFill/>
+        </p:spPr>
+        <p:txBody>
+          <a:bodyPr wrap="square" rtlCol="0">
+            <a:spAutoFit/>
+          </a:bodyPr>
+          <a:p>
+            <a:pPr>
+              <a:lnSpc>
+                <a:spcPts val="3000"/>
+              </a:lnSpc>
+            </a:pPr>
+            <a:r>
+              <a:rPr lang="zh-CN" altLang="en-US" sz="2000" dirty="0" smtClean="0">
+                <a:solidFill>
+                  <a:prstClr val="white"/>
+                </a:solidFill>
+              </a:rPr>
+              <a:t>找到关键对话内容，点击后，产生能量点（此部分还需打磨）</a:t>
+            </a:r>
+            <a:endParaRPr lang="zh-CN" altLang="en-US" sz="2000" dirty="0" smtClean="0">
+              <a:solidFill>
+                <a:prstClr val="white"/>
+              </a:solidFill>
+            </a:endParaRPr>
+          </a:p>
+        </p:txBody>
+      </p:sp>
+    </p:spTree>
+  </p:cSld>
+  <p:clrMapOvr>
+    <a:masterClrMapping/>
+  </p:clrMapOvr>
+  <p:timing>
+    <p:tnLst>
+      <p:par>
+        <p:cTn id="1" dur="indefinite" restart="never" nodeType="tmRoot"/>
+      </p:par>
+    </p:tnLst>
+  </p:timing>
+</p:sld>
+</file>
+
+<file path=ppt/slides/slide9.xml><?xml version="1.0" encoding="utf-8"?>
+<p:sld xmlns:a="http://schemas.openxmlformats.org/drawingml/2006/main" xmlns:r="http://schemas.openxmlformats.org/officeDocument/2006/relationships" xmlns:p="http://schemas.openxmlformats.org/presentationml/2006/main">
+  <p:cSld>
+    <p:bg>
+      <p:bgPr>
+        <a:solidFill>
+          <a:schemeClr val="tx1">
+            <a:lumMod val="75000"/>
+            <a:lumOff val="25000"/>
+          </a:schemeClr>
+        </a:solidFill>
+        <a:effectLst/>
+      </p:bgPr>
+    </p:bg>
+    <p:spTree>
+      <p:nvGrpSpPr>
+        <p:cNvPr id="1" name=""/>
+        <p:cNvGrpSpPr/>
+        <p:nvPr/>
+      </p:nvGrpSpPr>
+      <p:grpSpPr>
+        <a:xfrm>
+          <a:off x="0" y="0"/>
+          <a:ext cx="0" cy="0"/>
+          <a:chOff x="0" y="0"/>
+          <a:chExt cx="0" cy="0"/>
+        </a:xfrm>
+      </p:grpSpPr>
+      <p:sp>
+        <p:nvSpPr>
+          <p:cNvPr id="9" name="Rectangle 8"/>
+          <p:cNvSpPr/>
+          <p:nvPr/>
+        </p:nvSpPr>
+        <p:spPr>
+          <a:xfrm>
+            <a:off x="1" y="242485"/>
+            <a:ext cx="4128370" cy="65217"/>
+          </a:xfrm>
+          <a:prstGeom prst="rect">
+            <a:avLst/>
+          </a:prstGeom>
+          <a:solidFill>
+            <a:srgbClr val="9CAEF0"/>
+          </a:solidFill>
+          <a:ln>
+            <a:noFill/>
+          </a:ln>
+        </p:spPr>
+        <p:style>
+          <a:lnRef idx="2">
+            <a:schemeClr val="accent1">
+              <a:shade val="50000"/>
+            </a:schemeClr>
+          </a:lnRef>
+          <a:fillRef idx="1">
+            <a:schemeClr val="accent1"/>
+          </a:fillRef>
+          <a:effectRef idx="0">
+            <a:schemeClr val="accent1"/>
+          </a:effectRef>
+          <a:fontRef idx="minor">
+            <a:schemeClr val="lt1"/>
+          </a:fontRef>
+        </p:style>
+        <p:txBody>
+          <a:bodyPr rtlCol="0" anchor="ctr"/>
+          <a:lstStyle/>
+          <a:p>
+            <a:pPr algn="ctr"/>
+            <a:endParaRPr lang="zh-CN" altLang="en-US">
+              <a:solidFill>
+                <a:prstClr val="white"/>
+              </a:solidFill>
+            </a:endParaRPr>
+          </a:p>
+        </p:txBody>
+      </p:sp>
+      <p:sp>
+        <p:nvSpPr>
+          <p:cNvPr id="40" name="Rectangle 39"/>
+          <p:cNvSpPr/>
+          <p:nvPr/>
+        </p:nvSpPr>
+        <p:spPr>
+          <a:xfrm>
+            <a:off x="1" y="402349"/>
+            <a:ext cx="4128370" cy="65217"/>
+          </a:xfrm>
+          <a:prstGeom prst="rect">
+            <a:avLst/>
+          </a:prstGeom>
+          <a:solidFill>
+            <a:srgbClr val="9CD8F0"/>
+          </a:solidFill>
+          <a:ln>
+            <a:noFill/>
+          </a:ln>
+        </p:spPr>
+        <p:style>
+          <a:lnRef idx="2">
+            <a:schemeClr val="accent1">
+              <a:shade val="50000"/>
+            </a:schemeClr>
+          </a:lnRef>
+          <a:fillRef idx="1">
+            <a:schemeClr val="accent1"/>
+          </a:fillRef>
+          <a:effectRef idx="0">
+            <a:schemeClr val="accent1"/>
+          </a:effectRef>
+          <a:fontRef idx="minor">
+            <a:schemeClr val="lt1"/>
+          </a:fontRef>
+        </p:style>
+        <p:txBody>
+          <a:bodyPr rtlCol="0" anchor="ctr"/>
+          <a:lstStyle/>
+          <a:p>
+            <a:pPr algn="ctr"/>
+            <a:endParaRPr lang="zh-CN" altLang="en-US">
+              <a:solidFill>
+                <a:prstClr val="white"/>
+              </a:solidFill>
+            </a:endParaRPr>
+          </a:p>
+        </p:txBody>
+      </p:sp>
+      <p:sp>
+        <p:nvSpPr>
+          <p:cNvPr id="41" name="Rectangle 40"/>
+          <p:cNvSpPr/>
+          <p:nvPr/>
+        </p:nvSpPr>
+        <p:spPr>
+          <a:xfrm>
+            <a:off x="0" y="562213"/>
+            <a:ext cx="4128370" cy="65217"/>
+          </a:xfrm>
+          <a:prstGeom prst="rect">
+            <a:avLst/>
+          </a:prstGeom>
+          <a:solidFill>
+            <a:srgbClr val="EFDD9C"/>
+          </a:solidFill>
+          <a:ln>
+            <a:noFill/>
+          </a:ln>
+        </p:spPr>
+        <p:style>
+          <a:lnRef idx="2">
+            <a:schemeClr val="accent1">
+              <a:shade val="50000"/>
+            </a:schemeClr>
+          </a:lnRef>
+          <a:fillRef idx="1">
+            <a:schemeClr val="accent1"/>
+          </a:fillRef>
+          <a:effectRef idx="0">
+            <a:schemeClr val="accent1"/>
+          </a:effectRef>
+          <a:fontRef idx="minor">
+            <a:schemeClr val="lt1"/>
+          </a:fontRef>
+        </p:style>
+        <p:txBody>
+          <a:bodyPr rtlCol="0" anchor="ctr"/>
+          <a:lstStyle/>
+          <a:p>
+            <a:pPr algn="ctr"/>
+            <a:endParaRPr lang="zh-CN" altLang="en-US">
+              <a:solidFill>
+                <a:prstClr val="white"/>
+              </a:solidFill>
+            </a:endParaRPr>
+          </a:p>
+        </p:txBody>
+      </p:sp>
+      <p:sp>
+        <p:nvSpPr>
+          <p:cNvPr id="42" name="Rectangle 41"/>
+          <p:cNvSpPr/>
+          <p:nvPr/>
+        </p:nvSpPr>
+        <p:spPr>
+          <a:xfrm>
+            <a:off x="8602383" y="242485"/>
+            <a:ext cx="4128370" cy="65217"/>
+          </a:xfrm>
+          <a:prstGeom prst="rect">
+            <a:avLst/>
+          </a:prstGeom>
+          <a:solidFill>
+            <a:srgbClr val="9CAEF0"/>
+          </a:solidFill>
+          <a:ln>
+            <a:noFill/>
+          </a:ln>
+        </p:spPr>
+        <p:style>
+          <a:lnRef idx="2">
+            <a:schemeClr val="accent1">
+              <a:shade val="50000"/>
+            </a:schemeClr>
+          </a:lnRef>
+          <a:fillRef idx="1">
+            <a:schemeClr val="accent1"/>
+          </a:fillRef>
+          <a:effectRef idx="0">
+            <a:schemeClr val="accent1"/>
+          </a:effectRef>
+          <a:fontRef idx="minor">
+            <a:schemeClr val="lt1"/>
+          </a:fontRef>
+        </p:style>
+        <p:txBody>
+          <a:bodyPr rtlCol="0" anchor="ctr"/>
+          <a:lstStyle/>
+          <a:p>
+            <a:pPr algn="ctr"/>
+            <a:endParaRPr lang="zh-CN" altLang="en-US">
+              <a:solidFill>
+                <a:prstClr val="white"/>
+              </a:solidFill>
+            </a:endParaRPr>
+          </a:p>
+        </p:txBody>
+      </p:sp>
+      <p:sp>
+        <p:nvSpPr>
+          <p:cNvPr id="43" name="Rectangle 42"/>
+          <p:cNvSpPr/>
+          <p:nvPr/>
+        </p:nvSpPr>
+        <p:spPr>
+          <a:xfrm>
+            <a:off x="8602383" y="402349"/>
+            <a:ext cx="4128370" cy="65217"/>
+          </a:xfrm>
+          <a:prstGeom prst="rect">
+            <a:avLst/>
+          </a:prstGeom>
+          <a:solidFill>
+            <a:srgbClr val="9CD8F0"/>
+          </a:solidFill>
+          <a:ln>
+            <a:noFill/>
+          </a:ln>
+        </p:spPr>
+        <p:style>
+          <a:lnRef idx="2">
+            <a:schemeClr val="accent1">
+              <a:shade val="50000"/>
+            </a:schemeClr>
+          </a:lnRef>
+          <a:fillRef idx="1">
+            <a:schemeClr val="accent1"/>
+          </a:fillRef>
+          <a:effectRef idx="0">
+            <a:schemeClr val="accent1"/>
+          </a:effectRef>
+          <a:fontRef idx="minor">
+            <a:schemeClr val="lt1"/>
+          </a:fontRef>
+        </p:style>
+        <p:txBody>
+          <a:bodyPr rtlCol="0" anchor="ctr"/>
+          <a:lstStyle/>
+          <a:p>
+            <a:pPr algn="ctr"/>
+            <a:endParaRPr lang="zh-CN" altLang="en-US">
+              <a:solidFill>
+                <a:prstClr val="white"/>
+              </a:solidFill>
+            </a:endParaRPr>
+          </a:p>
+        </p:txBody>
+      </p:sp>
+      <p:sp>
+        <p:nvSpPr>
+          <p:cNvPr id="44" name="Rectangle 43"/>
+          <p:cNvSpPr/>
+          <p:nvPr/>
+        </p:nvSpPr>
+        <p:spPr>
+          <a:xfrm>
+            <a:off x="8602382" y="562213"/>
+            <a:ext cx="4128370" cy="65217"/>
+          </a:xfrm>
+          <a:prstGeom prst="rect">
+            <a:avLst/>
+          </a:prstGeom>
+          <a:solidFill>
+            <a:srgbClr val="EFDD9C"/>
+          </a:solidFill>
+          <a:ln>
+            <a:noFill/>
+          </a:ln>
+        </p:spPr>
+        <p:style>
+          <a:lnRef idx="2">
+            <a:schemeClr val="accent1">
+              <a:shade val="50000"/>
+            </a:schemeClr>
+          </a:lnRef>
+          <a:fillRef idx="1">
+            <a:schemeClr val="accent1"/>
+          </a:fillRef>
+          <a:effectRef idx="0">
+            <a:schemeClr val="accent1"/>
+          </a:effectRef>
+          <a:fontRef idx="minor">
+            <a:schemeClr val="lt1"/>
+          </a:fontRef>
+        </p:style>
+        <p:txBody>
+          <a:bodyPr rtlCol="0" anchor="ctr"/>
+          <a:lstStyle/>
+          <a:p>
+            <a:pPr algn="ctr"/>
+            <a:endParaRPr lang="zh-CN" altLang="en-US">
+              <a:solidFill>
+                <a:prstClr val="white"/>
+              </a:solidFill>
+            </a:endParaRPr>
+          </a:p>
+        </p:txBody>
+      </p:sp>
+      <p:sp>
+        <p:nvSpPr>
+          <p:cNvPr id="5" name="Rectangle 4"/>
+          <p:cNvSpPr/>
+          <p:nvPr/>
+        </p:nvSpPr>
+        <p:spPr>
+          <a:xfrm>
+            <a:off x="4128371" y="137403"/>
+            <a:ext cx="4474011" cy="585823"/>
+          </a:xfrm>
+          <a:prstGeom prst="rect">
+            <a:avLst/>
+          </a:prstGeom>
+          <a:noFill/>
+          <a:ln w="57150">
+            <a:solidFill>
+              <a:srgbClr val="8678AB"/>
+            </a:solidFill>
+          </a:ln>
+        </p:spPr>
+        <p:style>
+          <a:lnRef idx="2">
+            <a:schemeClr val="accent1">
+              <a:shade val="50000"/>
+            </a:schemeClr>
+          </a:lnRef>
+          <a:fillRef idx="1">
+            <a:schemeClr val="accent1"/>
+          </a:fillRef>
+          <a:effectRef idx="0">
+            <a:schemeClr val="accent1"/>
+          </a:effectRef>
+          <a:fontRef idx="minor">
+            <a:schemeClr val="lt1"/>
+          </a:fontRef>
+        </p:style>
+        <p:txBody>
+          <a:bodyPr rtlCol="0" anchor="ctr"/>
+          <a:lstStyle/>
+          <a:p>
+            <a:pPr algn="ctr"/>
+            <a:r>
+              <a:rPr lang="zh-CN" altLang="en-US" sz="3000" dirty="0">
+                <a:solidFill>
+                  <a:prstClr val="white"/>
+                </a:solidFill>
+              </a:rPr>
+              <a:t>玩法改进</a:t>
+            </a:r>
+            <a:r>
+              <a:rPr lang="en-US" altLang="zh-CN" sz="3000" dirty="0">
+                <a:solidFill>
+                  <a:prstClr val="white"/>
+                </a:solidFill>
+              </a:rPr>
+              <a:t>-</a:t>
+            </a:r>
+            <a:r>
+              <a:rPr lang="zh-CN" altLang="en-US" sz="3000" dirty="0">
+                <a:solidFill>
+                  <a:prstClr val="white"/>
+                </a:solidFill>
+              </a:rPr>
+              <a:t>环境扫描</a:t>
+            </a:r>
+            <a:endParaRPr lang="zh-CN" altLang="en-US" sz="3000" dirty="0">
+              <a:solidFill>
+                <a:prstClr val="white"/>
+              </a:solidFill>
+            </a:endParaRPr>
+          </a:p>
+        </p:txBody>
+      </p:sp>
+      <p:sp>
+        <p:nvSpPr>
+          <p:cNvPr id="8" name="Rectangle 7"/>
+          <p:cNvSpPr/>
+          <p:nvPr/>
+        </p:nvSpPr>
+        <p:spPr>
+          <a:xfrm>
+            <a:off x="924128" y="242485"/>
+            <a:ext cx="457200" cy="398335"/>
+          </a:xfrm>
+          <a:prstGeom prst="rect">
+            <a:avLst/>
+          </a:prstGeom>
+          <a:solidFill>
+            <a:schemeClr val="tx1">
+              <a:lumMod val="75000"/>
+              <a:lumOff val="25000"/>
+            </a:schemeClr>
+          </a:solidFill>
+          <a:ln>
+            <a:noFill/>
+          </a:ln>
+        </p:spPr>
+        <p:style>
+          <a:lnRef idx="2">
+            <a:schemeClr val="accent1">
+              <a:shade val="50000"/>
+            </a:schemeClr>
+          </a:lnRef>
+          <a:fillRef idx="1">
+            <a:schemeClr val="accent1"/>
+          </a:fillRef>
+          <a:effectRef idx="0">
+            <a:schemeClr val="accent1"/>
+          </a:effectRef>
+          <a:fontRef idx="minor">
+            <a:schemeClr val="lt1"/>
+          </a:fontRef>
+        </p:style>
+        <p:txBody>
+          <a:bodyPr rtlCol="0" anchor="ctr"/>
+          <a:lstStyle/>
+          <a:p>
+            <a:pPr algn="ctr"/>
+            <a:r>
+              <a:rPr lang="en-US" altLang="zh-CN" dirty="0">
+                <a:solidFill>
+                  <a:prstClr val="white"/>
+                </a:solidFill>
+              </a:rPr>
+              <a:t>6</a:t>
+            </a:r>
+            <a:endParaRPr lang="en-US" altLang="zh-CN" dirty="0">
+              <a:solidFill>
+                <a:prstClr val="white"/>
+              </a:solidFill>
+            </a:endParaRPr>
+          </a:p>
+        </p:txBody>
+      </p:sp>
+      <p:sp>
+        <p:nvSpPr>
+          <p:cNvPr id="46" name="TextBox 45"/>
+          <p:cNvSpPr txBox="1"/>
+          <p:nvPr/>
+        </p:nvSpPr>
+        <p:spPr>
+          <a:xfrm>
+            <a:off x="588010" y="6272530"/>
+            <a:ext cx="10259695" cy="475615"/>
+          </a:xfrm>
+          <a:prstGeom prst="rect">
+            <a:avLst/>
+          </a:prstGeom>
+          <a:noFill/>
+        </p:spPr>
+        <p:txBody>
+          <a:bodyPr wrap="square" rtlCol="0">
+            <a:spAutoFit/>
+          </a:bodyPr>
+          <a:lstStyle/>
+          <a:p>
+            <a:pPr>
+              <a:lnSpc>
+                <a:spcPts val="3000"/>
+              </a:lnSpc>
+            </a:pPr>
+            <a:r>
+              <a:rPr lang="zh-CN" altLang="en-US" sz="2000" dirty="0" smtClean="0">
+                <a:solidFill>
+                  <a:prstClr val="white"/>
+                </a:solidFill>
+              </a:rPr>
+              <a:t>扫描后生成文本，点击文本管件词（消耗能量点），对关键词进行问答</a:t>
+            </a:r>
+            <a:endParaRPr lang="en-US" altLang="zh-CN" sz="2000" dirty="0" smtClean="0">
+              <a:solidFill>
+                <a:prstClr val="white"/>
+              </a:solidFill>
+            </a:endParaRPr>
+          </a:p>
+        </p:txBody>
+      </p:sp>
+      <p:sp>
+        <p:nvSpPr>
+          <p:cNvPr id="15" name="Rectangle 14"/>
+          <p:cNvSpPr/>
+          <p:nvPr/>
+        </p:nvSpPr>
+        <p:spPr>
+          <a:xfrm>
+            <a:off x="531670" y="1280101"/>
+            <a:ext cx="3369013" cy="4906690"/>
+          </a:xfrm>
+          <a:prstGeom prst="rect">
+            <a:avLst/>
+          </a:prstGeom>
+          <a:solidFill>
+            <a:srgbClr val="8678AB"/>
+          </a:solidFill>
+          <a:ln>
+            <a:noFill/>
+          </a:ln>
+        </p:spPr>
+        <p:style>
+          <a:lnRef idx="2">
+            <a:schemeClr val="accent1">
+              <a:shade val="50000"/>
+            </a:schemeClr>
+          </a:lnRef>
+          <a:fillRef idx="1">
+            <a:schemeClr val="accent1"/>
+          </a:fillRef>
+          <a:effectRef idx="0">
+            <a:schemeClr val="accent1"/>
+          </a:effectRef>
+          <a:fontRef idx="minor">
+            <a:schemeClr val="lt1"/>
+          </a:fontRef>
+        </p:style>
+        <p:txBody>
+          <a:bodyPr rtlCol="0" anchor="ctr"/>
+          <a:p>
+            <a:pPr algn="ctr"/>
+            <a:endParaRPr lang="zh-CN" altLang="en-US">
+              <a:solidFill>
+                <a:prstClr val="white"/>
+              </a:solidFill>
+            </a:endParaRPr>
+          </a:p>
+        </p:txBody>
+      </p:sp>
+      <p:sp>
+        <p:nvSpPr>
+          <p:cNvPr id="14" name="Rectangle 13"/>
+          <p:cNvSpPr/>
+          <p:nvPr/>
+        </p:nvSpPr>
+        <p:spPr>
+          <a:xfrm>
+            <a:off x="1100058" y="1451941"/>
+            <a:ext cx="111600" cy="112238"/>
+          </a:xfrm>
+          <a:prstGeom prst="rect">
+            <a:avLst/>
+          </a:prstGeom>
+          <a:solidFill>
+            <a:srgbClr val="9CD8F0"/>
+          </a:solidFill>
+          <a:ln>
+            <a:noFill/>
+          </a:ln>
+        </p:spPr>
+        <p:style>
+          <a:lnRef idx="2">
+            <a:schemeClr val="accent1">
+              <a:shade val="50000"/>
+            </a:schemeClr>
+          </a:lnRef>
+          <a:fillRef idx="1">
+            <a:schemeClr val="accent1"/>
+          </a:fillRef>
+          <a:effectRef idx="0">
+            <a:schemeClr val="accent1"/>
+          </a:effectRef>
+          <a:fontRef idx="minor">
+            <a:schemeClr val="lt1"/>
+          </a:fontRef>
+        </p:style>
+        <p:txBody>
+          <a:bodyPr rtlCol="0" anchor="ctr"/>
+          <a:p>
+            <a:pPr algn="ctr"/>
+            <a:endParaRPr lang="zh-CN" altLang="en-US">
+              <a:solidFill>
+                <a:prstClr val="white"/>
+              </a:solidFill>
+            </a:endParaRPr>
+          </a:p>
+        </p:txBody>
+      </p:sp>
+      <p:sp>
+        <p:nvSpPr>
+          <p:cNvPr id="16" name="Rectangle 15"/>
+          <p:cNvSpPr/>
+          <p:nvPr/>
+        </p:nvSpPr>
+        <p:spPr>
+          <a:xfrm>
+            <a:off x="1301096" y="1451941"/>
+            <a:ext cx="111600" cy="112238"/>
+          </a:xfrm>
+          <a:prstGeom prst="rect">
+            <a:avLst/>
+          </a:prstGeom>
+          <a:solidFill>
+            <a:schemeClr val="bg1"/>
+          </a:solidFill>
+          <a:ln>
+            <a:noFill/>
+          </a:ln>
+        </p:spPr>
+        <p:style>
+          <a:lnRef idx="2">
+            <a:schemeClr val="accent1">
+              <a:shade val="50000"/>
+            </a:schemeClr>
+          </a:lnRef>
+          <a:fillRef idx="1">
+            <a:schemeClr val="accent1"/>
+          </a:fillRef>
+          <a:effectRef idx="0">
+            <a:schemeClr val="accent1"/>
+          </a:effectRef>
+          <a:fontRef idx="minor">
+            <a:schemeClr val="lt1"/>
+          </a:fontRef>
+        </p:style>
+        <p:txBody>
+          <a:bodyPr rtlCol="0" anchor="ctr"/>
+          <a:p>
+            <a:pPr algn="ctr"/>
+            <a:endParaRPr lang="zh-CN" altLang="en-US">
+              <a:solidFill>
+                <a:prstClr val="white"/>
+              </a:solidFill>
+            </a:endParaRPr>
+          </a:p>
+        </p:txBody>
+      </p:sp>
+      <p:sp>
+        <p:nvSpPr>
+          <p:cNvPr id="17" name="Rectangle 16"/>
+          <p:cNvSpPr/>
+          <p:nvPr/>
+        </p:nvSpPr>
+        <p:spPr>
+          <a:xfrm>
+            <a:off x="1502134" y="1451941"/>
+            <a:ext cx="111600" cy="112238"/>
+          </a:xfrm>
+          <a:prstGeom prst="rect">
+            <a:avLst/>
+          </a:prstGeom>
+          <a:solidFill>
+            <a:schemeClr val="bg1"/>
+          </a:solidFill>
+          <a:ln>
+            <a:noFill/>
+          </a:ln>
+        </p:spPr>
+        <p:style>
+          <a:lnRef idx="2">
+            <a:schemeClr val="accent1">
+              <a:shade val="50000"/>
+            </a:schemeClr>
+          </a:lnRef>
+          <a:fillRef idx="1">
+            <a:schemeClr val="accent1"/>
+          </a:fillRef>
+          <a:effectRef idx="0">
+            <a:schemeClr val="accent1"/>
+          </a:effectRef>
+          <a:fontRef idx="minor">
+            <a:schemeClr val="lt1"/>
+          </a:fontRef>
+        </p:style>
+        <p:txBody>
+          <a:bodyPr rtlCol="0" anchor="ctr"/>
+          <a:p>
+            <a:pPr algn="ctr"/>
+            <a:endParaRPr lang="zh-CN" altLang="en-US">
+              <a:solidFill>
+                <a:prstClr val="white"/>
+              </a:solidFill>
+            </a:endParaRPr>
+          </a:p>
+        </p:txBody>
+      </p:sp>
+      <p:sp>
+        <p:nvSpPr>
+          <p:cNvPr id="18" name="Rectangle 17"/>
+          <p:cNvSpPr/>
+          <p:nvPr/>
+        </p:nvSpPr>
+        <p:spPr>
+          <a:xfrm>
+            <a:off x="1703172" y="1451941"/>
+            <a:ext cx="111600" cy="112238"/>
+          </a:xfrm>
+          <a:prstGeom prst="rect">
+            <a:avLst/>
+          </a:prstGeom>
+          <a:solidFill>
+            <a:schemeClr val="bg1"/>
+          </a:solidFill>
+          <a:ln>
+            <a:noFill/>
+          </a:ln>
+        </p:spPr>
+        <p:style>
+          <a:lnRef idx="2">
+            <a:schemeClr val="accent1">
+              <a:shade val="50000"/>
+            </a:schemeClr>
+          </a:lnRef>
+          <a:fillRef idx="1">
+            <a:schemeClr val="accent1"/>
+          </a:fillRef>
+          <a:effectRef idx="0">
+            <a:schemeClr val="accent1"/>
+          </a:effectRef>
+          <a:fontRef idx="minor">
+            <a:schemeClr val="lt1"/>
+          </a:fontRef>
+        </p:style>
+        <p:txBody>
+          <a:bodyPr rtlCol="0" anchor="ctr"/>
+          <a:p>
+            <a:pPr algn="ctr"/>
+            <a:endParaRPr lang="zh-CN" altLang="en-US">
+              <a:solidFill>
+                <a:prstClr val="white"/>
+              </a:solidFill>
+            </a:endParaRPr>
+          </a:p>
+        </p:txBody>
+      </p:sp>
+      <p:sp>
+        <p:nvSpPr>
+          <p:cNvPr id="19" name="Rectangle 18"/>
+          <p:cNvSpPr/>
+          <p:nvPr/>
+        </p:nvSpPr>
+        <p:spPr>
+          <a:xfrm>
+            <a:off x="899020" y="1451941"/>
+            <a:ext cx="111600" cy="112238"/>
+          </a:xfrm>
+          <a:prstGeom prst="rect">
+            <a:avLst/>
+          </a:prstGeom>
+          <a:solidFill>
+            <a:srgbClr val="9CD8F0"/>
+          </a:solidFill>
+          <a:ln>
+            <a:noFill/>
+          </a:ln>
+        </p:spPr>
+        <p:style>
+          <a:lnRef idx="2">
+            <a:schemeClr val="accent1">
+              <a:shade val="50000"/>
+            </a:schemeClr>
+          </a:lnRef>
+          <a:fillRef idx="1">
+            <a:schemeClr val="accent1"/>
+          </a:fillRef>
+          <a:effectRef idx="0">
+            <a:schemeClr val="accent1"/>
+          </a:effectRef>
+          <a:fontRef idx="minor">
+            <a:schemeClr val="lt1"/>
+          </a:fontRef>
+        </p:style>
+        <p:txBody>
+          <a:bodyPr rtlCol="0" anchor="ctr"/>
+          <a:p>
+            <a:pPr algn="ctr"/>
+            <a:endParaRPr lang="zh-CN" altLang="en-US">
+              <a:solidFill>
+                <a:prstClr val="white"/>
+              </a:solidFill>
+            </a:endParaRPr>
+          </a:p>
+        </p:txBody>
+      </p:sp>
+      <p:sp>
+        <p:nvSpPr>
+          <p:cNvPr id="2" name="TextBox 1"/>
+          <p:cNvSpPr txBox="1"/>
+          <p:nvPr/>
+        </p:nvSpPr>
+        <p:spPr>
+          <a:xfrm>
+            <a:off x="807288" y="1848256"/>
+            <a:ext cx="1828800" cy="369332"/>
+          </a:xfrm>
+          <a:prstGeom prst="rect">
+            <a:avLst/>
+          </a:prstGeom>
+          <a:noFill/>
+        </p:spPr>
+        <p:txBody>
+          <a:bodyPr wrap="square" rtlCol="0">
+            <a:spAutoFit/>
+          </a:bodyPr>
+          <a:p>
+            <a:r>
+              <a:rPr lang="zh-CN" altLang="en-US" dirty="0" smtClean="0">
+                <a:solidFill>
+                  <a:prstClr val="black"/>
+                </a:solidFill>
+              </a:rPr>
+              <a:t>对话内容</a:t>
+            </a:r>
+            <a:r>
+              <a:rPr lang="en-US" altLang="zh-CN" dirty="0" smtClean="0">
+                <a:solidFill>
+                  <a:prstClr val="black"/>
+                </a:solidFill>
+              </a:rPr>
+              <a:t>1</a:t>
+            </a:r>
+            <a:endParaRPr lang="zh-CN" altLang="en-US" dirty="0">
+              <a:solidFill>
+                <a:prstClr val="black"/>
+              </a:solidFill>
+            </a:endParaRPr>
+          </a:p>
+        </p:txBody>
+      </p:sp>
+      <p:sp>
+        <p:nvSpPr>
+          <p:cNvPr id="21" name="TextBox 20"/>
+          <p:cNvSpPr txBox="1"/>
+          <p:nvPr/>
+        </p:nvSpPr>
+        <p:spPr>
+          <a:xfrm>
+            <a:off x="807288" y="2406524"/>
+            <a:ext cx="1828800" cy="369332"/>
+          </a:xfrm>
+          <a:prstGeom prst="rect">
+            <a:avLst/>
+          </a:prstGeom>
+          <a:noFill/>
+        </p:spPr>
+        <p:txBody>
+          <a:bodyPr wrap="square" rtlCol="0">
+            <a:spAutoFit/>
+          </a:bodyPr>
+          <a:p>
+            <a:r>
+              <a:rPr lang="zh-CN" altLang="en-US" dirty="0" smtClean="0">
+                <a:solidFill>
+                  <a:prstClr val="black"/>
+                </a:solidFill>
+              </a:rPr>
+              <a:t>对话内容</a:t>
+            </a:r>
+            <a:r>
+              <a:rPr lang="en-US" altLang="zh-CN" dirty="0">
+                <a:solidFill>
+                  <a:prstClr val="black"/>
+                </a:solidFill>
+              </a:rPr>
+              <a:t>2</a:t>
+            </a:r>
+            <a:endParaRPr lang="zh-CN" altLang="en-US" dirty="0">
+              <a:solidFill>
+                <a:prstClr val="black"/>
+              </a:solidFill>
+            </a:endParaRPr>
+          </a:p>
+        </p:txBody>
+      </p:sp>
+      <p:sp>
+        <p:nvSpPr>
+          <p:cNvPr id="22" name="TextBox 21"/>
+          <p:cNvSpPr txBox="1"/>
+          <p:nvPr/>
+        </p:nvSpPr>
+        <p:spPr>
+          <a:xfrm>
+            <a:off x="807288" y="2964792"/>
+            <a:ext cx="1828800" cy="369332"/>
+          </a:xfrm>
+          <a:prstGeom prst="rect">
+            <a:avLst/>
+          </a:prstGeom>
+          <a:noFill/>
+        </p:spPr>
+        <p:txBody>
+          <a:bodyPr wrap="square" rtlCol="0">
+            <a:spAutoFit/>
+          </a:bodyPr>
+          <a:p>
+            <a:r>
+              <a:rPr lang="zh-CN" altLang="en-US" dirty="0" smtClean="0">
+                <a:solidFill>
+                  <a:prstClr val="black"/>
+                </a:solidFill>
+              </a:rPr>
+              <a:t>对话内容</a:t>
+            </a:r>
+            <a:r>
+              <a:rPr lang="en-US" altLang="zh-CN" dirty="0" smtClean="0">
+                <a:solidFill>
+                  <a:prstClr val="black"/>
+                </a:solidFill>
+              </a:rPr>
+              <a:t>3</a:t>
+            </a:r>
+            <a:endParaRPr lang="zh-CN" altLang="en-US" dirty="0">
+              <a:solidFill>
+                <a:prstClr val="black"/>
+              </a:solidFill>
+            </a:endParaRPr>
+          </a:p>
+        </p:txBody>
+      </p:sp>
+      <p:sp>
+        <p:nvSpPr>
+          <p:cNvPr id="23" name="TextBox 22"/>
+          <p:cNvSpPr txBox="1"/>
+          <p:nvPr/>
+        </p:nvSpPr>
+        <p:spPr>
+          <a:xfrm>
+            <a:off x="807288" y="3523060"/>
+            <a:ext cx="1828800" cy="369332"/>
+          </a:xfrm>
+          <a:prstGeom prst="rect">
+            <a:avLst/>
+          </a:prstGeom>
+          <a:noFill/>
+        </p:spPr>
+        <p:txBody>
+          <a:bodyPr wrap="square" rtlCol="0">
+            <a:spAutoFit/>
+          </a:bodyPr>
+          <a:p>
+            <a:r>
+              <a:rPr lang="zh-CN" altLang="en-US" dirty="0" smtClean="0">
+                <a:solidFill>
+                  <a:prstClr val="black"/>
+                </a:solidFill>
+              </a:rPr>
+              <a:t>对话内容</a:t>
+            </a:r>
+            <a:r>
+              <a:rPr lang="en-US" altLang="zh-CN" dirty="0" smtClean="0">
+                <a:solidFill>
+                  <a:prstClr val="black"/>
+                </a:solidFill>
+              </a:rPr>
+              <a:t>4</a:t>
+            </a:r>
+            <a:endParaRPr lang="zh-CN" altLang="en-US" dirty="0">
+              <a:solidFill>
+                <a:prstClr val="black"/>
+              </a:solidFill>
+            </a:endParaRPr>
+          </a:p>
+        </p:txBody>
+      </p:sp>
+      <p:sp>
+        <p:nvSpPr>
+          <p:cNvPr id="24" name="TextBox 23"/>
+          <p:cNvSpPr txBox="1"/>
+          <p:nvPr/>
+        </p:nvSpPr>
+        <p:spPr>
+          <a:xfrm>
+            <a:off x="807288" y="4081328"/>
+            <a:ext cx="1828800" cy="369332"/>
+          </a:xfrm>
+          <a:prstGeom prst="rect">
+            <a:avLst/>
+          </a:prstGeom>
+          <a:noFill/>
+        </p:spPr>
+        <p:txBody>
+          <a:bodyPr wrap="square" rtlCol="0">
+            <a:spAutoFit/>
+          </a:bodyPr>
+          <a:p>
+            <a:r>
+              <a:rPr lang="zh-CN" altLang="en-US" dirty="0" smtClean="0">
+                <a:solidFill>
+                  <a:prstClr val="black"/>
+                </a:solidFill>
+              </a:rPr>
+              <a:t>对话内容</a:t>
+            </a:r>
+            <a:r>
+              <a:rPr lang="en-US" altLang="zh-CN" dirty="0" smtClean="0">
+                <a:solidFill>
+                  <a:prstClr val="black"/>
+                </a:solidFill>
+              </a:rPr>
+              <a:t>5</a:t>
+            </a:r>
+            <a:endParaRPr lang="zh-CN" altLang="en-US" dirty="0">
+              <a:solidFill>
+                <a:prstClr val="black"/>
+              </a:solidFill>
+            </a:endParaRPr>
+          </a:p>
+        </p:txBody>
+      </p:sp>
+      <p:sp>
+        <p:nvSpPr>
+          <p:cNvPr id="25" name="Rectangle 24"/>
+          <p:cNvSpPr/>
+          <p:nvPr/>
+        </p:nvSpPr>
+        <p:spPr>
+          <a:xfrm>
+            <a:off x="1187132" y="5628026"/>
+            <a:ext cx="1999414" cy="406211"/>
+          </a:xfrm>
+          <a:prstGeom prst="rect">
+            <a:avLst/>
+          </a:prstGeom>
+          <a:solidFill>
+            <a:srgbClr val="EFDD9C"/>
+          </a:solidFill>
+          <a:ln>
+            <a:noFill/>
+          </a:ln>
+        </p:spPr>
+        <p:style>
+          <a:lnRef idx="2">
+            <a:schemeClr val="accent1">
+              <a:shade val="50000"/>
+            </a:schemeClr>
+          </a:lnRef>
+          <a:fillRef idx="1">
+            <a:schemeClr val="accent1"/>
+          </a:fillRef>
+          <a:effectRef idx="0">
+            <a:schemeClr val="accent1"/>
+          </a:effectRef>
+          <a:fontRef idx="minor">
+            <a:schemeClr val="lt1"/>
+          </a:fontRef>
+        </p:style>
+        <p:txBody>
+          <a:bodyPr rtlCol="0" anchor="ctr"/>
+          <a:p>
+            <a:pPr algn="ctr"/>
+            <a:r>
+              <a:rPr lang="zh-CN" altLang="en-US" dirty="0" smtClean="0">
+                <a:solidFill>
+                  <a:prstClr val="black"/>
+                </a:solidFill>
+              </a:rPr>
+              <a:t>启动扫描程序</a:t>
+            </a:r>
+            <a:endParaRPr lang="zh-CN" altLang="en-US" dirty="0">
+              <a:solidFill>
+                <a:prstClr val="black"/>
+              </a:solidFill>
+            </a:endParaRPr>
+          </a:p>
+        </p:txBody>
+      </p:sp>
+      <p:sp>
+        <p:nvSpPr>
+          <p:cNvPr id="27" name="Rectangle 26"/>
+          <p:cNvSpPr/>
+          <p:nvPr/>
+        </p:nvSpPr>
+        <p:spPr>
+          <a:xfrm flipH="1">
+            <a:off x="3412411" y="1770068"/>
+            <a:ext cx="45719" cy="3667694"/>
+          </a:xfrm>
+          <a:prstGeom prst="rect">
+            <a:avLst/>
+          </a:prstGeom>
+          <a:solidFill>
+            <a:srgbClr val="EFDD9C"/>
+          </a:solidFill>
+          <a:ln>
+            <a:noFill/>
+          </a:ln>
+        </p:spPr>
+        <p:style>
+          <a:lnRef idx="2">
+            <a:schemeClr val="accent1">
+              <a:shade val="50000"/>
+            </a:schemeClr>
+          </a:lnRef>
+          <a:fillRef idx="1">
+            <a:schemeClr val="accent1"/>
+          </a:fillRef>
+          <a:effectRef idx="0">
+            <a:schemeClr val="accent1"/>
+          </a:effectRef>
+          <a:fontRef idx="minor">
+            <a:schemeClr val="lt1"/>
+          </a:fontRef>
+        </p:style>
+        <p:txBody>
+          <a:bodyPr rtlCol="0" anchor="ctr"/>
+          <a:p>
+            <a:pPr algn="ctr"/>
+            <a:endParaRPr lang="zh-CN" altLang="en-US">
+              <a:solidFill>
+                <a:prstClr val="white"/>
+              </a:solidFill>
+            </a:endParaRPr>
+          </a:p>
+        </p:txBody>
+      </p:sp>
+      <p:sp>
+        <p:nvSpPr>
+          <p:cNvPr id="3" name="Rectangle 2"/>
+          <p:cNvSpPr/>
+          <p:nvPr/>
+        </p:nvSpPr>
+        <p:spPr>
+          <a:xfrm>
+            <a:off x="3458130" y="3762958"/>
+            <a:ext cx="442553" cy="1674804"/>
+          </a:xfrm>
+          <a:prstGeom prst="rect">
+            <a:avLst/>
+          </a:prstGeom>
+          <a:solidFill>
+            <a:srgbClr val="EFDD9C"/>
+          </a:solidFill>
+        </p:spPr>
+        <p:style>
+          <a:lnRef idx="0">
+            <a:schemeClr val="accent2"/>
+          </a:lnRef>
+          <a:fillRef idx="3">
+            <a:schemeClr val="accent2"/>
+          </a:fillRef>
+          <a:effectRef idx="3">
+            <a:schemeClr val="accent2"/>
+          </a:effectRef>
+          <a:fontRef idx="minor">
+            <a:schemeClr val="lt1"/>
+          </a:fontRef>
+        </p:style>
+        <p:txBody>
+          <a:bodyPr rtlCol="0" anchor="ctr"/>
+          <a:p>
+            <a:pPr algn="ctr"/>
+            <a:r>
+              <a:rPr lang="zh-CN" altLang="en-US" dirty="0">
+                <a:solidFill>
+                  <a:prstClr val="black"/>
+                </a:solidFill>
+              </a:rPr>
+              <a:t>事</a:t>
+            </a:r>
+            <a:r>
+              <a:rPr lang="zh-CN" altLang="en-US" dirty="0" smtClean="0">
+                <a:solidFill>
+                  <a:prstClr val="black"/>
+                </a:solidFill>
+              </a:rPr>
+              <a:t>件</a:t>
+            </a:r>
+            <a:r>
+              <a:rPr lang="zh-CN" altLang="en-US" dirty="0">
+                <a:solidFill>
+                  <a:prstClr val="black"/>
+                </a:solidFill>
+              </a:rPr>
+              <a:t>日志</a:t>
+            </a:r>
+            <a:endParaRPr lang="zh-CN" altLang="en-US" dirty="0">
+              <a:solidFill>
+                <a:prstClr val="black"/>
+              </a:solidFill>
+            </a:endParaRPr>
+          </a:p>
+        </p:txBody>
+      </p:sp>
+      <p:sp>
+        <p:nvSpPr>
+          <p:cNvPr id="29" name="Rectangle 28"/>
+          <p:cNvSpPr/>
+          <p:nvPr/>
+        </p:nvSpPr>
+        <p:spPr>
+          <a:xfrm>
+            <a:off x="4680805" y="1254701"/>
+            <a:ext cx="3369013" cy="4906690"/>
+          </a:xfrm>
+          <a:prstGeom prst="rect">
+            <a:avLst/>
+          </a:prstGeom>
+          <a:solidFill>
+            <a:srgbClr val="8678AB"/>
+          </a:solidFill>
+          <a:ln>
+            <a:noFill/>
+          </a:ln>
+        </p:spPr>
+        <p:style>
+          <a:lnRef idx="2">
+            <a:schemeClr val="accent1">
+              <a:shade val="50000"/>
+            </a:schemeClr>
+          </a:lnRef>
+          <a:fillRef idx="1">
+            <a:schemeClr val="accent1"/>
+          </a:fillRef>
+          <a:effectRef idx="0">
+            <a:schemeClr val="accent1"/>
+          </a:effectRef>
+          <a:fontRef idx="minor">
+            <a:schemeClr val="lt1"/>
+          </a:fontRef>
+        </p:style>
+        <p:txBody>
+          <a:bodyPr rtlCol="0" anchor="ctr"/>
+          <a:p>
+            <a:pPr algn="ctr"/>
+            <a:endParaRPr lang="zh-CN" altLang="en-US">
+              <a:solidFill>
+                <a:prstClr val="white"/>
+              </a:solidFill>
+            </a:endParaRPr>
+          </a:p>
+        </p:txBody>
+      </p:sp>
+      <p:sp>
+        <p:nvSpPr>
+          <p:cNvPr id="35" name="TextBox 34"/>
+          <p:cNvSpPr txBox="1"/>
+          <p:nvPr/>
+        </p:nvSpPr>
+        <p:spPr>
+          <a:xfrm>
+            <a:off x="5052292" y="1788121"/>
+            <a:ext cx="2701054" cy="2308324"/>
+          </a:xfrm>
+          <a:prstGeom prst="rect">
+            <a:avLst/>
+          </a:prstGeom>
+          <a:noFill/>
+        </p:spPr>
+        <p:txBody>
+          <a:bodyPr wrap="square" rtlCol="0">
+            <a:spAutoFit/>
+          </a:bodyPr>
+          <a:p>
+            <a:r>
+              <a:rPr lang="zh-CN" altLang="en-US" dirty="0" smtClean="0">
+                <a:solidFill>
+                  <a:prstClr val="black"/>
+                </a:solidFill>
+              </a:rPr>
+              <a:t>巴拉焦困</a:t>
+            </a:r>
+            <a:r>
+              <a:rPr lang="zh-CN" altLang="en-US" dirty="0" smtClean="0">
+                <a:solidFill>
+                  <a:schemeClr val="bg1"/>
+                </a:solidFill>
+              </a:rPr>
+              <a:t>！</a:t>
+            </a:r>
+            <a:r>
+              <a:rPr lang="zh-CN" altLang="en-US" dirty="0" smtClean="0">
+                <a:solidFill>
+                  <a:prstClr val="black"/>
+                </a:solidFill>
+              </a:rPr>
+              <a:t>斯加地方垃圾爱上了就大方啊就是看得见按键小刀</a:t>
+            </a:r>
+            <a:r>
+              <a:rPr lang="zh-CN" altLang="en-US" dirty="0" smtClean="0">
+                <a:solidFill>
+                  <a:schemeClr val="bg1"/>
+                </a:solidFill>
+              </a:rPr>
+              <a:t>！</a:t>
+            </a:r>
+            <a:r>
+              <a:rPr lang="zh-CN" altLang="en-US" dirty="0" smtClean="0">
+                <a:solidFill>
+                  <a:prstClr val="black"/>
+                </a:solidFill>
+              </a:rPr>
+              <a:t>案例睡觉了发菜刀</a:t>
+            </a:r>
+            <a:r>
+              <a:rPr lang="zh-CN" altLang="en-US" dirty="0" smtClean="0">
+                <a:solidFill>
+                  <a:schemeClr val="bg1"/>
+                </a:solidFill>
+              </a:rPr>
+              <a:t>！</a:t>
+            </a:r>
+            <a:r>
+              <a:rPr lang="zh-CN" altLang="en-US" dirty="0" smtClean="0">
+                <a:solidFill>
+                  <a:prstClr val="black"/>
+                </a:solidFill>
+              </a:rPr>
+              <a:t>了骄傲哦</a:t>
+            </a:r>
+            <a:r>
+              <a:rPr lang="en-US" altLang="zh-CN" dirty="0" smtClean="0">
+                <a:solidFill>
+                  <a:prstClr val="black"/>
+                </a:solidFill>
+              </a:rPr>
+              <a:t>I</a:t>
+            </a:r>
+            <a:r>
+              <a:rPr lang="zh-CN" altLang="en-US" dirty="0" smtClean="0">
+                <a:solidFill>
+                  <a:prstClr val="black"/>
+                </a:solidFill>
+              </a:rPr>
+              <a:t>家艾莉婕奥侧面</a:t>
+            </a:r>
+            <a:r>
+              <a:rPr lang="zh-CN" altLang="en-US" dirty="0" smtClean="0">
+                <a:solidFill>
+                  <a:schemeClr val="bg1"/>
+                </a:solidFill>
+              </a:rPr>
+              <a:t>！</a:t>
+            </a:r>
+            <a:r>
+              <a:rPr lang="zh-CN" altLang="en-US" dirty="0" smtClean="0">
+                <a:solidFill>
+                  <a:prstClr val="black"/>
+                </a:solidFill>
+              </a:rPr>
+              <a:t>就发保安</a:t>
+            </a:r>
+            <a:r>
+              <a:rPr lang="zh-CN" altLang="en-US" dirty="0" smtClean="0">
+                <a:solidFill>
+                  <a:schemeClr val="bg1"/>
+                </a:solidFill>
+              </a:rPr>
+              <a:t>！</a:t>
+            </a:r>
+            <a:r>
+              <a:rPr lang="zh-CN" altLang="en-US" dirty="0" smtClean="0">
+                <a:solidFill>
+                  <a:prstClr val="black"/>
+                </a:solidFill>
+              </a:rPr>
+              <a:t>多久哇哦偶背后</a:t>
+            </a:r>
+            <a:r>
+              <a:rPr lang="zh-CN" altLang="en-US" dirty="0" smtClean="0">
+                <a:solidFill>
+                  <a:schemeClr val="bg1"/>
+                </a:solidFill>
+              </a:rPr>
+              <a:t>！</a:t>
+            </a:r>
+            <a:r>
+              <a:rPr lang="zh-CN" altLang="en-US" dirty="0" smtClean="0">
+                <a:solidFill>
+                  <a:prstClr val="black"/>
+                </a:solidFill>
+              </a:rPr>
+              <a:t>家费拉家玩家拉丝机奥哦啊睡觉疯了</a:t>
+            </a:r>
+            <a:endParaRPr lang="zh-CN" altLang="en-US" dirty="0">
+              <a:solidFill>
+                <a:prstClr val="black"/>
+              </a:solidFill>
+            </a:endParaRPr>
+          </a:p>
+        </p:txBody>
+      </p:sp>
+      <p:sp>
+        <p:nvSpPr>
+          <p:cNvPr id="4" name="TextBox 3"/>
+          <p:cNvSpPr txBox="1"/>
+          <p:nvPr/>
+        </p:nvSpPr>
+        <p:spPr>
+          <a:xfrm>
+            <a:off x="1944479" y="4081328"/>
+            <a:ext cx="719847" cy="369332"/>
+          </a:xfrm>
+          <a:prstGeom prst="rect">
+            <a:avLst/>
+          </a:prstGeom>
+          <a:noFill/>
+        </p:spPr>
+        <p:txBody>
+          <a:bodyPr wrap="square" rtlCol="0">
+            <a:spAutoFit/>
+          </a:bodyPr>
+          <a:p>
+            <a:r>
+              <a:rPr lang="zh-CN" altLang="en-US" b="1" dirty="0" smtClean="0">
+                <a:solidFill>
+                  <a:prstClr val="white"/>
+                </a:solidFill>
+              </a:rPr>
+              <a:t>！</a:t>
+            </a:r>
+            <a:endParaRPr lang="zh-CN" altLang="en-US" b="1" dirty="0">
+              <a:solidFill>
+                <a:prstClr val="white"/>
+              </a:solidFill>
+            </a:endParaRPr>
+          </a:p>
+        </p:txBody>
+      </p:sp>
+      <p:sp>
+        <p:nvSpPr>
+          <p:cNvPr id="6" name="Curved Left Arrow 5"/>
+          <p:cNvSpPr/>
+          <p:nvPr/>
+        </p:nvSpPr>
+        <p:spPr>
+          <a:xfrm>
+            <a:off x="7554856" y="1287833"/>
+            <a:ext cx="396980" cy="428017"/>
+          </a:xfrm>
+          <a:prstGeom prst="curvedLeftArrow">
+            <a:avLst>
+              <a:gd name="adj1" fmla="val 29980"/>
+              <a:gd name="adj2" fmla="val 34149"/>
+              <a:gd name="adj3" fmla="val 25000"/>
+            </a:avLst>
+          </a:prstGeom>
+          <a:solidFill>
+            <a:srgbClr val="EFDD9C"/>
+          </a:solidFill>
+          <a:ln>
+            <a:noFill/>
+          </a:ln>
+        </p:spPr>
+        <p:style>
+          <a:lnRef idx="2">
+            <a:schemeClr val="accent1">
+              <a:shade val="50000"/>
+            </a:schemeClr>
+          </a:lnRef>
+          <a:fillRef idx="1">
+            <a:schemeClr val="accent1"/>
+          </a:fillRef>
+          <a:effectRef idx="0">
+            <a:schemeClr val="accent1"/>
+          </a:effectRef>
+          <a:fontRef idx="minor">
+            <a:schemeClr val="lt1"/>
+          </a:fontRef>
+        </p:style>
+        <p:txBody>
+          <a:bodyPr rtlCol="0" anchor="ctr"/>
+          <a:p>
+            <a:pPr algn="ctr"/>
+            <a:endParaRPr lang="zh-CN" altLang="en-US">
+              <a:solidFill>
+                <a:prstClr val="black"/>
+              </a:solidFill>
+            </a:endParaRPr>
+          </a:p>
+        </p:txBody>
+      </p:sp>
+      <p:sp>
+        <p:nvSpPr>
+          <p:cNvPr id="52" name="TextBox 51"/>
+          <p:cNvSpPr txBox="1"/>
+          <p:nvPr/>
+        </p:nvSpPr>
+        <p:spPr>
+          <a:xfrm>
+            <a:off x="1958598" y="1870265"/>
+            <a:ext cx="719847" cy="369332"/>
+          </a:xfrm>
+          <a:prstGeom prst="rect">
+            <a:avLst/>
+          </a:prstGeom>
+          <a:noFill/>
+        </p:spPr>
+        <p:txBody>
+          <a:bodyPr wrap="square" rtlCol="0">
+            <a:spAutoFit/>
+          </a:bodyPr>
+          <a:p>
+            <a:r>
+              <a:rPr lang="zh-CN" altLang="en-US" b="1" dirty="0" smtClean="0">
+                <a:solidFill>
+                  <a:prstClr val="white"/>
+                </a:solidFill>
+              </a:rPr>
+              <a:t>！</a:t>
+            </a:r>
+            <a:endParaRPr lang="zh-CN" altLang="en-US" b="1" dirty="0">
+              <a:solidFill>
+                <a:prstClr val="white"/>
+              </a:solidFill>
+            </a:endParaRPr>
+          </a:p>
+        </p:txBody>
+      </p:sp>
+      <p:sp>
+        <p:nvSpPr>
+          <p:cNvPr id="7" name="Rectangle 45"/>
+          <p:cNvSpPr/>
+          <p:nvPr/>
+        </p:nvSpPr>
+        <p:spPr>
+          <a:xfrm>
+            <a:off x="4836795" y="4171315"/>
+            <a:ext cx="2916555" cy="1863090"/>
+          </a:xfrm>
+          <a:prstGeom prst="rect">
+            <a:avLst/>
+          </a:prstGeom>
+          <a:solidFill>
+            <a:srgbClr val="EFDD9C"/>
+          </a:solidFill>
+          <a:ln>
+            <a:noFill/>
+          </a:ln>
+        </p:spPr>
+        <p:style>
+          <a:lnRef idx="2">
+            <a:schemeClr val="accent1">
+              <a:shade val="50000"/>
+            </a:schemeClr>
+          </a:lnRef>
+          <a:fillRef idx="1">
+            <a:schemeClr val="accent1"/>
+          </a:fillRef>
+          <a:effectRef idx="0">
+            <a:schemeClr val="accent1"/>
+          </a:effectRef>
+          <a:fontRef idx="minor">
+            <a:schemeClr val="lt1"/>
+          </a:fontRef>
+        </p:style>
+        <p:txBody>
+          <a:bodyPr rtlCol="0" anchor="ctr"/>
+          <a:p>
+            <a:pPr algn="ctr"/>
+            <a:endParaRPr lang="zh-CN" altLang="en-US" dirty="0">
+              <a:solidFill>
+                <a:prstClr val="black"/>
+              </a:solidFill>
+            </a:endParaRPr>
+          </a:p>
+        </p:txBody>
+      </p:sp>
+      <p:sp>
+        <p:nvSpPr>
+          <p:cNvPr id="11" name="Rectangle 13"/>
+          <p:cNvSpPr/>
+          <p:nvPr/>
+        </p:nvSpPr>
+        <p:spPr>
+          <a:xfrm>
+            <a:off x="5343763" y="1464006"/>
+            <a:ext cx="111600" cy="112238"/>
+          </a:xfrm>
+          <a:prstGeom prst="rect">
+            <a:avLst/>
+          </a:prstGeom>
+          <a:solidFill>
+            <a:srgbClr val="9CD8F0"/>
+          </a:solidFill>
+          <a:ln>
+            <a:noFill/>
+          </a:ln>
+        </p:spPr>
+        <p:style>
+          <a:lnRef idx="2">
+            <a:schemeClr val="accent1">
+              <a:shade val="50000"/>
+            </a:schemeClr>
+          </a:lnRef>
+          <a:fillRef idx="1">
+            <a:schemeClr val="accent1"/>
+          </a:fillRef>
+          <a:effectRef idx="0">
+            <a:schemeClr val="accent1"/>
+          </a:effectRef>
+          <a:fontRef idx="minor">
+            <a:schemeClr val="lt1"/>
+          </a:fontRef>
+        </p:style>
+        <p:txBody>
+          <a:bodyPr rtlCol="0" anchor="ctr"/>
+          <a:p>
+            <a:pPr algn="ctr"/>
+            <a:endParaRPr lang="zh-CN" altLang="en-US">
+              <a:solidFill>
+                <a:prstClr val="white"/>
+              </a:solidFill>
+            </a:endParaRPr>
+          </a:p>
+        </p:txBody>
+      </p:sp>
+      <p:sp>
+        <p:nvSpPr>
+          <p:cNvPr id="12" name="Rectangle 15"/>
+          <p:cNvSpPr/>
+          <p:nvPr/>
+        </p:nvSpPr>
+        <p:spPr>
+          <a:xfrm>
+            <a:off x="5544801" y="1464006"/>
+            <a:ext cx="111600" cy="112238"/>
+          </a:xfrm>
+          <a:prstGeom prst="rect">
+            <a:avLst/>
+          </a:prstGeom>
+          <a:solidFill>
+            <a:schemeClr val="bg1"/>
+          </a:solidFill>
+          <a:ln>
+            <a:noFill/>
+          </a:ln>
+        </p:spPr>
+        <p:style>
+          <a:lnRef idx="2">
+            <a:schemeClr val="accent1">
+              <a:shade val="50000"/>
+            </a:schemeClr>
+          </a:lnRef>
+          <a:fillRef idx="1">
+            <a:schemeClr val="accent1"/>
+          </a:fillRef>
+          <a:effectRef idx="0">
+            <a:schemeClr val="accent1"/>
+          </a:effectRef>
+          <a:fontRef idx="minor">
+            <a:schemeClr val="lt1"/>
+          </a:fontRef>
+        </p:style>
+        <p:txBody>
+          <a:bodyPr rtlCol="0" anchor="ctr"/>
+          <a:p>
+            <a:pPr algn="ctr"/>
+            <a:endParaRPr lang="zh-CN" altLang="en-US">
+              <a:solidFill>
+                <a:prstClr val="white"/>
+              </a:solidFill>
+            </a:endParaRPr>
+          </a:p>
+        </p:txBody>
+      </p:sp>
+      <p:sp>
+        <p:nvSpPr>
+          <p:cNvPr id="13" name="Rectangle 16"/>
+          <p:cNvSpPr/>
+          <p:nvPr/>
+        </p:nvSpPr>
+        <p:spPr>
+          <a:xfrm>
+            <a:off x="5745839" y="1464006"/>
+            <a:ext cx="111600" cy="112238"/>
+          </a:xfrm>
+          <a:prstGeom prst="rect">
+            <a:avLst/>
+          </a:prstGeom>
+          <a:solidFill>
+            <a:schemeClr val="bg1"/>
+          </a:solidFill>
+          <a:ln>
+            <a:noFill/>
+          </a:ln>
+        </p:spPr>
+        <p:style>
+          <a:lnRef idx="2">
+            <a:schemeClr val="accent1">
+              <a:shade val="50000"/>
+            </a:schemeClr>
+          </a:lnRef>
+          <a:fillRef idx="1">
+            <a:schemeClr val="accent1"/>
+          </a:fillRef>
+          <a:effectRef idx="0">
+            <a:schemeClr val="accent1"/>
+          </a:effectRef>
+          <a:fontRef idx="minor">
+            <a:schemeClr val="lt1"/>
+          </a:fontRef>
+        </p:style>
+        <p:txBody>
+          <a:bodyPr rtlCol="0" anchor="ctr"/>
+          <a:p>
+            <a:pPr algn="ctr"/>
+            <a:endParaRPr lang="zh-CN" altLang="en-US">
+              <a:solidFill>
+                <a:prstClr val="white"/>
+              </a:solidFill>
+            </a:endParaRPr>
+          </a:p>
+        </p:txBody>
+      </p:sp>
+      <p:sp>
+        <p:nvSpPr>
+          <p:cNvPr id="20" name="Rectangle 17"/>
+          <p:cNvSpPr/>
+          <p:nvPr/>
+        </p:nvSpPr>
+        <p:spPr>
+          <a:xfrm>
+            <a:off x="5946877" y="1464006"/>
+            <a:ext cx="111600" cy="112238"/>
+          </a:xfrm>
+          <a:prstGeom prst="rect">
+            <a:avLst/>
+          </a:prstGeom>
+          <a:solidFill>
+            <a:schemeClr val="bg1"/>
+          </a:solidFill>
+          <a:ln>
+            <a:noFill/>
+          </a:ln>
+        </p:spPr>
+        <p:style>
+          <a:lnRef idx="2">
+            <a:schemeClr val="accent1">
+              <a:shade val="50000"/>
+            </a:schemeClr>
+          </a:lnRef>
+          <a:fillRef idx="1">
+            <a:schemeClr val="accent1"/>
+          </a:fillRef>
+          <a:effectRef idx="0">
+            <a:schemeClr val="accent1"/>
+          </a:effectRef>
+          <a:fontRef idx="minor">
+            <a:schemeClr val="lt1"/>
+          </a:fontRef>
+        </p:style>
+        <p:txBody>
+          <a:bodyPr rtlCol="0" anchor="ctr"/>
+          <a:p>
+            <a:pPr algn="ctr"/>
+            <a:endParaRPr lang="zh-CN" altLang="en-US">
+              <a:solidFill>
+                <a:prstClr val="white"/>
+              </a:solidFill>
+            </a:endParaRPr>
+          </a:p>
+        </p:txBody>
+      </p:sp>
+      <p:sp>
+        <p:nvSpPr>
+          <p:cNvPr id="26" name="Rectangle 18"/>
+          <p:cNvSpPr/>
+          <p:nvPr/>
+        </p:nvSpPr>
+        <p:spPr>
+          <a:xfrm>
+            <a:off x="5142725" y="1464006"/>
+            <a:ext cx="111600" cy="112238"/>
+          </a:xfrm>
+          <a:prstGeom prst="rect">
+            <a:avLst/>
+          </a:prstGeom>
+          <a:solidFill>
+            <a:srgbClr val="9CD8F0"/>
+          </a:solidFill>
+          <a:ln>
+            <a:noFill/>
+          </a:ln>
+        </p:spPr>
+        <p:style>
+          <a:lnRef idx="2">
+            <a:schemeClr val="accent1">
+              <a:shade val="50000"/>
+            </a:schemeClr>
+          </a:lnRef>
+          <a:fillRef idx="1">
+            <a:schemeClr val="accent1"/>
+          </a:fillRef>
+          <a:effectRef idx="0">
+            <a:schemeClr val="accent1"/>
+          </a:effectRef>
+          <a:fontRef idx="minor">
+            <a:schemeClr val="lt1"/>
+          </a:fontRef>
+        </p:style>
+        <p:txBody>
+          <a:bodyPr rtlCol="0" anchor="ctr"/>
+          <a:p>
+            <a:pPr algn="ctr"/>
+            <a:endParaRPr lang="zh-CN" altLang="en-US">
+              <a:solidFill>
+                <a:prstClr val="white"/>
+              </a:solidFill>
+            </a:endParaRPr>
+          </a:p>
+        </p:txBody>
+      </p:sp>
+      <p:sp>
+        <p:nvSpPr>
+          <p:cNvPr id="219" name=" 219"/>
+          <p:cNvSpPr/>
+          <p:nvPr/>
+        </p:nvSpPr>
+        <p:spPr>
+          <a:xfrm>
+            <a:off x="5506720" y="4171315"/>
+            <a:ext cx="1576070" cy="344805"/>
+          </a:xfrm>
+          <a:prstGeom prst="roundRect">
+            <a:avLst>
+              <a:gd name="adj" fmla="val 50000"/>
+            </a:avLst>
+          </a:prstGeom>
+          <a:solidFill>
+            <a:schemeClr val="accent1"/>
+          </a:solidFill>
+          <a:ln>
+            <a:noFill/>
+          </a:ln>
+        </p:spPr>
+        <p:style>
+          <a:lnRef idx="2">
+            <a:schemeClr val="accent1">
+              <a:shade val="50000"/>
+            </a:schemeClr>
+          </a:lnRef>
+          <a:fillRef idx="1">
+            <a:schemeClr val="accent1"/>
+          </a:fillRef>
+          <a:effectRef idx="0">
+            <a:schemeClr val="accent1"/>
+          </a:effectRef>
+          <a:fontRef idx="minor">
+            <a:schemeClr val="lt1"/>
+          </a:fontRef>
+        </p:style>
+        <p:txBody>
+          <a:bodyPr anchor="ctr"/>
+          <a:lstStyle>
+            <a:defPPr>
+              <a:defRPr lang="zh-CN"/>
+            </a:defPPr>
+            <a:lvl1pPr algn="l" rtl="0" eaLnBrk="0" fontAlgn="base" hangingPunct="0">
+              <a:spcBef>
+                <a:spcPct val="0"/>
+              </a:spcBef>
+              <a:spcAft>
+                <a:spcPct val="0"/>
+              </a:spcAft>
+              <a:defRPr kern="1200">
+                <a:solidFill>
+                  <a:schemeClr val="lt1"/>
+                </a:solidFill>
+                <a:latin typeface="+mn-lt"/>
+                <a:ea typeface="+mn-ea"/>
+                <a:cs typeface="+mn-cs"/>
+              </a:defRPr>
+            </a:lvl1pPr>
+            <a:lvl2pPr marL="457200" algn="l" rtl="0" eaLnBrk="0" fontAlgn="base" hangingPunct="0">
+              <a:spcBef>
+                <a:spcPct val="0"/>
+              </a:spcBef>
+              <a:spcAft>
+                <a:spcPct val="0"/>
+              </a:spcAft>
+              <a:defRPr kern="1200">
+                <a:solidFill>
+                  <a:schemeClr val="lt1"/>
+                </a:solidFill>
+                <a:latin typeface="+mn-lt"/>
+                <a:ea typeface="+mn-ea"/>
+                <a:cs typeface="+mn-cs"/>
+              </a:defRPr>
+            </a:lvl2pPr>
+            <a:lvl3pPr marL="914400" algn="l" rtl="0" eaLnBrk="0" fontAlgn="base" hangingPunct="0">
+              <a:spcBef>
+                <a:spcPct val="0"/>
+              </a:spcBef>
+              <a:spcAft>
+                <a:spcPct val="0"/>
+              </a:spcAft>
+              <a:defRPr kern="1200">
+                <a:solidFill>
+                  <a:schemeClr val="lt1"/>
+                </a:solidFill>
+                <a:latin typeface="+mn-lt"/>
+                <a:ea typeface="+mn-ea"/>
+                <a:cs typeface="+mn-cs"/>
+              </a:defRPr>
+            </a:lvl3pPr>
+            <a:lvl4pPr marL="1371600" algn="l" rtl="0" eaLnBrk="0" fontAlgn="base" hangingPunct="0">
+              <a:spcBef>
+                <a:spcPct val="0"/>
+              </a:spcBef>
+              <a:spcAft>
+                <a:spcPct val="0"/>
+              </a:spcAft>
+              <a:defRPr kern="1200">
+                <a:solidFill>
+                  <a:schemeClr val="lt1"/>
+                </a:solidFill>
+                <a:latin typeface="+mn-lt"/>
+                <a:ea typeface="+mn-ea"/>
+                <a:cs typeface="+mn-cs"/>
+              </a:defRPr>
+            </a:lvl4pPr>
+            <a:lvl5pPr marL="1828800" algn="l" rtl="0" eaLnBrk="0" fontAlgn="base" hangingPunct="0">
+              <a:spcBef>
+                <a:spcPct val="0"/>
+              </a:spcBef>
+              <a:spcAft>
+                <a:spcPct val="0"/>
+              </a:spcAft>
+              <a:defRPr kern="1200">
+                <a:solidFill>
+                  <a:schemeClr val="lt1"/>
+                </a:solidFill>
+                <a:latin typeface="+mn-lt"/>
+                <a:ea typeface="+mn-ea"/>
+                <a:cs typeface="+mn-cs"/>
+              </a:defRPr>
+            </a:lvl5pPr>
+            <a:lvl6pPr marL="2286000" algn="l" defTabSz="914400" rtl="0" eaLnBrk="1" latinLnBrk="0" hangingPunct="1">
+              <a:defRPr kern="1200">
+                <a:solidFill>
+                  <a:schemeClr val="lt1"/>
+                </a:solidFill>
+                <a:latin typeface="+mn-lt"/>
+                <a:ea typeface="+mn-ea"/>
+                <a:cs typeface="+mn-cs"/>
+              </a:defRPr>
+            </a:lvl6pPr>
+            <a:lvl7pPr marL="2743200" algn="l" defTabSz="914400" rtl="0" eaLnBrk="1" latinLnBrk="0" hangingPunct="1">
+              <a:defRPr kern="1200">
+                <a:solidFill>
+                  <a:schemeClr val="lt1"/>
+                </a:solidFill>
+                <a:latin typeface="+mn-lt"/>
+                <a:ea typeface="+mn-ea"/>
+                <a:cs typeface="+mn-cs"/>
+              </a:defRPr>
+            </a:lvl7pPr>
+            <a:lvl8pPr marL="3200400" algn="l" defTabSz="914400" rtl="0" eaLnBrk="1" latinLnBrk="0" hangingPunct="1">
+              <a:defRPr kern="1200">
+                <a:solidFill>
+                  <a:schemeClr val="lt1"/>
+                </a:solidFill>
+                <a:latin typeface="+mn-lt"/>
+                <a:ea typeface="+mn-ea"/>
+                <a:cs typeface="+mn-cs"/>
+              </a:defRPr>
+            </a:lvl8pPr>
+            <a:lvl9pPr marL="3657600" algn="l" defTabSz="914400" rtl="0" eaLnBrk="1" latinLnBrk="0" hangingPunct="1">
+              <a:defRPr kern="1200">
+                <a:solidFill>
+                  <a:schemeClr val="lt1"/>
+                </a:solidFill>
+                <a:latin typeface="+mn-lt"/>
+                <a:ea typeface="+mn-ea"/>
+                <a:cs typeface="+mn-cs"/>
+              </a:defRPr>
+            </a:lvl9pPr>
+          </a:lstStyle>
+          <a:p>
+            <a:pPr algn="ctr" eaLnBrk="1" fontAlgn="auto" hangingPunct="1">
+              <a:spcBef>
+                <a:spcPts val="0"/>
+              </a:spcBef>
+              <a:spcAft>
+                <a:spcPts val="0"/>
+              </a:spcAft>
+              <a:defRPr/>
+            </a:pPr>
+            <a:r>
+              <a:rPr lang="zh-CN" altLang="en-US">
+                <a:solidFill>
+                  <a:srgbClr val="FFFFFF"/>
+                </a:solidFill>
+              </a:rPr>
+              <a:t>焦坤</a:t>
+            </a:r>
+            <a:endParaRPr lang="zh-CN" altLang="en-US">
+              <a:solidFill>
+                <a:srgbClr val="FFFFFF"/>
+              </a:solidFill>
+            </a:endParaRPr>
+          </a:p>
+        </p:txBody>
+      </p:sp>
+      <p:sp>
+        <p:nvSpPr>
+          <p:cNvPr id="28" name="文本框 27"/>
+          <p:cNvSpPr txBox="1"/>
+          <p:nvPr/>
+        </p:nvSpPr>
+        <p:spPr>
+          <a:xfrm>
+            <a:off x="5226050" y="4653280"/>
+            <a:ext cx="2129790" cy="645160"/>
+          </a:xfrm>
+          <a:prstGeom prst="rect">
+            <a:avLst/>
+          </a:prstGeom>
+          <a:noFill/>
+        </p:spPr>
+        <p:txBody>
+          <a:bodyPr wrap="square" rtlCol="0">
+            <a:spAutoFit/>
+          </a:bodyPr>
+          <a:p>
+            <a:r>
+              <a:rPr lang="zh-CN" altLang="en-US"/>
+              <a:t>焦坤此时正在使用小刀杀怪物</a:t>
+            </a:r>
+            <a:endParaRPr lang="zh-CN" altLang="en-US"/>
+          </a:p>
+        </p:txBody>
+      </p:sp>
+      <p:sp>
+        <p:nvSpPr>
+          <p:cNvPr id="30" name="Rectangle 24"/>
+          <p:cNvSpPr/>
+          <p:nvPr/>
+        </p:nvSpPr>
+        <p:spPr>
+          <a:xfrm>
+            <a:off x="5746115" y="5513705"/>
+            <a:ext cx="1174750" cy="406400"/>
+          </a:xfrm>
+          <a:prstGeom prst="rect">
+            <a:avLst/>
+          </a:prstGeom>
+        </p:spPr>
+        <p:style>
+          <a:lnRef idx="0">
+            <a:schemeClr val="accent2"/>
+          </a:lnRef>
+          <a:fillRef idx="3">
+            <a:schemeClr val="accent2"/>
+          </a:fillRef>
+          <a:effectRef idx="3">
+            <a:schemeClr val="accent2"/>
+          </a:effectRef>
+          <a:fontRef idx="minor">
+            <a:schemeClr val="lt1"/>
+          </a:fontRef>
+        </p:style>
+        <p:txBody>
+          <a:bodyPr rtlCol="0" anchor="ctr"/>
+          <a:p>
+            <a:pPr algn="ctr"/>
+            <a:r>
+              <a:rPr lang="zh-CN" altLang="en-US" dirty="0" smtClean="0">
+                <a:solidFill>
+                  <a:prstClr val="black"/>
+                </a:solidFill>
+              </a:rPr>
+              <a:t>启动分析</a:t>
+            </a:r>
+            <a:endParaRPr lang="zh-CN" altLang="en-US" dirty="0" smtClean="0">
+              <a:solidFill>
+                <a:prstClr val="black"/>
+              </a:solidFill>
+            </a:endParaRPr>
+          </a:p>
+        </p:txBody>
+      </p:sp>
+      <p:sp>
+        <p:nvSpPr>
+          <p:cNvPr id="33" name="Rectangle 28"/>
+          <p:cNvSpPr/>
+          <p:nvPr/>
+        </p:nvSpPr>
+        <p:spPr>
+          <a:xfrm>
+            <a:off x="8602565" y="1280101"/>
+            <a:ext cx="3369013" cy="4906690"/>
+          </a:xfrm>
+          <a:prstGeom prst="rect">
+            <a:avLst/>
+          </a:prstGeom>
+          <a:solidFill>
+            <a:srgbClr val="8678AB"/>
+          </a:solidFill>
+          <a:ln>
+            <a:noFill/>
+          </a:ln>
+        </p:spPr>
+        <p:style>
+          <a:lnRef idx="2">
+            <a:schemeClr val="accent1">
+              <a:shade val="50000"/>
+            </a:schemeClr>
+          </a:lnRef>
+          <a:fillRef idx="1">
+            <a:schemeClr val="accent1"/>
+          </a:fillRef>
+          <a:effectRef idx="0">
+            <a:schemeClr val="accent1"/>
+          </a:effectRef>
+          <a:fontRef idx="minor">
+            <a:schemeClr val="lt1"/>
+          </a:fontRef>
+        </p:style>
+        <p:txBody>
+          <a:bodyPr rtlCol="0" anchor="ctr"/>
+          <a:p>
+            <a:pPr algn="ctr"/>
+            <a:endParaRPr lang="zh-CN" altLang="en-US">
+              <a:solidFill>
+                <a:prstClr val="white"/>
+              </a:solidFill>
+            </a:endParaRPr>
+          </a:p>
+        </p:txBody>
+      </p:sp>
+      <p:sp>
+        <p:nvSpPr>
+          <p:cNvPr id="34" name="TextBox 34"/>
+          <p:cNvSpPr txBox="1"/>
+          <p:nvPr/>
+        </p:nvSpPr>
+        <p:spPr>
+          <a:xfrm>
+            <a:off x="8974052" y="1813521"/>
+            <a:ext cx="2701054" cy="2308324"/>
+          </a:xfrm>
+          <a:prstGeom prst="rect">
+            <a:avLst/>
+          </a:prstGeom>
+          <a:noFill/>
+        </p:spPr>
+        <p:txBody>
+          <a:bodyPr wrap="square" rtlCol="0">
+            <a:spAutoFit/>
+          </a:bodyPr>
+          <a:p>
+            <a:r>
+              <a:rPr lang="zh-CN" altLang="en-US" dirty="0" smtClean="0">
+                <a:solidFill>
+                  <a:prstClr val="black"/>
+                </a:solidFill>
+              </a:rPr>
+              <a:t>巴拉焦困</a:t>
+            </a:r>
+            <a:r>
+              <a:rPr lang="zh-CN" altLang="en-US" dirty="0" smtClean="0">
+                <a:solidFill>
+                  <a:schemeClr val="bg1"/>
+                </a:solidFill>
+              </a:rPr>
+              <a:t>！</a:t>
+            </a:r>
+            <a:r>
+              <a:rPr lang="zh-CN" altLang="en-US" dirty="0" smtClean="0">
+                <a:solidFill>
+                  <a:prstClr val="black"/>
+                </a:solidFill>
+              </a:rPr>
+              <a:t>斯加地方垃圾爱上了就大方啊就是看得见按键小刀</a:t>
+            </a:r>
+            <a:r>
+              <a:rPr lang="zh-CN" altLang="en-US" dirty="0" smtClean="0">
+                <a:solidFill>
+                  <a:schemeClr val="bg1"/>
+                </a:solidFill>
+              </a:rPr>
+              <a:t>！</a:t>
+            </a:r>
+            <a:r>
+              <a:rPr lang="zh-CN" altLang="en-US" dirty="0" smtClean="0">
+                <a:solidFill>
+                  <a:prstClr val="black"/>
+                </a:solidFill>
+              </a:rPr>
+              <a:t>案例睡觉了发菜刀</a:t>
+            </a:r>
+            <a:r>
+              <a:rPr lang="zh-CN" altLang="en-US" dirty="0" smtClean="0">
+                <a:solidFill>
+                  <a:schemeClr val="bg1"/>
+                </a:solidFill>
+              </a:rPr>
+              <a:t>！</a:t>
+            </a:r>
+            <a:r>
+              <a:rPr lang="zh-CN" altLang="en-US" dirty="0" smtClean="0">
+                <a:solidFill>
+                  <a:prstClr val="black"/>
+                </a:solidFill>
+              </a:rPr>
+              <a:t>了骄傲哦</a:t>
+            </a:r>
+            <a:r>
+              <a:rPr lang="en-US" altLang="zh-CN" dirty="0" smtClean="0">
+                <a:solidFill>
+                  <a:prstClr val="black"/>
+                </a:solidFill>
+              </a:rPr>
+              <a:t>I</a:t>
+            </a:r>
+            <a:r>
+              <a:rPr lang="zh-CN" altLang="en-US" dirty="0" smtClean="0">
+                <a:solidFill>
+                  <a:prstClr val="black"/>
+                </a:solidFill>
+              </a:rPr>
+              <a:t>家艾莉婕奥侧面</a:t>
+            </a:r>
+            <a:r>
+              <a:rPr lang="zh-CN" altLang="en-US" dirty="0" smtClean="0">
+                <a:solidFill>
+                  <a:schemeClr val="bg1"/>
+                </a:solidFill>
+              </a:rPr>
+              <a:t>！</a:t>
+            </a:r>
+            <a:r>
+              <a:rPr lang="zh-CN" altLang="en-US" dirty="0" smtClean="0">
+                <a:solidFill>
+                  <a:prstClr val="black"/>
+                </a:solidFill>
+              </a:rPr>
+              <a:t>就发保安</a:t>
+            </a:r>
+            <a:r>
+              <a:rPr lang="zh-CN" altLang="en-US" dirty="0" smtClean="0">
+                <a:solidFill>
+                  <a:schemeClr val="bg1"/>
+                </a:solidFill>
+              </a:rPr>
+              <a:t>！</a:t>
+            </a:r>
+            <a:r>
+              <a:rPr lang="zh-CN" altLang="en-US" dirty="0" smtClean="0">
+                <a:solidFill>
+                  <a:prstClr val="black"/>
+                </a:solidFill>
+              </a:rPr>
+              <a:t>多久哇哦偶背后</a:t>
+            </a:r>
+            <a:r>
+              <a:rPr lang="zh-CN" altLang="en-US" dirty="0" smtClean="0">
+                <a:solidFill>
+                  <a:schemeClr val="bg1"/>
+                </a:solidFill>
+              </a:rPr>
+              <a:t>！</a:t>
+            </a:r>
+            <a:r>
+              <a:rPr lang="zh-CN" altLang="en-US" dirty="0" smtClean="0">
+                <a:solidFill>
+                  <a:prstClr val="black"/>
+                </a:solidFill>
+              </a:rPr>
+              <a:t>家费拉家玩家拉丝机奥哦啊睡觉疯了</a:t>
+            </a:r>
+            <a:endParaRPr lang="zh-CN" altLang="en-US" dirty="0">
+              <a:solidFill>
+                <a:prstClr val="black"/>
+              </a:solidFill>
+            </a:endParaRPr>
+          </a:p>
+        </p:txBody>
+      </p:sp>
+      <p:sp>
+        <p:nvSpPr>
+          <p:cNvPr id="36" name="Curved Left Arrow 5"/>
+          <p:cNvSpPr/>
+          <p:nvPr/>
+        </p:nvSpPr>
+        <p:spPr>
+          <a:xfrm>
+            <a:off x="11476616" y="1313233"/>
+            <a:ext cx="396980" cy="428017"/>
+          </a:xfrm>
+          <a:prstGeom prst="curvedLeftArrow">
+            <a:avLst>
+              <a:gd name="adj1" fmla="val 29980"/>
+              <a:gd name="adj2" fmla="val 34149"/>
+              <a:gd name="adj3" fmla="val 25000"/>
+            </a:avLst>
+          </a:prstGeom>
+          <a:solidFill>
+            <a:srgbClr val="EFDD9C"/>
+          </a:solidFill>
+          <a:ln>
+            <a:noFill/>
+          </a:ln>
+        </p:spPr>
+        <p:style>
+          <a:lnRef idx="2">
+            <a:schemeClr val="accent1">
+              <a:shade val="50000"/>
+            </a:schemeClr>
+          </a:lnRef>
+          <a:fillRef idx="1">
+            <a:schemeClr val="accent1"/>
+          </a:fillRef>
+          <a:effectRef idx="0">
+            <a:schemeClr val="accent1"/>
+          </a:effectRef>
+          <a:fontRef idx="minor">
+            <a:schemeClr val="lt1"/>
+          </a:fontRef>
+        </p:style>
+        <p:txBody>
+          <a:bodyPr rtlCol="0" anchor="ctr"/>
+          <a:p>
+            <a:pPr algn="ctr"/>
+            <a:endParaRPr lang="zh-CN" altLang="en-US">
+              <a:solidFill>
+                <a:prstClr val="black"/>
+              </a:solidFill>
+            </a:endParaRPr>
+          </a:p>
+        </p:txBody>
+      </p:sp>
+      <p:sp>
+        <p:nvSpPr>
+          <p:cNvPr id="39" name="Rectangle 45"/>
+          <p:cNvSpPr/>
+          <p:nvPr/>
+        </p:nvSpPr>
+        <p:spPr>
+          <a:xfrm>
+            <a:off x="8758555" y="4196715"/>
+            <a:ext cx="2916555" cy="1863090"/>
+          </a:xfrm>
+          <a:prstGeom prst="rect">
+            <a:avLst/>
+          </a:prstGeom>
+          <a:solidFill>
+            <a:srgbClr val="EFDD9C"/>
+          </a:solidFill>
+          <a:ln>
+            <a:noFill/>
+          </a:ln>
+        </p:spPr>
+        <p:style>
+          <a:lnRef idx="2">
+            <a:schemeClr val="accent1">
+              <a:shade val="50000"/>
+            </a:schemeClr>
+          </a:lnRef>
+          <a:fillRef idx="1">
+            <a:schemeClr val="accent1"/>
+          </a:fillRef>
+          <a:effectRef idx="0">
+            <a:schemeClr val="accent1"/>
+          </a:effectRef>
+          <a:fontRef idx="minor">
+            <a:schemeClr val="lt1"/>
+          </a:fontRef>
+        </p:style>
+        <p:txBody>
+          <a:bodyPr rtlCol="0" anchor="ctr"/>
+          <a:p>
+            <a:pPr algn="ctr"/>
+            <a:endParaRPr lang="zh-CN" altLang="en-US" dirty="0">
+              <a:solidFill>
+                <a:prstClr val="black"/>
+              </a:solidFill>
+            </a:endParaRPr>
+          </a:p>
+        </p:txBody>
+      </p:sp>
+      <p:sp>
+        <p:nvSpPr>
+          <p:cNvPr id="47" name="Rectangle 13"/>
+          <p:cNvSpPr/>
+          <p:nvPr/>
+        </p:nvSpPr>
+        <p:spPr>
+          <a:xfrm>
+            <a:off x="9265523" y="1489406"/>
+            <a:ext cx="111600" cy="112238"/>
+          </a:xfrm>
+          <a:prstGeom prst="rect">
+            <a:avLst/>
+          </a:prstGeom>
+          <a:solidFill>
+            <a:srgbClr val="9CD8F0"/>
+          </a:solidFill>
+          <a:ln>
+            <a:noFill/>
+          </a:ln>
+        </p:spPr>
+        <p:style>
+          <a:lnRef idx="2">
+            <a:schemeClr val="accent1">
+              <a:shade val="50000"/>
+            </a:schemeClr>
+          </a:lnRef>
+          <a:fillRef idx="1">
+            <a:schemeClr val="accent1"/>
+          </a:fillRef>
+          <a:effectRef idx="0">
+            <a:schemeClr val="accent1"/>
+          </a:effectRef>
+          <a:fontRef idx="minor">
+            <a:schemeClr val="lt1"/>
+          </a:fontRef>
+        </p:style>
+        <p:txBody>
+          <a:bodyPr rtlCol="0" anchor="ctr"/>
+          <a:p>
+            <a:pPr algn="ctr"/>
+            <a:endParaRPr lang="zh-CN" altLang="en-US">
+              <a:solidFill>
+                <a:prstClr val="white"/>
+              </a:solidFill>
+            </a:endParaRPr>
+          </a:p>
+        </p:txBody>
+      </p:sp>
+      <p:sp>
+        <p:nvSpPr>
+          <p:cNvPr id="48" name="Rectangle 15"/>
+          <p:cNvSpPr/>
+          <p:nvPr/>
+        </p:nvSpPr>
+        <p:spPr>
+          <a:xfrm>
+            <a:off x="9466561" y="1489406"/>
+            <a:ext cx="111600" cy="112238"/>
+          </a:xfrm>
+          <a:prstGeom prst="rect">
+            <a:avLst/>
+          </a:prstGeom>
+          <a:solidFill>
+            <a:schemeClr val="bg1"/>
+          </a:solidFill>
+          <a:ln>
+            <a:noFill/>
+          </a:ln>
+        </p:spPr>
+        <p:style>
+          <a:lnRef idx="2">
+            <a:schemeClr val="accent1">
+              <a:shade val="50000"/>
+            </a:schemeClr>
+          </a:lnRef>
+          <a:fillRef idx="1">
+            <a:schemeClr val="accent1"/>
+          </a:fillRef>
+          <a:effectRef idx="0">
+            <a:schemeClr val="accent1"/>
+          </a:effectRef>
+          <a:fontRef idx="minor">
+            <a:schemeClr val="lt1"/>
+          </a:fontRef>
+        </p:style>
+        <p:txBody>
+          <a:bodyPr rtlCol="0" anchor="ctr"/>
+          <a:p>
+            <a:pPr algn="ctr"/>
+            <a:endParaRPr lang="zh-CN" altLang="en-US">
+              <a:solidFill>
+                <a:prstClr val="white"/>
+              </a:solidFill>
+            </a:endParaRPr>
+          </a:p>
+        </p:txBody>
+      </p:sp>
+      <p:sp>
+        <p:nvSpPr>
+          <p:cNvPr id="49" name="Rectangle 16"/>
+          <p:cNvSpPr/>
+          <p:nvPr/>
+        </p:nvSpPr>
+        <p:spPr>
+          <a:xfrm>
+            <a:off x="9667599" y="1489406"/>
+            <a:ext cx="111600" cy="112238"/>
+          </a:xfrm>
+          <a:prstGeom prst="rect">
+            <a:avLst/>
+          </a:prstGeom>
+          <a:solidFill>
+            <a:schemeClr val="bg1"/>
+          </a:solidFill>
+          <a:ln>
+            <a:noFill/>
+          </a:ln>
+        </p:spPr>
+        <p:style>
+          <a:lnRef idx="2">
+            <a:schemeClr val="accent1">
+              <a:shade val="50000"/>
+            </a:schemeClr>
+          </a:lnRef>
+          <a:fillRef idx="1">
+            <a:schemeClr val="accent1"/>
+          </a:fillRef>
+          <a:effectRef idx="0">
+            <a:schemeClr val="accent1"/>
+          </a:effectRef>
+          <a:fontRef idx="minor">
+            <a:schemeClr val="lt1"/>
+          </a:fontRef>
+        </p:style>
+        <p:txBody>
+          <a:bodyPr rtlCol="0" anchor="ctr"/>
+          <a:p>
+            <a:pPr algn="ctr"/>
+            <a:endParaRPr lang="zh-CN" altLang="en-US">
+              <a:solidFill>
+                <a:prstClr val="white"/>
+              </a:solidFill>
+            </a:endParaRPr>
+          </a:p>
+        </p:txBody>
+      </p:sp>
+      <p:sp>
+        <p:nvSpPr>
+          <p:cNvPr id="50" name="Rectangle 17"/>
+          <p:cNvSpPr/>
+          <p:nvPr/>
+        </p:nvSpPr>
+        <p:spPr>
+          <a:xfrm>
+            <a:off x="9868637" y="1489406"/>
+            <a:ext cx="111600" cy="112238"/>
+          </a:xfrm>
+          <a:prstGeom prst="rect">
+            <a:avLst/>
+          </a:prstGeom>
+          <a:solidFill>
+            <a:schemeClr val="bg1"/>
+          </a:solidFill>
+          <a:ln>
+            <a:noFill/>
+          </a:ln>
+        </p:spPr>
+        <p:style>
+          <a:lnRef idx="2">
+            <a:schemeClr val="accent1">
+              <a:shade val="50000"/>
+            </a:schemeClr>
+          </a:lnRef>
+          <a:fillRef idx="1">
+            <a:schemeClr val="accent1"/>
+          </a:fillRef>
+          <a:effectRef idx="0">
+            <a:schemeClr val="accent1"/>
+          </a:effectRef>
+          <a:fontRef idx="minor">
+            <a:schemeClr val="lt1"/>
+          </a:fontRef>
+        </p:style>
+        <p:txBody>
+          <a:bodyPr rtlCol="0" anchor="ctr"/>
+          <a:p>
+            <a:pPr algn="ctr"/>
+            <a:endParaRPr lang="zh-CN" altLang="en-US">
+              <a:solidFill>
+                <a:prstClr val="white"/>
+              </a:solidFill>
+            </a:endParaRPr>
+          </a:p>
+        </p:txBody>
+      </p:sp>
+      <p:sp>
+        <p:nvSpPr>
+          <p:cNvPr id="53" name="Rectangle 18"/>
+          <p:cNvSpPr/>
+          <p:nvPr/>
+        </p:nvSpPr>
+        <p:spPr>
+          <a:xfrm>
+            <a:off x="9064485" y="1489406"/>
+            <a:ext cx="111600" cy="112238"/>
+          </a:xfrm>
+          <a:prstGeom prst="rect">
+            <a:avLst/>
+          </a:prstGeom>
+          <a:solidFill>
+            <a:srgbClr val="9CD8F0"/>
+          </a:solidFill>
+          <a:ln>
+            <a:noFill/>
+          </a:ln>
+        </p:spPr>
+        <p:style>
+          <a:lnRef idx="2">
+            <a:schemeClr val="accent1">
+              <a:shade val="50000"/>
+            </a:schemeClr>
+          </a:lnRef>
+          <a:fillRef idx="1">
+            <a:schemeClr val="accent1"/>
+          </a:fillRef>
+          <a:effectRef idx="0">
+            <a:schemeClr val="accent1"/>
+          </a:effectRef>
+          <a:fontRef idx="minor">
+            <a:schemeClr val="lt1"/>
+          </a:fontRef>
+        </p:style>
+        <p:txBody>
+          <a:bodyPr rtlCol="0" anchor="ctr"/>
+          <a:p>
+            <a:pPr algn="ctr"/>
+            <a:endParaRPr lang="zh-CN" altLang="en-US">
+              <a:solidFill>
+                <a:prstClr val="white"/>
+              </a:solidFill>
+            </a:endParaRPr>
+          </a:p>
+        </p:txBody>
+      </p:sp>
+      <p:sp>
+        <p:nvSpPr>
+          <p:cNvPr id="54" name=" 219"/>
+          <p:cNvSpPr/>
+          <p:nvPr/>
+        </p:nvSpPr>
+        <p:spPr>
+          <a:xfrm>
+            <a:off x="9428480" y="4196715"/>
+            <a:ext cx="1576070" cy="344805"/>
+          </a:xfrm>
+          <a:prstGeom prst="roundRect">
+            <a:avLst>
+              <a:gd name="adj" fmla="val 50000"/>
+            </a:avLst>
+          </a:prstGeom>
+          <a:solidFill>
+            <a:schemeClr val="accent1"/>
+          </a:solidFill>
+          <a:ln>
+            <a:noFill/>
+          </a:ln>
+        </p:spPr>
+        <p:style>
+          <a:lnRef idx="2">
+            <a:schemeClr val="accent1">
+              <a:shade val="50000"/>
+            </a:schemeClr>
+          </a:lnRef>
+          <a:fillRef idx="1">
+            <a:schemeClr val="accent1"/>
+          </a:fillRef>
+          <a:effectRef idx="0">
+            <a:schemeClr val="accent1"/>
+          </a:effectRef>
+          <a:fontRef idx="minor">
+            <a:schemeClr val="lt1"/>
+          </a:fontRef>
+        </p:style>
+        <p:txBody>
+          <a:bodyPr anchor="ctr"/>
+          <a:lstStyle>
+            <a:defPPr>
+              <a:defRPr lang="zh-CN"/>
+            </a:defPPr>
+            <a:lvl1pPr algn="l" rtl="0" eaLnBrk="0" fontAlgn="base" hangingPunct="0">
+              <a:spcBef>
+                <a:spcPct val="0"/>
+              </a:spcBef>
+              <a:spcAft>
+                <a:spcPct val="0"/>
+              </a:spcAft>
+              <a:defRPr kern="1200">
+                <a:solidFill>
+                  <a:schemeClr val="lt1"/>
+                </a:solidFill>
+                <a:latin typeface="+mn-lt"/>
+                <a:ea typeface="+mn-ea"/>
+                <a:cs typeface="+mn-cs"/>
+              </a:defRPr>
+            </a:lvl1pPr>
+            <a:lvl2pPr marL="457200" algn="l" rtl="0" eaLnBrk="0" fontAlgn="base" hangingPunct="0">
+              <a:spcBef>
+                <a:spcPct val="0"/>
+              </a:spcBef>
+              <a:spcAft>
+                <a:spcPct val="0"/>
+              </a:spcAft>
+              <a:defRPr kern="1200">
+                <a:solidFill>
+                  <a:schemeClr val="lt1"/>
+                </a:solidFill>
+                <a:latin typeface="+mn-lt"/>
+                <a:ea typeface="+mn-ea"/>
+                <a:cs typeface="+mn-cs"/>
+              </a:defRPr>
+            </a:lvl2pPr>
+            <a:lvl3pPr marL="914400" algn="l" rtl="0" eaLnBrk="0" fontAlgn="base" hangingPunct="0">
+              <a:spcBef>
+                <a:spcPct val="0"/>
+              </a:spcBef>
+              <a:spcAft>
+                <a:spcPct val="0"/>
+              </a:spcAft>
+              <a:defRPr kern="1200">
+                <a:solidFill>
+                  <a:schemeClr val="lt1"/>
+                </a:solidFill>
+                <a:latin typeface="+mn-lt"/>
+                <a:ea typeface="+mn-ea"/>
+                <a:cs typeface="+mn-cs"/>
+              </a:defRPr>
+            </a:lvl3pPr>
+            <a:lvl4pPr marL="1371600" algn="l" rtl="0" eaLnBrk="0" fontAlgn="base" hangingPunct="0">
+              <a:spcBef>
+                <a:spcPct val="0"/>
+              </a:spcBef>
+              <a:spcAft>
+                <a:spcPct val="0"/>
+              </a:spcAft>
+              <a:defRPr kern="1200">
+                <a:solidFill>
+                  <a:schemeClr val="lt1"/>
+                </a:solidFill>
+                <a:latin typeface="+mn-lt"/>
+                <a:ea typeface="+mn-ea"/>
+                <a:cs typeface="+mn-cs"/>
+              </a:defRPr>
+            </a:lvl4pPr>
+            <a:lvl5pPr marL="1828800" algn="l" rtl="0" eaLnBrk="0" fontAlgn="base" hangingPunct="0">
+              <a:spcBef>
+                <a:spcPct val="0"/>
+              </a:spcBef>
+              <a:spcAft>
+                <a:spcPct val="0"/>
+              </a:spcAft>
+              <a:defRPr kern="1200">
+                <a:solidFill>
+                  <a:schemeClr val="lt1"/>
+                </a:solidFill>
+                <a:latin typeface="+mn-lt"/>
+                <a:ea typeface="+mn-ea"/>
+                <a:cs typeface="+mn-cs"/>
+              </a:defRPr>
+            </a:lvl5pPr>
+            <a:lvl6pPr marL="2286000" algn="l" defTabSz="914400" rtl="0" eaLnBrk="1" latinLnBrk="0" hangingPunct="1">
+              <a:defRPr kern="1200">
+                <a:solidFill>
+                  <a:schemeClr val="lt1"/>
+                </a:solidFill>
+                <a:latin typeface="+mn-lt"/>
+                <a:ea typeface="+mn-ea"/>
+                <a:cs typeface="+mn-cs"/>
+              </a:defRPr>
+            </a:lvl6pPr>
+            <a:lvl7pPr marL="2743200" algn="l" defTabSz="914400" rtl="0" eaLnBrk="1" latinLnBrk="0" hangingPunct="1">
+              <a:defRPr kern="1200">
+                <a:solidFill>
+                  <a:schemeClr val="lt1"/>
+                </a:solidFill>
+                <a:latin typeface="+mn-lt"/>
+                <a:ea typeface="+mn-ea"/>
+                <a:cs typeface="+mn-cs"/>
+              </a:defRPr>
+            </a:lvl7pPr>
+            <a:lvl8pPr marL="3200400" algn="l" defTabSz="914400" rtl="0" eaLnBrk="1" latinLnBrk="0" hangingPunct="1">
+              <a:defRPr kern="1200">
+                <a:solidFill>
+                  <a:schemeClr val="lt1"/>
+                </a:solidFill>
+                <a:latin typeface="+mn-lt"/>
+                <a:ea typeface="+mn-ea"/>
+                <a:cs typeface="+mn-cs"/>
+              </a:defRPr>
+            </a:lvl8pPr>
+            <a:lvl9pPr marL="3657600" algn="l" defTabSz="914400" rtl="0" eaLnBrk="1" latinLnBrk="0" hangingPunct="1">
+              <a:defRPr kern="1200">
+                <a:solidFill>
+                  <a:schemeClr val="lt1"/>
+                </a:solidFill>
+                <a:latin typeface="+mn-lt"/>
+                <a:ea typeface="+mn-ea"/>
+                <a:cs typeface="+mn-cs"/>
+              </a:defRPr>
+            </a:lvl9pPr>
+          </a:lstStyle>
+          <a:p>
+            <a:pPr algn="ctr" eaLnBrk="1" fontAlgn="auto" hangingPunct="1">
+              <a:spcBef>
+                <a:spcPts val="0"/>
+              </a:spcBef>
+              <a:spcAft>
+                <a:spcPts val="0"/>
+              </a:spcAft>
+              <a:defRPr/>
+            </a:pPr>
+            <a:r>
+              <a:rPr lang="zh-CN" altLang="en-US">
+                <a:solidFill>
+                  <a:srgbClr val="FFFFFF"/>
+                </a:solidFill>
+              </a:rPr>
+              <a:t>焦坤</a:t>
+            </a:r>
+            <a:endParaRPr lang="zh-CN" altLang="en-US">
+              <a:solidFill>
+                <a:srgbClr val="FFFFFF"/>
+              </a:solidFill>
+            </a:endParaRPr>
+          </a:p>
+        </p:txBody>
+      </p:sp>
+      <p:sp>
+        <p:nvSpPr>
+          <p:cNvPr id="55" name="文本框 54"/>
+          <p:cNvSpPr txBox="1"/>
+          <p:nvPr/>
+        </p:nvSpPr>
+        <p:spPr>
+          <a:xfrm>
+            <a:off x="9152255" y="4791710"/>
+            <a:ext cx="2129790" cy="368300"/>
+          </a:xfrm>
+          <a:prstGeom prst="rect">
+            <a:avLst/>
+          </a:prstGeom>
+          <a:noFill/>
+        </p:spPr>
+        <p:txBody>
+          <a:bodyPr wrap="square" rtlCol="0">
+            <a:spAutoFit/>
+          </a:bodyPr>
+          <a:p>
+            <a:r>
+              <a:rPr lang="zh-CN" altLang="en-US"/>
+              <a:t>让焦坤用小刀自残？</a:t>
+            </a:r>
+            <a:endParaRPr lang="zh-CN" altLang="en-US"/>
+          </a:p>
+        </p:txBody>
+      </p:sp>
+      <p:sp>
+        <p:nvSpPr>
+          <p:cNvPr id="57" name="Rectangle 24"/>
+          <p:cNvSpPr/>
+          <p:nvPr/>
+        </p:nvSpPr>
+        <p:spPr>
+          <a:xfrm>
+            <a:off x="9064625" y="5513705"/>
+            <a:ext cx="1174750" cy="406400"/>
+          </a:xfrm>
+          <a:prstGeom prst="rect">
+            <a:avLst/>
+          </a:prstGeom>
+        </p:spPr>
+        <p:style>
+          <a:lnRef idx="0">
+            <a:schemeClr val="accent2"/>
+          </a:lnRef>
+          <a:fillRef idx="3">
+            <a:schemeClr val="accent2"/>
+          </a:fillRef>
+          <a:effectRef idx="3">
+            <a:schemeClr val="accent2"/>
+          </a:effectRef>
+          <a:fontRef idx="minor">
+            <a:schemeClr val="lt1"/>
+          </a:fontRef>
+        </p:style>
+        <p:txBody>
+          <a:bodyPr rtlCol="0" anchor="ctr"/>
+          <a:p>
+            <a:pPr algn="ctr"/>
+            <a:r>
+              <a:rPr lang="zh-CN" altLang="en-US" dirty="0" smtClean="0">
+                <a:solidFill>
+                  <a:prstClr val="black"/>
+                </a:solidFill>
+              </a:rPr>
+              <a:t>是</a:t>
+            </a:r>
+            <a:endParaRPr lang="zh-CN" altLang="en-US" dirty="0" smtClean="0">
+              <a:solidFill>
+                <a:prstClr val="black"/>
+              </a:solidFill>
+            </a:endParaRPr>
+          </a:p>
+        </p:txBody>
+      </p:sp>
+      <p:sp>
+        <p:nvSpPr>
+          <p:cNvPr id="58" name="Rectangle 24"/>
+          <p:cNvSpPr/>
+          <p:nvPr/>
+        </p:nvSpPr>
+        <p:spPr>
+          <a:xfrm>
+            <a:off x="10398125" y="5513705"/>
+            <a:ext cx="1174750" cy="406400"/>
+          </a:xfrm>
+          <a:prstGeom prst="rect">
+            <a:avLst/>
+          </a:prstGeom>
+        </p:spPr>
+        <p:style>
+          <a:lnRef idx="0">
+            <a:schemeClr val="accent2"/>
+          </a:lnRef>
+          <a:fillRef idx="3">
+            <a:schemeClr val="accent2"/>
+          </a:fillRef>
+          <a:effectRef idx="3">
+            <a:schemeClr val="accent2"/>
+          </a:effectRef>
+          <a:fontRef idx="minor">
+            <a:schemeClr val="lt1"/>
+          </a:fontRef>
+        </p:style>
+        <p:txBody>
+          <a:bodyPr rtlCol="0" anchor="ctr"/>
+          <a:p>
+            <a:pPr algn="ctr"/>
+            <a:r>
+              <a:rPr lang="zh-CN" altLang="en-US" dirty="0" smtClean="0">
+                <a:solidFill>
+                  <a:prstClr val="black"/>
+                </a:solidFill>
+              </a:rPr>
+              <a:t>否</a:t>
+            </a:r>
+            <a:endParaRPr lang="zh-CN" altLang="en-US" dirty="0" smtClean="0">
+              <a:solidFill>
+                <a:prstClr val="black"/>
+              </a:solidFill>
+            </a:endParaRPr>
+          </a:p>
+        </p:txBody>
+      </p:sp>
+    </p:spTree>
   </p:cSld>
   <p:clrMapOvr>
     <a:masterClrMapping/>
@@ -10026,8 +15280,6 @@
       </a:bgFillStyleLst>
     </a:fmtScheme>
   </a:themeElements>
-  <a:objectDefaults/>
-  <a:extraClrSchemeLst/>
   <a:extLst>
     <a:ext uri="{05A4C25C-085E-4340-85A3-A5531E510DB2}">
       <thm15:themeFamily xmlns:thm15="http://schemas.microsoft.com/office/thememl/2012/main" name="Office Theme" id="{62F939B6-93AF-4DB8-9C6B-D6C7DFDC589F}" vid="{4A3C46E8-61CC-4603-A589-7422A47A8E4A}"/>
@@ -10287,8 +15539,6 @@
       </a:bgFillStyleLst>
     </a:fmtScheme>
   </a:themeElements>
-  <a:objectDefaults/>
-  <a:extraClrSchemeLst/>
   <a:extLst>
     <a:ext uri="{05A4C25C-085E-4340-85A3-A5531E510DB2}">
       <thm15:themeFamily xmlns:thm15="http://schemas.microsoft.com/office/thememl/2012/main" name="Office Theme" id="{62F939B6-93AF-4DB8-9C6B-D6C7DFDC589F}" vid="{4A3C46E8-61CC-4603-A589-7422A47A8E4A}"/>

--- a/Share/文字游戏玩法设计.pptx
+++ b/Share/文字游戏玩法设计.pptx
@@ -5,7 +5,7 @@
     <p:sldMasterId id="2147483648" r:id="rId1"/>
   </p:sldMasterIdLst>
   <p:notesMasterIdLst>
-    <p:notesMasterId r:id="rId20"/>
+    <p:notesMasterId r:id="rId21"/>
   </p:notesMasterIdLst>
   <p:sldIdLst>
     <p:sldId id="258" r:id="rId2"/>
@@ -18,14 +18,15 @@
     <p:sldId id="266" r:id="rId9"/>
     <p:sldId id="267" r:id="rId10"/>
     <p:sldId id="268" r:id="rId11"/>
-    <p:sldId id="271" r:id="rId12"/>
-    <p:sldId id="269" r:id="rId13"/>
-    <p:sldId id="270" r:id="rId14"/>
-    <p:sldId id="272" r:id="rId15"/>
-    <p:sldId id="276" r:id="rId16"/>
-    <p:sldId id="273" r:id="rId17"/>
-    <p:sldId id="274" r:id="rId18"/>
-    <p:sldId id="275" r:id="rId19"/>
+    <p:sldId id="277" r:id="rId12"/>
+    <p:sldId id="271" r:id="rId13"/>
+    <p:sldId id="269" r:id="rId14"/>
+    <p:sldId id="270" r:id="rId15"/>
+    <p:sldId id="272" r:id="rId16"/>
+    <p:sldId id="276" r:id="rId17"/>
+    <p:sldId id="273" r:id="rId18"/>
+    <p:sldId id="274" r:id="rId19"/>
+    <p:sldId id="275" r:id="rId20"/>
   </p:sldIdLst>
   <p:sldSz cx="12192000" cy="6858000"/>
   <p:notesSz cx="6858000" cy="9144000"/>
@@ -147,6 +148,7 @@
         <p14:section name="核心玩法" id="{E7983138-2ED5-4AFC-85F9-68BAF6AE7977}">
           <p14:sldIdLst>
             <p14:sldId id="268"/>
+            <p14:sldId id="277"/>
             <p14:sldId id="271"/>
             <p14:sldId id="269"/>
             <p14:sldId id="270"/>
@@ -248,7 +250,7 @@
           <a:p>
             <a:fld id="{D2A48B96-639E-45A3-A0BA-2464DFDB1FAA}" type="datetimeFigureOut">
               <a:rPr lang="zh-CN" altLang="en-US" smtClean="0"/>
-              <a:t>2018/4/1</a:t>
+              <a:t>2018/4/3</a:t>
             </a:fld>
             <a:endParaRPr lang="zh-CN" altLang="en-US"/>
           </a:p>
@@ -683,6 +685,99 @@
     </p:spTree>
     <p:extLst>
       <p:ext uri="{BB962C8B-B14F-4D97-AF65-F5344CB8AC3E}">
+        <p14:creationId xmlns:p14="http://schemas.microsoft.com/office/powerpoint/2010/main" val="1807485073"/>
+      </p:ext>
+    </p:extLst>
+  </p:cSld>
+  <p:clrMapOvr>
+    <a:masterClrMapping/>
+  </p:clrMapOvr>
+</p:notes>
+</file>
+
+<file path=ppt/notesSlides/notesSlide3.xml><?xml version="1.0" encoding="utf-8"?>
+<p:notes xmlns:a="http://schemas.openxmlformats.org/drawingml/2006/main" xmlns:r="http://schemas.openxmlformats.org/officeDocument/2006/relationships" xmlns:p="http://schemas.openxmlformats.org/presentationml/2006/main">
+  <p:cSld>
+    <p:spTree>
+      <p:nvGrpSpPr>
+        <p:cNvPr id="1" name=""/>
+        <p:cNvGrpSpPr/>
+        <p:nvPr/>
+      </p:nvGrpSpPr>
+      <p:grpSpPr>
+        <a:xfrm>
+          <a:off x="0" y="0"/>
+          <a:ext cx="0" cy="0"/>
+          <a:chOff x="0" y="0"/>
+          <a:chExt cx="0" cy="0"/>
+        </a:xfrm>
+      </p:grpSpPr>
+      <p:sp>
+        <p:nvSpPr>
+          <p:cNvPr id="2" name="Slide Image Placeholder 1"/>
+          <p:cNvSpPr>
+            <a:spLocks noGrp="1" noRot="1" noChangeAspect="1"/>
+          </p:cNvSpPr>
+          <p:nvPr>
+            <p:ph type="sldImg"/>
+          </p:nvPr>
+        </p:nvSpPr>
+        <p:spPr/>
+      </p:sp>
+      <p:sp>
+        <p:nvSpPr>
+          <p:cNvPr id="3" name="Notes Placeholder 2"/>
+          <p:cNvSpPr>
+            <a:spLocks noGrp="1"/>
+          </p:cNvSpPr>
+          <p:nvPr>
+            <p:ph type="body" idx="1"/>
+          </p:nvPr>
+        </p:nvSpPr>
+        <p:spPr/>
+        <p:txBody>
+          <a:bodyPr/>
+          <a:lstStyle/>
+          <a:p>
+            <a:endParaRPr lang="zh-CN" altLang="en-US"/>
+          </a:p>
+        </p:txBody>
+      </p:sp>
+      <p:sp>
+        <p:nvSpPr>
+          <p:cNvPr id="4" name="Slide Number Placeholder 3"/>
+          <p:cNvSpPr>
+            <a:spLocks noGrp="1"/>
+          </p:cNvSpPr>
+          <p:nvPr>
+            <p:ph type="sldNum" sz="quarter" idx="10"/>
+          </p:nvPr>
+        </p:nvSpPr>
+        <p:spPr/>
+        <p:txBody>
+          <a:bodyPr/>
+          <a:lstStyle/>
+          <a:p>
+            <a:fld id="{A6837353-30EB-4A48-80EB-173D804AEFBD}" type="slidenum">
+              <a:rPr lang="zh-CN" altLang="en-US" smtClean="0">
+                <a:solidFill>
+                  <a:prstClr val="black"/>
+                </a:solidFill>
+              </a:rPr>
+              <a:pPr/>
+              <a:t>12</a:t>
+            </a:fld>
+            <a:endParaRPr lang="zh-CN" altLang="en-US">
+              <a:solidFill>
+                <a:prstClr val="black"/>
+              </a:solidFill>
+            </a:endParaRPr>
+          </a:p>
+        </p:txBody>
+      </p:sp>
+    </p:spTree>
+    <p:extLst>
+      <p:ext uri="{BB962C8B-B14F-4D97-AF65-F5344CB8AC3E}">
         <p14:creationId xmlns:p14="http://schemas.microsoft.com/office/powerpoint/2010/main" val="2936455357"/>
       </p:ext>
     </p:extLst>
@@ -824,7 +919,7 @@
           <a:p>
             <a:fld id="{D997B5FA-0921-464F-AAE1-844C04324D75}" type="datetimeFigureOut">
               <a:rPr lang="zh-CN" altLang="en-US" smtClean="0"/>
-              <a:t>2018/4/1</a:t>
+              <a:t>2018/4/3</a:t>
             </a:fld>
             <a:endParaRPr lang="zh-CN" altLang="en-US"/>
           </a:p>
@@ -993,7 +1088,7 @@
           <a:p>
             <a:fld id="{D997B5FA-0921-464F-AAE1-844C04324D75}" type="datetimeFigureOut">
               <a:rPr lang="zh-CN" altLang="en-US" smtClean="0"/>
-              <a:t>2018/4/1</a:t>
+              <a:t>2018/4/3</a:t>
             </a:fld>
             <a:endParaRPr lang="zh-CN" altLang="en-US"/>
           </a:p>
@@ -1172,7 +1267,7 @@
           <a:p>
             <a:fld id="{D997B5FA-0921-464F-AAE1-844C04324D75}" type="datetimeFigureOut">
               <a:rPr lang="zh-CN" altLang="en-US" smtClean="0"/>
-              <a:t>2018/4/1</a:t>
+              <a:t>2018/4/3</a:t>
             </a:fld>
             <a:endParaRPr lang="zh-CN" altLang="en-US"/>
           </a:p>
@@ -1341,7 +1436,7 @@
           <a:p>
             <a:fld id="{D997B5FA-0921-464F-AAE1-844C04324D75}" type="datetimeFigureOut">
               <a:rPr lang="zh-CN" altLang="en-US" smtClean="0"/>
-              <a:t>2018/4/1</a:t>
+              <a:t>2018/4/3</a:t>
             </a:fld>
             <a:endParaRPr lang="zh-CN" altLang="en-US"/>
           </a:p>
@@ -1586,7 +1681,7 @@
           <a:p>
             <a:fld id="{D997B5FA-0921-464F-AAE1-844C04324D75}" type="datetimeFigureOut">
               <a:rPr lang="zh-CN" altLang="en-US" smtClean="0"/>
-              <a:t>2018/4/1</a:t>
+              <a:t>2018/4/3</a:t>
             </a:fld>
             <a:endParaRPr lang="zh-CN" altLang="en-US"/>
           </a:p>
@@ -1817,7 +1912,7 @@
           <a:p>
             <a:fld id="{D997B5FA-0921-464F-AAE1-844C04324D75}" type="datetimeFigureOut">
               <a:rPr lang="zh-CN" altLang="en-US" smtClean="0"/>
-              <a:t>2018/4/1</a:t>
+              <a:t>2018/4/3</a:t>
             </a:fld>
             <a:endParaRPr lang="zh-CN" altLang="en-US"/>
           </a:p>
@@ -2183,7 +2278,7 @@
           <a:p>
             <a:fld id="{D997B5FA-0921-464F-AAE1-844C04324D75}" type="datetimeFigureOut">
               <a:rPr lang="zh-CN" altLang="en-US" smtClean="0"/>
-              <a:t>2018/4/1</a:t>
+              <a:t>2018/4/3</a:t>
             </a:fld>
             <a:endParaRPr lang="zh-CN" altLang="en-US"/>
           </a:p>
@@ -2300,7 +2395,7 @@
           <a:p>
             <a:fld id="{D997B5FA-0921-464F-AAE1-844C04324D75}" type="datetimeFigureOut">
               <a:rPr lang="zh-CN" altLang="en-US" smtClean="0"/>
-              <a:t>2018/4/1</a:t>
+              <a:t>2018/4/3</a:t>
             </a:fld>
             <a:endParaRPr lang="zh-CN" altLang="en-US"/>
           </a:p>
@@ -2394,7 +2489,7 @@
           <a:p>
             <a:fld id="{D997B5FA-0921-464F-AAE1-844C04324D75}" type="datetimeFigureOut">
               <a:rPr lang="zh-CN" altLang="en-US" smtClean="0"/>
-              <a:t>2018/4/1</a:t>
+              <a:t>2018/4/3</a:t>
             </a:fld>
             <a:endParaRPr lang="zh-CN" altLang="en-US"/>
           </a:p>
@@ -2670,7 +2765,7 @@
           <a:p>
             <a:fld id="{D997B5FA-0921-464F-AAE1-844C04324D75}" type="datetimeFigureOut">
               <a:rPr lang="zh-CN" altLang="en-US" smtClean="0"/>
-              <a:t>2018/4/1</a:t>
+              <a:t>2018/4/3</a:t>
             </a:fld>
             <a:endParaRPr lang="zh-CN" altLang="en-US"/>
           </a:p>
@@ -2922,7 +3017,7 @@
           <a:p>
             <a:fld id="{D997B5FA-0921-464F-AAE1-844C04324D75}" type="datetimeFigureOut">
               <a:rPr lang="zh-CN" altLang="en-US" smtClean="0"/>
-              <a:t>2018/4/1</a:t>
+              <a:t>2018/4/3</a:t>
             </a:fld>
             <a:endParaRPr lang="zh-CN" altLang="en-US"/>
           </a:p>
@@ -3134,7 +3229,7 @@
           <a:p>
             <a:fld id="{D997B5FA-0921-464F-AAE1-844C04324D75}" type="datetimeFigureOut">
               <a:rPr lang="zh-CN" altLang="en-US" smtClean="0"/>
-              <a:t>2018/4/1</a:t>
+              <a:t>2018/4/3</a:t>
             </a:fld>
             <a:endParaRPr lang="zh-CN" altLang="en-US"/>
           </a:p>
@@ -4710,7 +4805,7 @@
                   <a:prstClr val="white"/>
                 </a:solidFill>
               </a:rPr>
-              <a:t>游戏初始登录界面</a:t>
+              <a:t>故事设定</a:t>
             </a:r>
             <a:endParaRPr lang="en-US" altLang="zh-CN" sz="3000" dirty="0">
               <a:solidFill>
@@ -4961,57 +5056,6 @@
       </p:sp>
       <p:sp>
         <p:nvSpPr>
-          <p:cNvPr id="18" name="Rectangle 17"/>
-          <p:cNvSpPr/>
-          <p:nvPr/>
-        </p:nvSpPr>
-        <p:spPr>
-          <a:xfrm>
-            <a:off x="1856328" y="963322"/>
-            <a:ext cx="3600000" cy="5760000"/>
-          </a:xfrm>
-          <a:prstGeom prst="rect">
-            <a:avLst/>
-          </a:prstGeom>
-          <a:solidFill>
-            <a:schemeClr val="tx2">
-              <a:lumMod val="60000"/>
-              <a:lumOff val="40000"/>
-            </a:schemeClr>
-          </a:solidFill>
-          <a:ln>
-            <a:solidFill>
-              <a:schemeClr val="bg1"/>
-            </a:solidFill>
-          </a:ln>
-        </p:spPr>
-        <p:style>
-          <a:lnRef idx="2">
-            <a:schemeClr val="accent1">
-              <a:shade val="50000"/>
-            </a:schemeClr>
-          </a:lnRef>
-          <a:fillRef idx="1">
-            <a:schemeClr val="accent1"/>
-          </a:fillRef>
-          <a:effectRef idx="0">
-            <a:schemeClr val="accent1"/>
-          </a:effectRef>
-          <a:fontRef idx="minor">
-            <a:schemeClr val="lt1"/>
-          </a:fontRef>
-        </p:style>
-        <p:txBody>
-          <a:bodyPr rtlCol="0" anchor="ctr"/>
-          <a:lstStyle/>
-          <a:p>
-            <a:pPr algn="ctr"/>
-            <a:endParaRPr lang="zh-CN" altLang="en-US"/>
-          </a:p>
-        </p:txBody>
-      </p:sp>
-      <p:sp>
-        <p:nvSpPr>
           <p:cNvPr id="27" name="Rectangle 26"/>
           <p:cNvSpPr/>
           <p:nvPr/>
@@ -5071,665 +5115,16 @@
           </a:p>
         </p:txBody>
       </p:sp>
-      <p:cxnSp>
-        <p:nvCxnSpPr>
-          <p:cNvPr id="20" name="Straight Connector 19"/>
-          <p:cNvCxnSpPr/>
-          <p:nvPr/>
-        </p:nvCxnSpPr>
-        <p:spPr>
-          <a:xfrm>
-            <a:off x="1863859" y="1341690"/>
-            <a:ext cx="3583923" cy="0"/>
-          </a:xfrm>
-          <a:prstGeom prst="line">
-            <a:avLst/>
-          </a:prstGeom>
-          <a:ln w="28575">
-            <a:solidFill>
-              <a:schemeClr val="tx2">
-                <a:lumMod val="75000"/>
-              </a:schemeClr>
-            </a:solidFill>
-          </a:ln>
-        </p:spPr>
-        <p:style>
-          <a:lnRef idx="1">
-            <a:schemeClr val="accent1"/>
-          </a:lnRef>
-          <a:fillRef idx="0">
-            <a:schemeClr val="accent1"/>
-          </a:fillRef>
-          <a:effectRef idx="0">
-            <a:schemeClr val="accent1"/>
-          </a:effectRef>
-          <a:fontRef idx="minor">
-            <a:schemeClr val="tx1"/>
-          </a:fontRef>
-        </p:style>
-      </p:cxnSp>
-      <p:sp>
-        <p:nvSpPr>
-          <p:cNvPr id="22" name="Rectangle 21"/>
-          <p:cNvSpPr/>
-          <p:nvPr/>
-        </p:nvSpPr>
-        <p:spPr>
-          <a:xfrm>
-            <a:off x="1855313" y="5768413"/>
-            <a:ext cx="3602030" cy="954909"/>
-          </a:xfrm>
-          <a:prstGeom prst="rect">
-            <a:avLst/>
-          </a:prstGeom>
-          <a:solidFill>
-            <a:schemeClr val="tx2">
-              <a:lumMod val="75000"/>
-            </a:schemeClr>
-          </a:solidFill>
-          <a:ln>
-            <a:solidFill>
-              <a:schemeClr val="bg1"/>
-            </a:solidFill>
-          </a:ln>
-        </p:spPr>
-        <p:style>
-          <a:lnRef idx="2">
-            <a:schemeClr val="accent1">
-              <a:shade val="50000"/>
-            </a:schemeClr>
-          </a:lnRef>
-          <a:fillRef idx="1">
-            <a:schemeClr val="accent1"/>
-          </a:fillRef>
-          <a:effectRef idx="0">
-            <a:schemeClr val="accent1"/>
-          </a:effectRef>
-          <a:fontRef idx="minor">
-            <a:schemeClr val="lt1"/>
-          </a:fontRef>
-        </p:style>
-        <p:txBody>
-          <a:bodyPr rtlCol="0" anchor="ctr"/>
-          <a:lstStyle/>
-          <a:p>
-            <a:pPr algn="ctr"/>
-            <a:endParaRPr lang="zh-CN" altLang="en-US"/>
-          </a:p>
-        </p:txBody>
-      </p:sp>
-      <p:sp>
-        <p:nvSpPr>
-          <p:cNvPr id="23" name="Rounded Rectangle 22"/>
-          <p:cNvSpPr/>
-          <p:nvPr/>
-        </p:nvSpPr>
-        <p:spPr>
-          <a:xfrm>
-            <a:off x="1987009" y="5904035"/>
-            <a:ext cx="1581235" cy="727201"/>
-          </a:xfrm>
-          <a:prstGeom prst="roundRect">
-            <a:avLst>
-              <a:gd name="adj" fmla="val 9736"/>
-            </a:avLst>
-          </a:prstGeom>
-        </p:spPr>
-        <p:style>
-          <a:lnRef idx="3">
-            <a:schemeClr val="lt1"/>
-          </a:lnRef>
-          <a:fillRef idx="1">
-            <a:schemeClr val="accent5"/>
-          </a:fillRef>
-          <a:effectRef idx="1">
-            <a:schemeClr val="accent5"/>
-          </a:effectRef>
-          <a:fontRef idx="minor">
-            <a:schemeClr val="lt1"/>
-          </a:fontRef>
-        </p:style>
-        <p:txBody>
-          <a:bodyPr rtlCol="0" anchor="ctr"/>
-          <a:lstStyle/>
-          <a:p>
-            <a:pPr algn="ctr"/>
-            <a:r>
-              <a:rPr lang="en-US" altLang="zh-CN" dirty="0" err="1" smtClean="0"/>
-              <a:t>bababbaba</a:t>
-            </a:r>
-            <a:endParaRPr lang="zh-CN" altLang="en-US" dirty="0"/>
-          </a:p>
-        </p:txBody>
-      </p:sp>
-      <p:sp>
-        <p:nvSpPr>
-          <p:cNvPr id="35" name="Rounded Rectangle 34"/>
-          <p:cNvSpPr/>
-          <p:nvPr/>
-        </p:nvSpPr>
-        <p:spPr>
-          <a:xfrm>
-            <a:off x="3744413" y="5904035"/>
-            <a:ext cx="1581235" cy="727201"/>
-          </a:xfrm>
-          <a:prstGeom prst="roundRect">
-            <a:avLst>
-              <a:gd name="adj" fmla="val 9736"/>
-            </a:avLst>
-          </a:prstGeom>
-        </p:spPr>
-        <p:style>
-          <a:lnRef idx="3">
-            <a:schemeClr val="lt1"/>
-          </a:lnRef>
-          <a:fillRef idx="1">
-            <a:schemeClr val="accent5"/>
-          </a:fillRef>
-          <a:effectRef idx="1">
-            <a:schemeClr val="accent5"/>
-          </a:effectRef>
-          <a:fontRef idx="minor">
-            <a:schemeClr val="lt1"/>
-          </a:fontRef>
-        </p:style>
-        <p:txBody>
-          <a:bodyPr rtlCol="0" anchor="ctr"/>
-          <a:lstStyle/>
-          <a:p>
-            <a:pPr algn="ctr"/>
-            <a:r>
-              <a:rPr lang="en-US" altLang="zh-CN" dirty="0" err="1" smtClean="0"/>
-              <a:t>babbaba</a:t>
-            </a:r>
-            <a:endParaRPr lang="zh-CN" altLang="en-US" dirty="0"/>
-          </a:p>
-        </p:txBody>
-      </p:sp>
-      <p:cxnSp>
-        <p:nvCxnSpPr>
-          <p:cNvPr id="26" name="Straight Connector 25"/>
-          <p:cNvCxnSpPr/>
-          <p:nvPr/>
-        </p:nvCxnSpPr>
-        <p:spPr>
-          <a:xfrm>
-            <a:off x="1987009" y="2050991"/>
-            <a:ext cx="3338639" cy="0"/>
-          </a:xfrm>
-          <a:prstGeom prst="line">
-            <a:avLst/>
-          </a:prstGeom>
-          <a:ln>
-            <a:solidFill>
-              <a:schemeClr val="bg1">
-                <a:lumMod val="75000"/>
-              </a:schemeClr>
-            </a:solidFill>
-          </a:ln>
-        </p:spPr>
-        <p:style>
-          <a:lnRef idx="1">
-            <a:schemeClr val="accent1"/>
-          </a:lnRef>
-          <a:fillRef idx="0">
-            <a:schemeClr val="accent1"/>
-          </a:fillRef>
-          <a:effectRef idx="0">
-            <a:schemeClr val="accent1"/>
-          </a:effectRef>
-          <a:fontRef idx="minor">
-            <a:schemeClr val="tx1"/>
-          </a:fontRef>
-        </p:style>
-      </p:cxnSp>
-      <p:cxnSp>
-        <p:nvCxnSpPr>
-          <p:cNvPr id="45" name="Straight Connector 44"/>
-          <p:cNvCxnSpPr/>
-          <p:nvPr/>
-        </p:nvCxnSpPr>
-        <p:spPr>
-          <a:xfrm>
-            <a:off x="1987009" y="2803021"/>
-            <a:ext cx="3338639" cy="0"/>
-          </a:xfrm>
-          <a:prstGeom prst="line">
-            <a:avLst/>
-          </a:prstGeom>
-          <a:ln>
-            <a:solidFill>
-              <a:schemeClr val="bg1">
-                <a:lumMod val="75000"/>
-              </a:schemeClr>
-            </a:solidFill>
-          </a:ln>
-        </p:spPr>
-        <p:style>
-          <a:lnRef idx="1">
-            <a:schemeClr val="accent1"/>
-          </a:lnRef>
-          <a:fillRef idx="0">
-            <a:schemeClr val="accent1"/>
-          </a:fillRef>
-          <a:effectRef idx="0">
-            <a:schemeClr val="accent1"/>
-          </a:effectRef>
-          <a:fontRef idx="minor">
-            <a:schemeClr val="tx1"/>
-          </a:fontRef>
-        </p:style>
-      </p:cxnSp>
-      <p:cxnSp>
-        <p:nvCxnSpPr>
-          <p:cNvPr id="49" name="Straight Connector 48"/>
-          <p:cNvCxnSpPr/>
-          <p:nvPr/>
-        </p:nvCxnSpPr>
-        <p:spPr>
-          <a:xfrm>
-            <a:off x="1987009" y="3572143"/>
-            <a:ext cx="3338639" cy="0"/>
-          </a:xfrm>
-          <a:prstGeom prst="line">
-            <a:avLst/>
-          </a:prstGeom>
-          <a:ln>
-            <a:solidFill>
-              <a:schemeClr val="bg1">
-                <a:lumMod val="75000"/>
-              </a:schemeClr>
-            </a:solidFill>
-          </a:ln>
-        </p:spPr>
-        <p:style>
-          <a:lnRef idx="1">
-            <a:schemeClr val="accent1"/>
-          </a:lnRef>
-          <a:fillRef idx="0">
-            <a:schemeClr val="accent1"/>
-          </a:fillRef>
-          <a:effectRef idx="0">
-            <a:schemeClr val="accent1"/>
-          </a:effectRef>
-          <a:fontRef idx="minor">
-            <a:schemeClr val="tx1"/>
-          </a:fontRef>
-        </p:style>
-      </p:cxnSp>
-      <p:cxnSp>
-        <p:nvCxnSpPr>
-          <p:cNvPr id="50" name="Straight Connector 49"/>
-          <p:cNvCxnSpPr/>
-          <p:nvPr/>
-        </p:nvCxnSpPr>
-        <p:spPr>
-          <a:xfrm>
-            <a:off x="1987009" y="4298535"/>
-            <a:ext cx="3338639" cy="0"/>
-          </a:xfrm>
-          <a:prstGeom prst="line">
-            <a:avLst/>
-          </a:prstGeom>
-          <a:ln>
-            <a:solidFill>
-              <a:schemeClr val="bg1">
-                <a:lumMod val="75000"/>
-              </a:schemeClr>
-            </a:solidFill>
-          </a:ln>
-        </p:spPr>
-        <p:style>
-          <a:lnRef idx="1">
-            <a:schemeClr val="accent1"/>
-          </a:lnRef>
-          <a:fillRef idx="0">
-            <a:schemeClr val="accent1"/>
-          </a:fillRef>
-          <a:effectRef idx="0">
-            <a:schemeClr val="accent1"/>
-          </a:effectRef>
-          <a:fontRef idx="minor">
-            <a:schemeClr val="tx1"/>
-          </a:fontRef>
-        </p:style>
-      </p:cxnSp>
-      <p:cxnSp>
-        <p:nvCxnSpPr>
-          <p:cNvPr id="51" name="Straight Connector 50"/>
-          <p:cNvCxnSpPr/>
-          <p:nvPr/>
-        </p:nvCxnSpPr>
-        <p:spPr>
-          <a:xfrm>
-            <a:off x="1987009" y="5024928"/>
-            <a:ext cx="3338639" cy="0"/>
-          </a:xfrm>
-          <a:prstGeom prst="line">
-            <a:avLst/>
-          </a:prstGeom>
-          <a:ln>
-            <a:solidFill>
-              <a:schemeClr val="bg1">
-                <a:lumMod val="75000"/>
-              </a:schemeClr>
-            </a:solidFill>
-          </a:ln>
-        </p:spPr>
-        <p:style>
-          <a:lnRef idx="1">
-            <a:schemeClr val="accent1"/>
-          </a:lnRef>
-          <a:fillRef idx="0">
-            <a:schemeClr val="accent1"/>
-          </a:fillRef>
-          <a:effectRef idx="0">
-            <a:schemeClr val="accent1"/>
-          </a:effectRef>
-          <a:fontRef idx="minor">
-            <a:schemeClr val="tx1"/>
-          </a:fontRef>
-        </p:style>
-      </p:cxnSp>
-      <p:sp>
-        <p:nvSpPr>
-          <p:cNvPr id="33" name="Rectangle 32"/>
-          <p:cNvSpPr/>
-          <p:nvPr/>
-        </p:nvSpPr>
-        <p:spPr>
-          <a:xfrm>
-            <a:off x="1863859" y="980414"/>
-            <a:ext cx="180137" cy="4831535"/>
-          </a:xfrm>
-          <a:prstGeom prst="rect">
-            <a:avLst/>
-          </a:prstGeom>
-          <a:solidFill>
-            <a:schemeClr val="tx2">
-              <a:lumMod val="75000"/>
-            </a:schemeClr>
-          </a:solidFill>
-          <a:ln>
-            <a:noFill/>
-          </a:ln>
-        </p:spPr>
-        <p:style>
-          <a:lnRef idx="3">
-            <a:schemeClr val="lt1"/>
-          </a:lnRef>
-          <a:fillRef idx="1">
-            <a:schemeClr val="accent5"/>
-          </a:fillRef>
-          <a:effectRef idx="1">
-            <a:schemeClr val="accent5"/>
-          </a:effectRef>
-          <a:fontRef idx="minor">
-            <a:schemeClr val="lt1"/>
-          </a:fontRef>
-        </p:style>
-        <p:txBody>
-          <a:bodyPr rtlCol="0" anchor="ctr"/>
-          <a:lstStyle/>
-          <a:p>
-            <a:pPr algn="ctr"/>
-            <a:r>
-              <a:rPr lang="en-US" altLang="zh-CN" dirty="0" smtClean="0"/>
-              <a:t>.</a:t>
-            </a:r>
-          </a:p>
-          <a:p>
-            <a:pPr algn="ctr"/>
-            <a:r>
-              <a:rPr lang="en-US" altLang="zh-CN" dirty="0" smtClean="0"/>
-              <a:t>.</a:t>
-            </a:r>
-          </a:p>
-          <a:p>
-            <a:pPr algn="ctr"/>
-            <a:r>
-              <a:rPr lang="en-US" altLang="zh-CN" dirty="0" smtClean="0"/>
-              <a:t>.</a:t>
-            </a:r>
-          </a:p>
-          <a:p>
-            <a:pPr algn="ctr"/>
-            <a:r>
-              <a:rPr lang="en-US" altLang="zh-CN" dirty="0" smtClean="0"/>
-              <a:t>.</a:t>
-            </a:r>
-          </a:p>
-          <a:p>
-            <a:pPr algn="ctr"/>
-            <a:r>
-              <a:rPr lang="en-US" altLang="zh-CN" dirty="0" smtClean="0"/>
-              <a:t>.</a:t>
-            </a:r>
-          </a:p>
-          <a:p>
-            <a:pPr algn="ctr"/>
-            <a:r>
-              <a:rPr lang="en-US" altLang="zh-CN" dirty="0" smtClean="0"/>
-              <a:t>.</a:t>
-            </a:r>
-          </a:p>
-          <a:p>
-            <a:pPr algn="ctr"/>
-            <a:r>
-              <a:rPr lang="en-US" altLang="zh-CN" dirty="0" smtClean="0"/>
-              <a:t>.</a:t>
-            </a:r>
-          </a:p>
-          <a:p>
-            <a:pPr algn="ctr"/>
-            <a:r>
-              <a:rPr lang="en-US" altLang="zh-CN" dirty="0" smtClean="0"/>
-              <a:t>.</a:t>
-            </a:r>
-          </a:p>
-          <a:p>
-            <a:pPr algn="ctr"/>
-            <a:r>
-              <a:rPr lang="en-US" altLang="zh-CN" dirty="0" smtClean="0"/>
-              <a:t>.</a:t>
-            </a:r>
-          </a:p>
-          <a:p>
-            <a:pPr algn="ctr"/>
-            <a:r>
-              <a:rPr lang="en-US" altLang="zh-CN" dirty="0" smtClean="0"/>
-              <a:t>.</a:t>
-            </a:r>
-          </a:p>
-          <a:p>
-            <a:pPr algn="ctr"/>
-            <a:r>
-              <a:rPr lang="en-US" altLang="zh-CN" dirty="0" smtClean="0"/>
-              <a:t>.</a:t>
-            </a:r>
-          </a:p>
-          <a:p>
-            <a:pPr algn="ctr"/>
-            <a:r>
-              <a:rPr lang="en-US" altLang="zh-CN" dirty="0" smtClean="0"/>
-              <a:t>.</a:t>
-            </a:r>
-          </a:p>
-          <a:p>
-            <a:pPr algn="ctr"/>
-            <a:r>
-              <a:rPr lang="en-US" altLang="zh-CN" dirty="0" smtClean="0"/>
-              <a:t>.</a:t>
-            </a:r>
-          </a:p>
-          <a:p>
-            <a:pPr algn="ctr"/>
-            <a:r>
-              <a:rPr lang="en-US" altLang="zh-CN" dirty="0" smtClean="0"/>
-              <a:t>.</a:t>
-            </a:r>
-          </a:p>
-          <a:p>
-            <a:pPr algn="ctr"/>
-            <a:r>
-              <a:rPr lang="en-US" altLang="zh-CN" dirty="0" smtClean="0"/>
-              <a:t>.</a:t>
-            </a:r>
-          </a:p>
-          <a:p>
-            <a:pPr algn="ctr"/>
-            <a:r>
-              <a:rPr lang="en-US" altLang="zh-CN" dirty="0" smtClean="0"/>
-              <a:t>.</a:t>
-            </a:r>
-          </a:p>
-          <a:p>
-            <a:pPr algn="ctr"/>
-            <a:r>
-              <a:rPr lang="en-US" altLang="zh-CN" dirty="0" smtClean="0"/>
-              <a:t>.</a:t>
-            </a:r>
-          </a:p>
-          <a:p>
-            <a:pPr algn="ctr"/>
-            <a:r>
-              <a:rPr lang="en-US" altLang="zh-CN" dirty="0"/>
-              <a:t>.</a:t>
-            </a:r>
-            <a:endParaRPr lang="zh-CN" altLang="en-US" dirty="0"/>
-          </a:p>
-        </p:txBody>
-      </p:sp>
-      <p:sp>
-        <p:nvSpPr>
-          <p:cNvPr id="52" name="Rectangle 51"/>
-          <p:cNvSpPr/>
-          <p:nvPr/>
-        </p:nvSpPr>
-        <p:spPr>
-          <a:xfrm>
-            <a:off x="5220151" y="971868"/>
-            <a:ext cx="230055" cy="4840081"/>
-          </a:xfrm>
-          <a:prstGeom prst="rect">
-            <a:avLst/>
-          </a:prstGeom>
-          <a:solidFill>
-            <a:schemeClr val="tx2">
-              <a:lumMod val="75000"/>
-            </a:schemeClr>
-          </a:solidFill>
-          <a:ln>
-            <a:noFill/>
-          </a:ln>
-        </p:spPr>
-        <p:style>
-          <a:lnRef idx="3">
-            <a:schemeClr val="lt1"/>
-          </a:lnRef>
-          <a:fillRef idx="1">
-            <a:schemeClr val="accent5"/>
-          </a:fillRef>
-          <a:effectRef idx="1">
-            <a:schemeClr val="accent5"/>
-          </a:effectRef>
-          <a:fontRef idx="minor">
-            <a:schemeClr val="lt1"/>
-          </a:fontRef>
-        </p:style>
-        <p:txBody>
-          <a:bodyPr rtlCol="0" anchor="ctr"/>
-          <a:lstStyle/>
-          <a:p>
-            <a:pPr algn="ctr"/>
-            <a:endParaRPr lang="en-US" altLang="zh-CN" dirty="0" smtClean="0"/>
-          </a:p>
-        </p:txBody>
-      </p:sp>
-      <p:cxnSp>
-        <p:nvCxnSpPr>
-          <p:cNvPr id="60" name="Straight Connector 59"/>
-          <p:cNvCxnSpPr/>
-          <p:nvPr/>
-        </p:nvCxnSpPr>
-        <p:spPr>
-          <a:xfrm>
-            <a:off x="2193541" y="4666005"/>
-            <a:ext cx="316194" cy="0"/>
-          </a:xfrm>
-          <a:prstGeom prst="line">
-            <a:avLst/>
-          </a:prstGeom>
-          <a:ln w="28575">
-            <a:solidFill>
-              <a:schemeClr val="tx2">
-                <a:lumMod val="75000"/>
-              </a:schemeClr>
-            </a:solidFill>
-          </a:ln>
-        </p:spPr>
-        <p:style>
-          <a:lnRef idx="1">
-            <a:schemeClr val="accent1"/>
-          </a:lnRef>
-          <a:fillRef idx="0">
-            <a:schemeClr val="accent1"/>
-          </a:fillRef>
-          <a:effectRef idx="0">
-            <a:schemeClr val="accent1"/>
-          </a:effectRef>
-          <a:fontRef idx="minor">
-            <a:schemeClr val="tx1"/>
-          </a:fontRef>
-        </p:style>
-      </p:cxnSp>
-      <p:cxnSp>
-        <p:nvCxnSpPr>
-          <p:cNvPr id="61" name="Straight Connector 60"/>
-          <p:cNvCxnSpPr/>
-          <p:nvPr/>
-        </p:nvCxnSpPr>
-        <p:spPr>
-          <a:xfrm>
-            <a:off x="4473605" y="4666005"/>
-            <a:ext cx="316194" cy="0"/>
-          </a:xfrm>
-          <a:prstGeom prst="line">
-            <a:avLst/>
-          </a:prstGeom>
-          <a:ln w="28575">
-            <a:solidFill>
-              <a:schemeClr val="tx2">
-                <a:lumMod val="75000"/>
-              </a:schemeClr>
-            </a:solidFill>
-          </a:ln>
-        </p:spPr>
-        <p:style>
-          <a:lnRef idx="1">
-            <a:schemeClr val="accent1"/>
-          </a:lnRef>
-          <a:fillRef idx="0">
-            <a:schemeClr val="accent1"/>
-          </a:fillRef>
-          <a:effectRef idx="0">
-            <a:schemeClr val="accent1"/>
-          </a:effectRef>
-          <a:fontRef idx="minor">
-            <a:schemeClr val="tx1"/>
-          </a:fontRef>
-        </p:style>
-      </p:cxnSp>
-      <p:sp>
-        <p:nvSpPr>
-          <p:cNvPr id="62" name="TextBox 61"/>
+      <p:sp>
+        <p:nvSpPr>
+          <p:cNvPr id="53" name="TextBox 52"/>
           <p:cNvSpPr txBox="1"/>
           <p:nvPr/>
         </p:nvSpPr>
         <p:spPr>
           <a:xfrm>
-            <a:off x="2639641" y="4464096"/>
-            <a:ext cx="2150158" cy="646331"/>
+            <a:off x="1724990" y="1304655"/>
+            <a:ext cx="8811974" cy="1477328"/>
           </a:xfrm>
           <a:prstGeom prst="rect">
             <a:avLst/>
@@ -5743,923 +5138,96 @@
           <a:lstStyle/>
           <a:p>
             <a:r>
-              <a:rPr lang="en-US" altLang="zh-CN" dirty="0" err="1" smtClean="0">
-                <a:solidFill>
-                  <a:schemeClr val="bg1"/>
-                </a:solidFill>
-              </a:rPr>
-              <a:t>Balbalblablalbal</a:t>
+              <a:rPr lang="en-US" altLang="zh-CN" dirty="0" smtClean="0">
+                <a:solidFill>
+                  <a:prstClr val="white"/>
+                </a:solidFill>
+              </a:rPr>
+              <a:t>1.</a:t>
+            </a:r>
+            <a:r>
+              <a:rPr lang="zh-CN" altLang="en-US" dirty="0" smtClean="0">
+                <a:solidFill>
+                  <a:prstClr val="white"/>
+                </a:solidFill>
+              </a:rPr>
+              <a:t>弱化或合理化“过去影响未来”设定，例未来遇见大蜘蛛，过去将小蜘蛛杀死即可</a:t>
             </a:r>
             <a:endParaRPr lang="en-US" altLang="zh-CN" dirty="0" smtClean="0">
               <a:solidFill>
-                <a:schemeClr val="bg1"/>
-              </a:solidFill>
-            </a:endParaRPr>
-          </a:p>
-          <a:p>
-            <a:endParaRPr lang="zh-CN" altLang="en-US" dirty="0"/>
-          </a:p>
-        </p:txBody>
-      </p:sp>
-      <p:grpSp>
-        <p:nvGrpSpPr>
-          <p:cNvPr id="65" name="Group 64"/>
-          <p:cNvGrpSpPr/>
-          <p:nvPr/>
-        </p:nvGrpSpPr>
-        <p:grpSpPr>
-          <a:xfrm>
-            <a:off x="2103022" y="1506413"/>
-            <a:ext cx="2123704" cy="407846"/>
-            <a:chOff x="4513945" y="1506413"/>
-            <a:chExt cx="2123704" cy="407846"/>
-          </a:xfrm>
-        </p:grpSpPr>
-        <p:sp>
-          <p:nvSpPr>
-            <p:cNvPr id="63" name="Line Callout 1 62"/>
-            <p:cNvSpPr/>
-            <p:nvPr/>
-          </p:nvSpPr>
-          <p:spPr>
-            <a:xfrm>
-              <a:off x="4513945" y="1506413"/>
-              <a:ext cx="63218" cy="407846"/>
-            </a:xfrm>
-            <a:prstGeom prst="borderCallout1">
-              <a:avLst>
-                <a:gd name="adj1" fmla="val 56466"/>
-                <a:gd name="adj2" fmla="val -8333"/>
-                <a:gd name="adj3" fmla="val 104166"/>
-                <a:gd name="adj4" fmla="val -115255"/>
-              </a:avLst>
-            </a:prstGeom>
-            <a:solidFill>
-              <a:schemeClr val="tx2">
-                <a:lumMod val="75000"/>
-              </a:schemeClr>
-            </a:solidFill>
-            <a:ln w="28575">
-              <a:solidFill>
-                <a:schemeClr val="tx2">
-                  <a:lumMod val="75000"/>
-                </a:schemeClr>
-              </a:solidFill>
-            </a:ln>
-          </p:spPr>
-          <p:style>
-            <a:lnRef idx="2">
-              <a:schemeClr val="accent1">
-                <a:shade val="50000"/>
-              </a:schemeClr>
-            </a:lnRef>
-            <a:fillRef idx="1">
-              <a:schemeClr val="accent1"/>
-            </a:fillRef>
-            <a:effectRef idx="0">
-              <a:schemeClr val="accent1"/>
-            </a:effectRef>
-            <a:fontRef idx="minor">
-              <a:schemeClr val="lt1"/>
-            </a:fontRef>
-          </p:style>
-          <p:txBody>
-            <a:bodyPr rtlCol="0" anchor="ctr"/>
-            <a:lstStyle/>
-            <a:p>
-              <a:pPr algn="ctr"/>
-              <a:endParaRPr lang="zh-CN" altLang="en-US"/>
-            </a:p>
-          </p:txBody>
-        </p:sp>
-        <p:sp>
-          <p:nvSpPr>
-            <p:cNvPr id="64" name="TextBox 63"/>
-            <p:cNvSpPr txBox="1"/>
-            <p:nvPr/>
-          </p:nvSpPr>
-          <p:spPr>
-            <a:xfrm>
-              <a:off x="4674670" y="1507403"/>
-              <a:ext cx="1962979" cy="369332"/>
-            </a:xfrm>
-            <a:prstGeom prst="rect">
-              <a:avLst/>
-            </a:prstGeom>
-            <a:noFill/>
-          </p:spPr>
-          <p:txBody>
-            <a:bodyPr wrap="square" rtlCol="0">
-              <a:spAutoFit/>
-            </a:bodyPr>
-            <a:lstStyle/>
-            <a:p>
-              <a:r>
-                <a:rPr lang="en-US" altLang="zh-CN" dirty="0" err="1" smtClean="0"/>
-                <a:t>bababbababab</a:t>
-              </a:r>
-              <a:endParaRPr lang="zh-CN" altLang="en-US" dirty="0"/>
-            </a:p>
-          </p:txBody>
-        </p:sp>
-      </p:grpSp>
-      <p:grpSp>
-        <p:nvGrpSpPr>
-          <p:cNvPr id="66" name="Group 65"/>
-          <p:cNvGrpSpPr/>
-          <p:nvPr/>
-        </p:nvGrpSpPr>
-        <p:grpSpPr>
-          <a:xfrm>
-            <a:off x="2103022" y="2258444"/>
-            <a:ext cx="2123704" cy="407846"/>
-            <a:chOff x="4513945" y="1506413"/>
-            <a:chExt cx="2123704" cy="407846"/>
-          </a:xfrm>
-        </p:grpSpPr>
-        <p:sp>
-          <p:nvSpPr>
-            <p:cNvPr id="67" name="Line Callout 1 66"/>
-            <p:cNvSpPr/>
-            <p:nvPr/>
-          </p:nvSpPr>
-          <p:spPr>
-            <a:xfrm>
-              <a:off x="4513945" y="1506413"/>
-              <a:ext cx="63218" cy="407846"/>
-            </a:xfrm>
-            <a:prstGeom prst="borderCallout1">
-              <a:avLst>
-                <a:gd name="adj1" fmla="val 56466"/>
-                <a:gd name="adj2" fmla="val -8333"/>
-                <a:gd name="adj3" fmla="val 104166"/>
-                <a:gd name="adj4" fmla="val -115255"/>
-              </a:avLst>
-            </a:prstGeom>
-            <a:solidFill>
-              <a:schemeClr val="accent6">
-                <a:lumMod val="50000"/>
-              </a:schemeClr>
-            </a:solidFill>
-            <a:ln w="28575">
-              <a:solidFill>
-                <a:schemeClr val="accent6">
-                  <a:lumMod val="50000"/>
-                </a:schemeClr>
-              </a:solidFill>
-            </a:ln>
-          </p:spPr>
-          <p:style>
-            <a:lnRef idx="2">
-              <a:schemeClr val="accent1">
-                <a:shade val="50000"/>
-              </a:schemeClr>
-            </a:lnRef>
-            <a:fillRef idx="1">
-              <a:schemeClr val="accent1"/>
-            </a:fillRef>
-            <a:effectRef idx="0">
-              <a:schemeClr val="accent1"/>
-            </a:effectRef>
-            <a:fontRef idx="minor">
-              <a:schemeClr val="lt1"/>
-            </a:fontRef>
-          </p:style>
-          <p:txBody>
-            <a:bodyPr rtlCol="0" anchor="ctr"/>
-            <a:lstStyle/>
-            <a:p>
-              <a:pPr algn="ctr"/>
-              <a:endParaRPr lang="zh-CN" altLang="en-US">
-                <a:solidFill>
-                  <a:schemeClr val="accent6">
-                    <a:lumMod val="50000"/>
-                  </a:schemeClr>
-                </a:solidFill>
-              </a:endParaRPr>
-            </a:p>
-          </p:txBody>
-        </p:sp>
-        <p:sp>
-          <p:nvSpPr>
-            <p:cNvPr id="68" name="TextBox 67"/>
-            <p:cNvSpPr txBox="1"/>
-            <p:nvPr/>
-          </p:nvSpPr>
-          <p:spPr>
-            <a:xfrm>
-              <a:off x="4674670" y="1507403"/>
-              <a:ext cx="1962979" cy="369332"/>
-            </a:xfrm>
-            <a:prstGeom prst="rect">
-              <a:avLst/>
-            </a:prstGeom>
-            <a:noFill/>
-          </p:spPr>
-          <p:txBody>
-            <a:bodyPr wrap="square" rtlCol="0">
-              <a:spAutoFit/>
-            </a:bodyPr>
-            <a:lstStyle/>
-            <a:p>
-              <a:r>
-                <a:rPr lang="en-US" altLang="zh-CN" dirty="0" err="1" smtClean="0">
-                  <a:solidFill>
-                    <a:schemeClr val="accent6">
-                      <a:lumMod val="50000"/>
-                    </a:schemeClr>
-                  </a:solidFill>
-                </a:rPr>
-                <a:t>bababbababab</a:t>
-              </a:r>
-              <a:endParaRPr lang="zh-CN" altLang="en-US" dirty="0">
-                <a:solidFill>
-                  <a:schemeClr val="accent6">
-                    <a:lumMod val="50000"/>
-                  </a:schemeClr>
-                </a:solidFill>
-              </a:endParaRPr>
-            </a:p>
-          </p:txBody>
-        </p:sp>
-      </p:grpSp>
-      <p:grpSp>
-        <p:nvGrpSpPr>
-          <p:cNvPr id="69" name="Group 68"/>
-          <p:cNvGrpSpPr/>
-          <p:nvPr/>
-        </p:nvGrpSpPr>
-        <p:grpSpPr>
-          <a:xfrm>
-            <a:off x="2103022" y="2994522"/>
-            <a:ext cx="2123704" cy="407846"/>
-            <a:chOff x="4513945" y="1506413"/>
-            <a:chExt cx="2123704" cy="407846"/>
-          </a:xfrm>
-        </p:grpSpPr>
-        <p:sp>
-          <p:nvSpPr>
-            <p:cNvPr id="70" name="Line Callout 1 69"/>
-            <p:cNvSpPr/>
-            <p:nvPr/>
-          </p:nvSpPr>
-          <p:spPr>
-            <a:xfrm>
-              <a:off x="4513945" y="1506413"/>
-              <a:ext cx="63218" cy="407846"/>
-            </a:xfrm>
-            <a:prstGeom prst="borderCallout1">
-              <a:avLst>
-                <a:gd name="adj1" fmla="val 56466"/>
-                <a:gd name="adj2" fmla="val -8333"/>
-                <a:gd name="adj3" fmla="val 104166"/>
-                <a:gd name="adj4" fmla="val -115255"/>
-              </a:avLst>
-            </a:prstGeom>
-            <a:solidFill>
-              <a:schemeClr val="tx2">
-                <a:lumMod val="75000"/>
-              </a:schemeClr>
-            </a:solidFill>
-            <a:ln w="28575">
-              <a:solidFill>
-                <a:schemeClr val="tx2">
-                  <a:lumMod val="75000"/>
-                </a:schemeClr>
-              </a:solidFill>
-            </a:ln>
-          </p:spPr>
-          <p:style>
-            <a:lnRef idx="2">
-              <a:schemeClr val="accent1">
-                <a:shade val="50000"/>
-              </a:schemeClr>
-            </a:lnRef>
-            <a:fillRef idx="1">
-              <a:schemeClr val="accent1"/>
-            </a:fillRef>
-            <a:effectRef idx="0">
-              <a:schemeClr val="accent1"/>
-            </a:effectRef>
-            <a:fontRef idx="minor">
-              <a:schemeClr val="lt1"/>
-            </a:fontRef>
-          </p:style>
-          <p:txBody>
-            <a:bodyPr rtlCol="0" anchor="ctr"/>
-            <a:lstStyle/>
-            <a:p>
-              <a:pPr algn="ctr"/>
-              <a:endParaRPr lang="zh-CN" altLang="en-US"/>
-            </a:p>
-          </p:txBody>
-        </p:sp>
-        <p:sp>
-          <p:nvSpPr>
-            <p:cNvPr id="71" name="TextBox 70"/>
-            <p:cNvSpPr txBox="1"/>
-            <p:nvPr/>
-          </p:nvSpPr>
-          <p:spPr>
-            <a:xfrm>
-              <a:off x="4674670" y="1507403"/>
-              <a:ext cx="1962979" cy="369332"/>
-            </a:xfrm>
-            <a:prstGeom prst="rect">
-              <a:avLst/>
-            </a:prstGeom>
-            <a:noFill/>
-          </p:spPr>
-          <p:txBody>
-            <a:bodyPr wrap="square" rtlCol="0">
-              <a:spAutoFit/>
-            </a:bodyPr>
-            <a:lstStyle/>
-            <a:p>
-              <a:r>
-                <a:rPr lang="en-US" altLang="zh-CN" dirty="0" err="1" smtClean="0"/>
-                <a:t>bababbababab</a:t>
-              </a:r>
-              <a:endParaRPr lang="zh-CN" altLang="en-US" dirty="0"/>
-            </a:p>
-          </p:txBody>
-        </p:sp>
-      </p:grpSp>
-      <p:grpSp>
-        <p:nvGrpSpPr>
-          <p:cNvPr id="72" name="Group 71"/>
-          <p:cNvGrpSpPr/>
-          <p:nvPr/>
-        </p:nvGrpSpPr>
-        <p:grpSpPr>
-          <a:xfrm>
-            <a:off x="2103022" y="3750861"/>
-            <a:ext cx="2123704" cy="407846"/>
-            <a:chOff x="4513945" y="1506413"/>
-            <a:chExt cx="2123704" cy="407846"/>
-          </a:xfrm>
-        </p:grpSpPr>
-        <p:sp>
-          <p:nvSpPr>
-            <p:cNvPr id="73" name="Line Callout 1 72"/>
-            <p:cNvSpPr/>
-            <p:nvPr/>
-          </p:nvSpPr>
-          <p:spPr>
-            <a:xfrm>
-              <a:off x="4513945" y="1506413"/>
-              <a:ext cx="63218" cy="407846"/>
-            </a:xfrm>
-            <a:prstGeom prst="borderCallout1">
-              <a:avLst>
-                <a:gd name="adj1" fmla="val 56466"/>
-                <a:gd name="adj2" fmla="val -8333"/>
-                <a:gd name="adj3" fmla="val 104166"/>
-                <a:gd name="adj4" fmla="val -115255"/>
-              </a:avLst>
-            </a:prstGeom>
-            <a:solidFill>
-              <a:schemeClr val="accent2">
-                <a:lumMod val="75000"/>
-              </a:schemeClr>
-            </a:solidFill>
-            <a:ln w="28575">
-              <a:solidFill>
-                <a:schemeClr val="accent2">
-                  <a:lumMod val="75000"/>
-                </a:schemeClr>
-              </a:solidFill>
-            </a:ln>
-          </p:spPr>
-          <p:style>
-            <a:lnRef idx="2">
-              <a:schemeClr val="accent1">
-                <a:shade val="50000"/>
-              </a:schemeClr>
-            </a:lnRef>
-            <a:fillRef idx="1">
-              <a:schemeClr val="accent1"/>
-            </a:fillRef>
-            <a:effectRef idx="0">
-              <a:schemeClr val="accent1"/>
-            </a:effectRef>
-            <a:fontRef idx="minor">
-              <a:schemeClr val="lt1"/>
-            </a:fontRef>
-          </p:style>
-          <p:txBody>
-            <a:bodyPr rtlCol="0" anchor="ctr"/>
-            <a:lstStyle/>
-            <a:p>
-              <a:pPr algn="ctr"/>
-              <a:endParaRPr lang="zh-CN" altLang="en-US">
-                <a:solidFill>
-                  <a:schemeClr val="accent2">
-                    <a:lumMod val="75000"/>
-                  </a:schemeClr>
-                </a:solidFill>
-              </a:endParaRPr>
-            </a:p>
-          </p:txBody>
-        </p:sp>
-        <p:sp>
-          <p:nvSpPr>
-            <p:cNvPr id="74" name="TextBox 73"/>
-            <p:cNvSpPr txBox="1"/>
-            <p:nvPr/>
-          </p:nvSpPr>
-          <p:spPr>
-            <a:xfrm>
-              <a:off x="4674670" y="1507403"/>
-              <a:ext cx="1962979" cy="369332"/>
-            </a:xfrm>
-            <a:prstGeom prst="rect">
-              <a:avLst/>
-            </a:prstGeom>
-            <a:noFill/>
-          </p:spPr>
-          <p:txBody>
-            <a:bodyPr wrap="square" rtlCol="0">
-              <a:spAutoFit/>
-            </a:bodyPr>
-            <a:lstStyle/>
-            <a:p>
-              <a:r>
-                <a:rPr lang="en-US" altLang="zh-CN" dirty="0" err="1" smtClean="0">
-                  <a:solidFill>
-                    <a:schemeClr val="accent2">
-                      <a:lumMod val="75000"/>
-                    </a:schemeClr>
-                  </a:solidFill>
-                </a:rPr>
-                <a:t>bababbababab</a:t>
-              </a:r>
-              <a:endParaRPr lang="zh-CN" altLang="en-US" dirty="0">
-                <a:solidFill>
-                  <a:schemeClr val="accent2">
-                    <a:lumMod val="75000"/>
-                  </a:schemeClr>
-                </a:solidFill>
-              </a:endParaRPr>
-            </a:p>
-          </p:txBody>
-        </p:sp>
-      </p:grpSp>
-      <p:grpSp>
-        <p:nvGrpSpPr>
-          <p:cNvPr id="75" name="Group 74"/>
-          <p:cNvGrpSpPr/>
-          <p:nvPr/>
-        </p:nvGrpSpPr>
-        <p:grpSpPr>
-          <a:xfrm>
-            <a:off x="2103022" y="5216429"/>
-            <a:ext cx="2123704" cy="407846"/>
-            <a:chOff x="4513945" y="1506413"/>
-            <a:chExt cx="2123704" cy="407846"/>
-          </a:xfrm>
-        </p:grpSpPr>
-        <p:sp>
-          <p:nvSpPr>
-            <p:cNvPr id="76" name="Line Callout 1 75"/>
-            <p:cNvSpPr/>
-            <p:nvPr/>
-          </p:nvSpPr>
-          <p:spPr>
-            <a:xfrm>
-              <a:off x="4513945" y="1506413"/>
-              <a:ext cx="63218" cy="407846"/>
-            </a:xfrm>
-            <a:prstGeom prst="borderCallout1">
-              <a:avLst>
-                <a:gd name="adj1" fmla="val 56466"/>
-                <a:gd name="adj2" fmla="val -8333"/>
-                <a:gd name="adj3" fmla="val 104166"/>
-                <a:gd name="adj4" fmla="val -115255"/>
-              </a:avLst>
-            </a:prstGeom>
-            <a:solidFill>
-              <a:schemeClr val="tx2">
-                <a:lumMod val="75000"/>
-              </a:schemeClr>
-            </a:solidFill>
-            <a:ln w="28575">
-              <a:solidFill>
-                <a:schemeClr val="tx2">
-                  <a:lumMod val="75000"/>
-                </a:schemeClr>
-              </a:solidFill>
-            </a:ln>
-          </p:spPr>
-          <p:style>
-            <a:lnRef idx="2">
-              <a:schemeClr val="accent1">
-                <a:shade val="50000"/>
-              </a:schemeClr>
-            </a:lnRef>
-            <a:fillRef idx="1">
-              <a:schemeClr val="accent1"/>
-            </a:fillRef>
-            <a:effectRef idx="0">
-              <a:schemeClr val="accent1"/>
-            </a:effectRef>
-            <a:fontRef idx="minor">
-              <a:schemeClr val="lt1"/>
-            </a:fontRef>
-          </p:style>
-          <p:txBody>
-            <a:bodyPr rtlCol="0" anchor="ctr"/>
-            <a:lstStyle/>
-            <a:p>
-              <a:pPr algn="ctr"/>
-              <a:endParaRPr lang="zh-CN" altLang="en-US"/>
-            </a:p>
-          </p:txBody>
-        </p:sp>
-        <p:sp>
-          <p:nvSpPr>
-            <p:cNvPr id="77" name="TextBox 76"/>
-            <p:cNvSpPr txBox="1"/>
-            <p:nvPr/>
-          </p:nvSpPr>
-          <p:spPr>
-            <a:xfrm>
-              <a:off x="4674670" y="1507403"/>
-              <a:ext cx="1962979" cy="369332"/>
-            </a:xfrm>
-            <a:prstGeom prst="rect">
-              <a:avLst/>
-            </a:prstGeom>
-            <a:noFill/>
-          </p:spPr>
-          <p:txBody>
-            <a:bodyPr wrap="square" rtlCol="0">
-              <a:spAutoFit/>
-            </a:bodyPr>
-            <a:lstStyle/>
-            <a:p>
-              <a:r>
-                <a:rPr lang="en-US" altLang="zh-CN" dirty="0" err="1" smtClean="0"/>
-                <a:t>bababbababab</a:t>
-              </a:r>
-              <a:endParaRPr lang="zh-CN" altLang="en-US" dirty="0"/>
-            </a:p>
-          </p:txBody>
-        </p:sp>
-      </p:grpSp>
-      <p:sp>
-        <p:nvSpPr>
-          <p:cNvPr id="78" name="Line Callout 1 77"/>
-          <p:cNvSpPr/>
-          <p:nvPr/>
-        </p:nvSpPr>
-        <p:spPr>
-          <a:xfrm>
-            <a:off x="2110141" y="1026425"/>
-            <a:ext cx="769791" cy="270405"/>
-          </a:xfrm>
-          <a:prstGeom prst="borderCallout1">
-            <a:avLst>
-              <a:gd name="adj1" fmla="val 44026"/>
-              <a:gd name="adj2" fmla="val 13857"/>
-              <a:gd name="adj3" fmla="val 84217"/>
-              <a:gd name="adj4" fmla="val -18292"/>
-            </a:avLst>
-          </a:prstGeom>
-          <a:solidFill>
-            <a:schemeClr val="tx2">
-              <a:lumMod val="75000"/>
-            </a:schemeClr>
-          </a:solidFill>
-          <a:ln w="28575">
-            <a:solidFill>
-              <a:schemeClr val="tx2">
-                <a:lumMod val="75000"/>
-              </a:schemeClr>
-            </a:solidFill>
-          </a:ln>
-        </p:spPr>
-        <p:style>
-          <a:lnRef idx="2">
-            <a:schemeClr val="accent1">
-              <a:shade val="50000"/>
-            </a:schemeClr>
-          </a:lnRef>
-          <a:fillRef idx="1">
-            <a:schemeClr val="accent1"/>
-          </a:fillRef>
-          <a:effectRef idx="0">
-            <a:schemeClr val="accent1"/>
-          </a:effectRef>
-          <a:fontRef idx="minor">
-            <a:schemeClr val="lt1"/>
-          </a:fontRef>
-        </p:style>
-        <p:txBody>
-          <a:bodyPr rtlCol="0" anchor="ctr"/>
-          <a:lstStyle/>
-          <a:p>
-            <a:pPr algn="ctr"/>
-            <a:r>
-              <a:rPr lang="en-US" altLang="zh-CN" sz="1200" dirty="0" smtClean="0"/>
-              <a:t>2069</a:t>
-            </a:r>
-            <a:r>
-              <a:rPr lang="zh-CN" altLang="en-US" sz="1200" dirty="0"/>
-              <a:t>年</a:t>
-            </a:r>
-          </a:p>
-        </p:txBody>
-      </p:sp>
-      <p:sp>
-        <p:nvSpPr>
-          <p:cNvPr id="82" name="Right Brace 81"/>
-          <p:cNvSpPr/>
-          <p:nvPr/>
-        </p:nvSpPr>
-        <p:spPr>
-          <a:xfrm>
-            <a:off x="5571858" y="1506413"/>
-            <a:ext cx="1162228" cy="4080338"/>
-          </a:xfrm>
-          <a:prstGeom prst="rightBrace">
-            <a:avLst>
-              <a:gd name="adj1" fmla="val 8333"/>
-              <a:gd name="adj2" fmla="val 50209"/>
-            </a:avLst>
-          </a:prstGeom>
-        </p:spPr>
-        <p:style>
-          <a:lnRef idx="1">
-            <a:schemeClr val="accent1"/>
-          </a:lnRef>
-          <a:fillRef idx="0">
-            <a:schemeClr val="accent1"/>
-          </a:fillRef>
-          <a:effectRef idx="0">
-            <a:schemeClr val="accent1"/>
-          </a:effectRef>
-          <a:fontRef idx="minor">
-            <a:schemeClr val="tx1"/>
-          </a:fontRef>
-        </p:style>
-        <p:txBody>
-          <a:bodyPr rtlCol="0" anchor="ctr"/>
-          <a:lstStyle/>
-          <a:p>
-            <a:pPr algn="ctr"/>
-            <a:endParaRPr lang="zh-CN" altLang="en-US"/>
-          </a:p>
-        </p:txBody>
-      </p:sp>
-      <p:sp>
-        <p:nvSpPr>
-          <p:cNvPr id="83" name="TextBox 82"/>
-          <p:cNvSpPr txBox="1"/>
-          <p:nvPr/>
-        </p:nvSpPr>
-        <p:spPr>
-          <a:xfrm>
-            <a:off x="6819544" y="3364844"/>
-            <a:ext cx="1051133" cy="369332"/>
-          </a:xfrm>
-          <a:prstGeom prst="rect">
-            <a:avLst/>
-          </a:prstGeom>
-          <a:noFill/>
-        </p:spPr>
-        <p:txBody>
-          <a:bodyPr wrap="square" rtlCol="0">
-            <a:spAutoFit/>
-          </a:bodyPr>
-          <a:lstStyle/>
-          <a:p>
+                <a:prstClr val="white"/>
+              </a:solidFill>
+            </a:endParaRPr>
+          </a:p>
+          <a:p>
+            <a:r>
+              <a:rPr lang="en-US" altLang="zh-CN" dirty="0" smtClean="0">
+                <a:solidFill>
+                  <a:prstClr val="white"/>
+                </a:solidFill>
+              </a:rPr>
+              <a:t>2.</a:t>
+            </a:r>
             <a:r>
               <a:rPr lang="zh-CN" altLang="en-US" dirty="0" smtClean="0">
                 <a:solidFill>
-                  <a:schemeClr val="bg1"/>
-                </a:solidFill>
-              </a:rPr>
-              <a:t>对话区</a:t>
-            </a:r>
+                  <a:prstClr val="white"/>
+                </a:solidFill>
+              </a:rPr>
+              <a:t>尽量取消未来帮助过去或过去 帮助未来，使未来和过去不需要通信，如此不需要同步 信息。整个故事修改，主题仍然是永生</a:t>
+            </a:r>
+            <a:r>
+              <a:rPr lang="en-US" altLang="zh-CN" dirty="0" smtClean="0">
+                <a:solidFill>
+                  <a:prstClr val="white"/>
+                </a:solidFill>
+              </a:rPr>
+              <a:t>+</a:t>
+            </a:r>
+            <a:r>
+              <a:rPr lang="zh-CN" altLang="en-US" dirty="0">
+                <a:solidFill>
+                  <a:prstClr val="white"/>
+                </a:solidFill>
+              </a:rPr>
+              <a:t>未</a:t>
+            </a:r>
+            <a:r>
+              <a:rPr lang="zh-CN" altLang="en-US" dirty="0" smtClean="0">
+                <a:solidFill>
+                  <a:prstClr val="white"/>
+                </a:solidFill>
+              </a:rPr>
+              <a:t>来，让未来和过去同时联系到玩家，玩家指挥即可。核心体验是故事</a:t>
+            </a:r>
+            <a:r>
+              <a:rPr lang="en-US" altLang="zh-CN" dirty="0" smtClean="0">
+                <a:solidFill>
+                  <a:prstClr val="white"/>
+                </a:solidFill>
+              </a:rPr>
+              <a:t>+</a:t>
+            </a:r>
+            <a:r>
+              <a:rPr lang="zh-CN" altLang="en-US" dirty="0" smtClean="0">
+                <a:solidFill>
+                  <a:prstClr val="white"/>
+                </a:solidFill>
+              </a:rPr>
+              <a:t>文字解谜（扫描）</a:t>
+            </a:r>
+            <a:endParaRPr lang="en-US" altLang="zh-CN" dirty="0">
+              <a:solidFill>
+                <a:prstClr val="white"/>
+              </a:solidFill>
+            </a:endParaRPr>
+          </a:p>
+          <a:p>
             <a:endParaRPr lang="zh-CN" altLang="en-US" dirty="0">
               <a:solidFill>
-                <a:schemeClr val="bg1"/>
-              </a:solidFill>
-            </a:endParaRPr>
-          </a:p>
-        </p:txBody>
-      </p:sp>
-      <p:sp>
-        <p:nvSpPr>
-          <p:cNvPr id="84" name="Right Brace 83"/>
-          <p:cNvSpPr/>
-          <p:nvPr/>
-        </p:nvSpPr>
-        <p:spPr>
-          <a:xfrm>
-            <a:off x="5565450" y="5586751"/>
-            <a:ext cx="1162228" cy="1073146"/>
-          </a:xfrm>
-          <a:prstGeom prst="rightBrace">
-            <a:avLst>
-              <a:gd name="adj1" fmla="val 8333"/>
-              <a:gd name="adj2" fmla="val 50209"/>
-            </a:avLst>
-          </a:prstGeom>
-        </p:spPr>
-        <p:style>
-          <a:lnRef idx="1">
-            <a:schemeClr val="accent1"/>
-          </a:lnRef>
-          <a:fillRef idx="0">
-            <a:schemeClr val="accent1"/>
-          </a:fillRef>
-          <a:effectRef idx="0">
-            <a:schemeClr val="accent1"/>
-          </a:effectRef>
-          <a:fontRef idx="minor">
-            <a:schemeClr val="tx1"/>
-          </a:fontRef>
-        </p:style>
-        <p:txBody>
-          <a:bodyPr rtlCol="0" anchor="ctr"/>
-          <a:lstStyle/>
-          <a:p>
-            <a:pPr algn="ctr"/>
-            <a:endParaRPr lang="zh-CN" altLang="en-US"/>
-          </a:p>
-        </p:txBody>
-      </p:sp>
-      <p:sp>
-        <p:nvSpPr>
-          <p:cNvPr id="85" name="TextBox 84"/>
-          <p:cNvSpPr txBox="1"/>
-          <p:nvPr/>
-        </p:nvSpPr>
-        <p:spPr>
-          <a:xfrm>
-            <a:off x="6850540" y="5911912"/>
-            <a:ext cx="1051133" cy="369332"/>
-          </a:xfrm>
-          <a:prstGeom prst="rect">
-            <a:avLst/>
-          </a:prstGeom>
-          <a:noFill/>
-        </p:spPr>
-        <p:txBody>
-          <a:bodyPr wrap="square" rtlCol="0">
-            <a:spAutoFit/>
-          </a:bodyPr>
-          <a:lstStyle/>
-          <a:p>
-            <a:r>
-              <a:rPr lang="zh-CN" altLang="en-US" dirty="0" smtClean="0">
-                <a:solidFill>
-                  <a:schemeClr val="bg1"/>
-                </a:solidFill>
-              </a:rPr>
-              <a:t>选项区</a:t>
-            </a:r>
-            <a:endParaRPr lang="zh-CN" altLang="en-US" dirty="0">
-              <a:solidFill>
-                <a:schemeClr val="bg1"/>
-              </a:solidFill>
-            </a:endParaRPr>
-          </a:p>
-        </p:txBody>
-      </p:sp>
-      <p:sp>
-        <p:nvSpPr>
-          <p:cNvPr id="86" name="Right Brace 85"/>
-          <p:cNvSpPr/>
-          <p:nvPr/>
-        </p:nvSpPr>
-        <p:spPr>
-          <a:xfrm>
-            <a:off x="5605128" y="963322"/>
-            <a:ext cx="1162228" cy="475956"/>
-          </a:xfrm>
-          <a:prstGeom prst="rightBrace">
-            <a:avLst>
-              <a:gd name="adj1" fmla="val 8333"/>
-              <a:gd name="adj2" fmla="val 50209"/>
-            </a:avLst>
-          </a:prstGeom>
-        </p:spPr>
-        <p:style>
-          <a:lnRef idx="1">
-            <a:schemeClr val="accent1"/>
-          </a:lnRef>
-          <a:fillRef idx="0">
-            <a:schemeClr val="accent1"/>
-          </a:fillRef>
-          <a:effectRef idx="0">
-            <a:schemeClr val="accent1"/>
-          </a:effectRef>
-          <a:fontRef idx="minor">
-            <a:schemeClr val="tx1"/>
-          </a:fontRef>
-        </p:style>
-        <p:txBody>
-          <a:bodyPr rtlCol="0" anchor="ctr"/>
-          <a:lstStyle/>
-          <a:p>
-            <a:pPr algn="ctr"/>
-            <a:endParaRPr lang="zh-CN" altLang="en-US"/>
-          </a:p>
-        </p:txBody>
-      </p:sp>
-      <p:sp>
-        <p:nvSpPr>
-          <p:cNvPr id="87" name="TextBox 86"/>
-          <p:cNvSpPr txBox="1"/>
-          <p:nvPr/>
-        </p:nvSpPr>
-        <p:spPr>
-          <a:xfrm>
-            <a:off x="6801192" y="1003724"/>
-            <a:ext cx="1735888" cy="369332"/>
-          </a:xfrm>
-          <a:prstGeom prst="rect">
-            <a:avLst/>
-          </a:prstGeom>
-          <a:noFill/>
-        </p:spPr>
-        <p:txBody>
-          <a:bodyPr wrap="square" rtlCol="0">
-            <a:spAutoFit/>
-          </a:bodyPr>
-          <a:lstStyle/>
-          <a:p>
-            <a:r>
-              <a:rPr lang="zh-CN" altLang="en-US" dirty="0" smtClean="0">
-                <a:solidFill>
-                  <a:schemeClr val="bg1"/>
-                </a:solidFill>
-              </a:rPr>
-              <a:t>辅助信息区</a:t>
-            </a:r>
-            <a:endParaRPr lang="zh-CN" altLang="en-US" dirty="0">
-              <a:solidFill>
-                <a:schemeClr val="bg1"/>
-              </a:solidFill>
-            </a:endParaRPr>
-          </a:p>
-        </p:txBody>
-      </p:sp>
-      <p:sp>
-        <p:nvSpPr>
-          <p:cNvPr id="88" name="Up Arrow Callout 87"/>
-          <p:cNvSpPr/>
-          <p:nvPr/>
-        </p:nvSpPr>
-        <p:spPr>
-          <a:xfrm rot="-2700000">
-            <a:off x="5180165" y="5539215"/>
-            <a:ext cx="241204" cy="170916"/>
-          </a:xfrm>
-          <a:prstGeom prst="upArrowCallout">
-            <a:avLst>
-              <a:gd name="adj1" fmla="val 25000"/>
-              <a:gd name="adj2" fmla="val 50000"/>
-              <a:gd name="adj3" fmla="val 25000"/>
-              <a:gd name="adj4" fmla="val 37477"/>
-            </a:avLst>
-          </a:prstGeom>
-          <a:solidFill>
-            <a:schemeClr val="tx2">
-              <a:lumMod val="75000"/>
-            </a:schemeClr>
-          </a:solidFill>
-          <a:ln>
-            <a:solidFill>
-              <a:schemeClr val="bg1"/>
-            </a:solidFill>
-          </a:ln>
-        </p:spPr>
-        <p:style>
-          <a:lnRef idx="2">
-            <a:schemeClr val="accent1">
-              <a:shade val="50000"/>
-            </a:schemeClr>
-          </a:lnRef>
-          <a:fillRef idx="1">
-            <a:schemeClr val="accent1"/>
-          </a:fillRef>
-          <a:effectRef idx="0">
-            <a:schemeClr val="accent1"/>
-          </a:effectRef>
-          <a:fontRef idx="minor">
-            <a:schemeClr val="lt1"/>
-          </a:fontRef>
-        </p:style>
-        <p:txBody>
-          <a:bodyPr rtlCol="0" anchor="ctr"/>
-          <a:lstStyle/>
-          <a:p>
-            <a:pPr algn="ctr"/>
-            <a:endParaRPr lang="zh-CN" altLang="en-US"/>
+                <a:prstClr val="white"/>
+              </a:solidFill>
+            </a:endParaRPr>
           </a:p>
         </p:txBody>
       </p:sp>
@@ -6917,6 +5485,2394 @@
           <a:p>
             <a:pPr algn="ctr"/>
             <a:r>
+              <a:rPr lang="zh-CN" altLang="en-US" sz="3000" dirty="0" smtClean="0">
+                <a:solidFill>
+                  <a:prstClr val="white"/>
+                </a:solidFill>
+              </a:rPr>
+              <a:t>游戏初始登录界面</a:t>
+            </a:r>
+            <a:endParaRPr lang="en-US" altLang="zh-CN" sz="3000" dirty="0">
+              <a:solidFill>
+                <a:prstClr val="white"/>
+              </a:solidFill>
+            </a:endParaRPr>
+          </a:p>
+        </p:txBody>
+      </p:sp>
+      <p:sp>
+        <p:nvSpPr>
+          <p:cNvPr id="9" name="Rectangle 8"/>
+          <p:cNvSpPr/>
+          <p:nvPr/>
+        </p:nvSpPr>
+        <p:spPr>
+          <a:xfrm rot="5400000">
+            <a:off x="-2950144" y="3396392"/>
+            <a:ext cx="6857998" cy="65217"/>
+          </a:xfrm>
+          <a:prstGeom prst="rect">
+            <a:avLst/>
+          </a:prstGeom>
+          <a:solidFill>
+            <a:srgbClr val="9CAEF0"/>
+          </a:solidFill>
+          <a:ln>
+            <a:noFill/>
+          </a:ln>
+        </p:spPr>
+        <p:style>
+          <a:lnRef idx="2">
+            <a:schemeClr val="accent1">
+              <a:shade val="50000"/>
+            </a:schemeClr>
+          </a:lnRef>
+          <a:fillRef idx="1">
+            <a:schemeClr val="accent1"/>
+          </a:fillRef>
+          <a:effectRef idx="0">
+            <a:schemeClr val="accent1"/>
+          </a:effectRef>
+          <a:fontRef idx="minor">
+            <a:schemeClr val="lt1"/>
+          </a:fontRef>
+        </p:style>
+        <p:txBody>
+          <a:bodyPr rtlCol="0" anchor="ctr"/>
+          <a:lstStyle/>
+          <a:p>
+            <a:pPr algn="ctr"/>
+            <a:endParaRPr lang="zh-CN" altLang="en-US">
+              <a:solidFill>
+                <a:prstClr val="white"/>
+              </a:solidFill>
+            </a:endParaRPr>
+          </a:p>
+        </p:txBody>
+      </p:sp>
+      <p:sp>
+        <p:nvSpPr>
+          <p:cNvPr id="40" name="Rectangle 39"/>
+          <p:cNvSpPr/>
+          <p:nvPr/>
+        </p:nvSpPr>
+        <p:spPr>
+          <a:xfrm rot="5400000">
+            <a:off x="-3110008" y="3396392"/>
+            <a:ext cx="6857998" cy="65217"/>
+          </a:xfrm>
+          <a:prstGeom prst="rect">
+            <a:avLst/>
+          </a:prstGeom>
+          <a:solidFill>
+            <a:srgbClr val="9CD8F0"/>
+          </a:solidFill>
+          <a:ln>
+            <a:noFill/>
+          </a:ln>
+        </p:spPr>
+        <p:style>
+          <a:lnRef idx="2">
+            <a:schemeClr val="accent1">
+              <a:shade val="50000"/>
+            </a:schemeClr>
+          </a:lnRef>
+          <a:fillRef idx="1">
+            <a:schemeClr val="accent1"/>
+          </a:fillRef>
+          <a:effectRef idx="0">
+            <a:schemeClr val="accent1"/>
+          </a:effectRef>
+          <a:fontRef idx="minor">
+            <a:schemeClr val="lt1"/>
+          </a:fontRef>
+        </p:style>
+        <p:txBody>
+          <a:bodyPr rtlCol="0" anchor="ctr"/>
+          <a:lstStyle/>
+          <a:p>
+            <a:pPr algn="ctr"/>
+            <a:endParaRPr lang="zh-CN" altLang="en-US">
+              <a:solidFill>
+                <a:prstClr val="white"/>
+              </a:solidFill>
+            </a:endParaRPr>
+          </a:p>
+        </p:txBody>
+      </p:sp>
+      <p:sp>
+        <p:nvSpPr>
+          <p:cNvPr id="41" name="Rectangle 40"/>
+          <p:cNvSpPr/>
+          <p:nvPr/>
+        </p:nvSpPr>
+        <p:spPr>
+          <a:xfrm rot="5400000">
+            <a:off x="-3269872" y="3396390"/>
+            <a:ext cx="6857998" cy="65217"/>
+          </a:xfrm>
+          <a:prstGeom prst="rect">
+            <a:avLst/>
+          </a:prstGeom>
+          <a:solidFill>
+            <a:srgbClr val="EFDD9C"/>
+          </a:solidFill>
+          <a:ln>
+            <a:noFill/>
+          </a:ln>
+        </p:spPr>
+        <p:style>
+          <a:lnRef idx="2">
+            <a:schemeClr val="accent1">
+              <a:shade val="50000"/>
+            </a:schemeClr>
+          </a:lnRef>
+          <a:fillRef idx="1">
+            <a:schemeClr val="accent1"/>
+          </a:fillRef>
+          <a:effectRef idx="0">
+            <a:schemeClr val="accent1"/>
+          </a:effectRef>
+          <a:fontRef idx="minor">
+            <a:schemeClr val="lt1"/>
+          </a:fontRef>
+        </p:style>
+        <p:txBody>
+          <a:bodyPr rtlCol="0" anchor="ctr"/>
+          <a:lstStyle/>
+          <a:p>
+            <a:pPr algn="ctr"/>
+            <a:endParaRPr lang="zh-CN" altLang="en-US">
+              <a:solidFill>
+                <a:prstClr val="white"/>
+              </a:solidFill>
+            </a:endParaRPr>
+          </a:p>
+        </p:txBody>
+      </p:sp>
+      <p:cxnSp>
+        <p:nvCxnSpPr>
+          <p:cNvPr id="6" name="Straight Connector 5"/>
+          <p:cNvCxnSpPr/>
+          <p:nvPr/>
+        </p:nvCxnSpPr>
+        <p:spPr>
+          <a:xfrm>
+            <a:off x="511464" y="828942"/>
+            <a:ext cx="11234380" cy="0"/>
+          </a:xfrm>
+          <a:prstGeom prst="line">
+            <a:avLst/>
+          </a:prstGeom>
+          <a:ln>
+            <a:solidFill>
+              <a:schemeClr val="bg1"/>
+            </a:solidFill>
+            <a:prstDash val="dashDot"/>
+          </a:ln>
+        </p:spPr>
+        <p:style>
+          <a:lnRef idx="1">
+            <a:schemeClr val="accent1"/>
+          </a:lnRef>
+          <a:fillRef idx="0">
+            <a:schemeClr val="accent1"/>
+          </a:fillRef>
+          <a:effectRef idx="0">
+            <a:schemeClr val="accent1"/>
+          </a:effectRef>
+          <a:fontRef idx="minor">
+            <a:schemeClr val="tx1"/>
+          </a:fontRef>
+        </p:style>
+      </p:cxnSp>
+      <p:sp>
+        <p:nvSpPr>
+          <p:cNvPr id="7" name="Rectangle 6"/>
+          <p:cNvSpPr/>
+          <p:nvPr/>
+        </p:nvSpPr>
+        <p:spPr>
+          <a:xfrm>
+            <a:off x="-1284" y="215999"/>
+            <a:ext cx="683664" cy="495656"/>
+          </a:xfrm>
+          <a:prstGeom prst="rect">
+            <a:avLst/>
+          </a:prstGeom>
+          <a:solidFill>
+            <a:schemeClr val="tx1">
+              <a:lumMod val="75000"/>
+              <a:lumOff val="25000"/>
+            </a:schemeClr>
+          </a:solidFill>
+          <a:ln>
+            <a:noFill/>
+          </a:ln>
+        </p:spPr>
+        <p:style>
+          <a:lnRef idx="2">
+            <a:schemeClr val="accent1">
+              <a:shade val="50000"/>
+            </a:schemeClr>
+          </a:lnRef>
+          <a:fillRef idx="1">
+            <a:schemeClr val="accent1"/>
+          </a:fillRef>
+          <a:effectRef idx="0">
+            <a:schemeClr val="accent1"/>
+          </a:effectRef>
+          <a:fontRef idx="minor">
+            <a:schemeClr val="lt1"/>
+          </a:fontRef>
+        </p:style>
+        <p:txBody>
+          <a:bodyPr rtlCol="0" anchor="ctr"/>
+          <a:lstStyle/>
+          <a:p>
+            <a:pPr algn="ctr"/>
+            <a:r>
+              <a:rPr lang="en-US" altLang="zh-CN" dirty="0" smtClean="0">
+                <a:solidFill>
+                  <a:prstClr val="white"/>
+                </a:solidFill>
+              </a:rPr>
+              <a:t>1</a:t>
+            </a:r>
+            <a:endParaRPr lang="zh-CN" altLang="en-US" dirty="0">
+              <a:solidFill>
+                <a:prstClr val="white"/>
+              </a:solidFill>
+            </a:endParaRPr>
+          </a:p>
+        </p:txBody>
+      </p:sp>
+      <p:sp>
+        <p:nvSpPr>
+          <p:cNvPr id="18" name="Rectangle 17"/>
+          <p:cNvSpPr/>
+          <p:nvPr/>
+        </p:nvSpPr>
+        <p:spPr>
+          <a:xfrm>
+            <a:off x="1856328" y="963322"/>
+            <a:ext cx="3600000" cy="5760000"/>
+          </a:xfrm>
+          <a:prstGeom prst="rect">
+            <a:avLst/>
+          </a:prstGeom>
+          <a:solidFill>
+            <a:schemeClr val="tx2">
+              <a:lumMod val="60000"/>
+              <a:lumOff val="40000"/>
+            </a:schemeClr>
+          </a:solidFill>
+          <a:ln>
+            <a:solidFill>
+              <a:schemeClr val="bg1"/>
+            </a:solidFill>
+          </a:ln>
+        </p:spPr>
+        <p:style>
+          <a:lnRef idx="2">
+            <a:schemeClr val="accent1">
+              <a:shade val="50000"/>
+            </a:schemeClr>
+          </a:lnRef>
+          <a:fillRef idx="1">
+            <a:schemeClr val="accent1"/>
+          </a:fillRef>
+          <a:effectRef idx="0">
+            <a:schemeClr val="accent1"/>
+          </a:effectRef>
+          <a:fontRef idx="minor">
+            <a:schemeClr val="lt1"/>
+          </a:fontRef>
+        </p:style>
+        <p:txBody>
+          <a:bodyPr rtlCol="0" anchor="ctr"/>
+          <a:lstStyle/>
+          <a:p>
+            <a:pPr algn="ctr"/>
+            <a:endParaRPr lang="zh-CN" altLang="en-US">
+              <a:solidFill>
+                <a:prstClr val="white"/>
+              </a:solidFill>
+            </a:endParaRPr>
+          </a:p>
+        </p:txBody>
+      </p:sp>
+      <p:sp>
+        <p:nvSpPr>
+          <p:cNvPr id="27" name="Rectangle 26"/>
+          <p:cNvSpPr/>
+          <p:nvPr/>
+        </p:nvSpPr>
+        <p:spPr>
+          <a:xfrm>
+            <a:off x="11623039" y="51276"/>
+            <a:ext cx="568488" cy="780020"/>
+          </a:xfrm>
+          <a:prstGeom prst="rect">
+            <a:avLst/>
+          </a:prstGeom>
+          <a:solidFill>
+            <a:schemeClr val="tx1">
+              <a:lumMod val="75000"/>
+              <a:lumOff val="25000"/>
+            </a:schemeClr>
+          </a:solidFill>
+          <a:ln w="19050">
+            <a:noFill/>
+          </a:ln>
+        </p:spPr>
+        <p:style>
+          <a:lnRef idx="2">
+            <a:schemeClr val="accent1">
+              <a:shade val="50000"/>
+            </a:schemeClr>
+          </a:lnRef>
+          <a:fillRef idx="1">
+            <a:schemeClr val="accent1"/>
+          </a:fillRef>
+          <a:effectRef idx="0">
+            <a:schemeClr val="accent1"/>
+          </a:effectRef>
+          <a:fontRef idx="minor">
+            <a:schemeClr val="lt1"/>
+          </a:fontRef>
+        </p:style>
+        <p:txBody>
+          <a:bodyPr rtlCol="0" anchor="ctr"/>
+          <a:lstStyle/>
+          <a:p>
+            <a:pPr algn="ctr"/>
+            <a:r>
+              <a:rPr lang="zh-CN" altLang="en-US" sz="1600" dirty="0" smtClean="0">
+                <a:solidFill>
+                  <a:prstClr val="white"/>
+                </a:solidFill>
+              </a:rPr>
+              <a:t>移动端</a:t>
+            </a:r>
+            <a:endParaRPr lang="en-US" altLang="zh-CN" sz="1600" dirty="0">
+              <a:solidFill>
+                <a:prstClr val="white"/>
+              </a:solidFill>
+            </a:endParaRPr>
+          </a:p>
+        </p:txBody>
+      </p:sp>
+      <p:cxnSp>
+        <p:nvCxnSpPr>
+          <p:cNvPr id="20" name="Straight Connector 19"/>
+          <p:cNvCxnSpPr/>
+          <p:nvPr/>
+        </p:nvCxnSpPr>
+        <p:spPr>
+          <a:xfrm>
+            <a:off x="1863859" y="1341690"/>
+            <a:ext cx="3583923" cy="0"/>
+          </a:xfrm>
+          <a:prstGeom prst="line">
+            <a:avLst/>
+          </a:prstGeom>
+          <a:ln w="28575">
+            <a:solidFill>
+              <a:schemeClr val="tx2">
+                <a:lumMod val="75000"/>
+              </a:schemeClr>
+            </a:solidFill>
+          </a:ln>
+        </p:spPr>
+        <p:style>
+          <a:lnRef idx="1">
+            <a:schemeClr val="accent1"/>
+          </a:lnRef>
+          <a:fillRef idx="0">
+            <a:schemeClr val="accent1"/>
+          </a:fillRef>
+          <a:effectRef idx="0">
+            <a:schemeClr val="accent1"/>
+          </a:effectRef>
+          <a:fontRef idx="minor">
+            <a:schemeClr val="tx1"/>
+          </a:fontRef>
+        </p:style>
+      </p:cxnSp>
+      <p:sp>
+        <p:nvSpPr>
+          <p:cNvPr id="22" name="Rectangle 21"/>
+          <p:cNvSpPr/>
+          <p:nvPr/>
+        </p:nvSpPr>
+        <p:spPr>
+          <a:xfrm>
+            <a:off x="1855313" y="5768413"/>
+            <a:ext cx="3602030" cy="954909"/>
+          </a:xfrm>
+          <a:prstGeom prst="rect">
+            <a:avLst/>
+          </a:prstGeom>
+          <a:solidFill>
+            <a:schemeClr val="tx2">
+              <a:lumMod val="75000"/>
+            </a:schemeClr>
+          </a:solidFill>
+          <a:ln>
+            <a:solidFill>
+              <a:schemeClr val="bg1"/>
+            </a:solidFill>
+          </a:ln>
+        </p:spPr>
+        <p:style>
+          <a:lnRef idx="2">
+            <a:schemeClr val="accent1">
+              <a:shade val="50000"/>
+            </a:schemeClr>
+          </a:lnRef>
+          <a:fillRef idx="1">
+            <a:schemeClr val="accent1"/>
+          </a:fillRef>
+          <a:effectRef idx="0">
+            <a:schemeClr val="accent1"/>
+          </a:effectRef>
+          <a:fontRef idx="minor">
+            <a:schemeClr val="lt1"/>
+          </a:fontRef>
+        </p:style>
+        <p:txBody>
+          <a:bodyPr rtlCol="0" anchor="ctr"/>
+          <a:lstStyle/>
+          <a:p>
+            <a:pPr algn="ctr"/>
+            <a:endParaRPr lang="zh-CN" altLang="en-US">
+              <a:solidFill>
+                <a:prstClr val="white"/>
+              </a:solidFill>
+            </a:endParaRPr>
+          </a:p>
+        </p:txBody>
+      </p:sp>
+      <p:sp>
+        <p:nvSpPr>
+          <p:cNvPr id="23" name="Rounded Rectangle 22"/>
+          <p:cNvSpPr/>
+          <p:nvPr/>
+        </p:nvSpPr>
+        <p:spPr>
+          <a:xfrm>
+            <a:off x="1987009" y="5904035"/>
+            <a:ext cx="1581235" cy="727201"/>
+          </a:xfrm>
+          <a:prstGeom prst="roundRect">
+            <a:avLst>
+              <a:gd name="adj" fmla="val 9736"/>
+            </a:avLst>
+          </a:prstGeom>
+        </p:spPr>
+        <p:style>
+          <a:lnRef idx="3">
+            <a:schemeClr val="lt1"/>
+          </a:lnRef>
+          <a:fillRef idx="1">
+            <a:schemeClr val="accent5"/>
+          </a:fillRef>
+          <a:effectRef idx="1">
+            <a:schemeClr val="accent5"/>
+          </a:effectRef>
+          <a:fontRef idx="minor">
+            <a:schemeClr val="lt1"/>
+          </a:fontRef>
+        </p:style>
+        <p:txBody>
+          <a:bodyPr rtlCol="0" anchor="ctr"/>
+          <a:lstStyle/>
+          <a:p>
+            <a:pPr algn="ctr"/>
+            <a:r>
+              <a:rPr lang="en-US" altLang="zh-CN" dirty="0" err="1" smtClean="0">
+                <a:solidFill>
+                  <a:prstClr val="white"/>
+                </a:solidFill>
+              </a:rPr>
+              <a:t>bababbaba</a:t>
+            </a:r>
+            <a:endParaRPr lang="zh-CN" altLang="en-US" dirty="0">
+              <a:solidFill>
+                <a:prstClr val="white"/>
+              </a:solidFill>
+            </a:endParaRPr>
+          </a:p>
+        </p:txBody>
+      </p:sp>
+      <p:sp>
+        <p:nvSpPr>
+          <p:cNvPr id="35" name="Rounded Rectangle 34"/>
+          <p:cNvSpPr/>
+          <p:nvPr/>
+        </p:nvSpPr>
+        <p:spPr>
+          <a:xfrm>
+            <a:off x="3744413" y="5904035"/>
+            <a:ext cx="1581235" cy="727201"/>
+          </a:xfrm>
+          <a:prstGeom prst="roundRect">
+            <a:avLst>
+              <a:gd name="adj" fmla="val 9736"/>
+            </a:avLst>
+          </a:prstGeom>
+        </p:spPr>
+        <p:style>
+          <a:lnRef idx="3">
+            <a:schemeClr val="lt1"/>
+          </a:lnRef>
+          <a:fillRef idx="1">
+            <a:schemeClr val="accent5"/>
+          </a:fillRef>
+          <a:effectRef idx="1">
+            <a:schemeClr val="accent5"/>
+          </a:effectRef>
+          <a:fontRef idx="minor">
+            <a:schemeClr val="lt1"/>
+          </a:fontRef>
+        </p:style>
+        <p:txBody>
+          <a:bodyPr rtlCol="0" anchor="ctr"/>
+          <a:lstStyle/>
+          <a:p>
+            <a:pPr algn="ctr"/>
+            <a:r>
+              <a:rPr lang="en-US" altLang="zh-CN" dirty="0" err="1" smtClean="0">
+                <a:solidFill>
+                  <a:prstClr val="white"/>
+                </a:solidFill>
+              </a:rPr>
+              <a:t>babbaba</a:t>
+            </a:r>
+            <a:endParaRPr lang="zh-CN" altLang="en-US" dirty="0">
+              <a:solidFill>
+                <a:prstClr val="white"/>
+              </a:solidFill>
+            </a:endParaRPr>
+          </a:p>
+        </p:txBody>
+      </p:sp>
+      <p:cxnSp>
+        <p:nvCxnSpPr>
+          <p:cNvPr id="26" name="Straight Connector 25"/>
+          <p:cNvCxnSpPr/>
+          <p:nvPr/>
+        </p:nvCxnSpPr>
+        <p:spPr>
+          <a:xfrm>
+            <a:off x="1987009" y="2050991"/>
+            <a:ext cx="3338639" cy="0"/>
+          </a:xfrm>
+          <a:prstGeom prst="line">
+            <a:avLst/>
+          </a:prstGeom>
+          <a:ln>
+            <a:solidFill>
+              <a:schemeClr val="bg1">
+                <a:lumMod val="75000"/>
+              </a:schemeClr>
+            </a:solidFill>
+          </a:ln>
+        </p:spPr>
+        <p:style>
+          <a:lnRef idx="1">
+            <a:schemeClr val="accent1"/>
+          </a:lnRef>
+          <a:fillRef idx="0">
+            <a:schemeClr val="accent1"/>
+          </a:fillRef>
+          <a:effectRef idx="0">
+            <a:schemeClr val="accent1"/>
+          </a:effectRef>
+          <a:fontRef idx="minor">
+            <a:schemeClr val="tx1"/>
+          </a:fontRef>
+        </p:style>
+      </p:cxnSp>
+      <p:cxnSp>
+        <p:nvCxnSpPr>
+          <p:cNvPr id="45" name="Straight Connector 44"/>
+          <p:cNvCxnSpPr/>
+          <p:nvPr/>
+        </p:nvCxnSpPr>
+        <p:spPr>
+          <a:xfrm>
+            <a:off x="1987009" y="2803021"/>
+            <a:ext cx="3338639" cy="0"/>
+          </a:xfrm>
+          <a:prstGeom prst="line">
+            <a:avLst/>
+          </a:prstGeom>
+          <a:ln>
+            <a:solidFill>
+              <a:schemeClr val="bg1">
+                <a:lumMod val="75000"/>
+              </a:schemeClr>
+            </a:solidFill>
+          </a:ln>
+        </p:spPr>
+        <p:style>
+          <a:lnRef idx="1">
+            <a:schemeClr val="accent1"/>
+          </a:lnRef>
+          <a:fillRef idx="0">
+            <a:schemeClr val="accent1"/>
+          </a:fillRef>
+          <a:effectRef idx="0">
+            <a:schemeClr val="accent1"/>
+          </a:effectRef>
+          <a:fontRef idx="minor">
+            <a:schemeClr val="tx1"/>
+          </a:fontRef>
+        </p:style>
+      </p:cxnSp>
+      <p:cxnSp>
+        <p:nvCxnSpPr>
+          <p:cNvPr id="49" name="Straight Connector 48"/>
+          <p:cNvCxnSpPr/>
+          <p:nvPr/>
+        </p:nvCxnSpPr>
+        <p:spPr>
+          <a:xfrm>
+            <a:off x="1987009" y="3572143"/>
+            <a:ext cx="3338639" cy="0"/>
+          </a:xfrm>
+          <a:prstGeom prst="line">
+            <a:avLst/>
+          </a:prstGeom>
+          <a:ln>
+            <a:solidFill>
+              <a:schemeClr val="bg1">
+                <a:lumMod val="75000"/>
+              </a:schemeClr>
+            </a:solidFill>
+          </a:ln>
+        </p:spPr>
+        <p:style>
+          <a:lnRef idx="1">
+            <a:schemeClr val="accent1"/>
+          </a:lnRef>
+          <a:fillRef idx="0">
+            <a:schemeClr val="accent1"/>
+          </a:fillRef>
+          <a:effectRef idx="0">
+            <a:schemeClr val="accent1"/>
+          </a:effectRef>
+          <a:fontRef idx="minor">
+            <a:schemeClr val="tx1"/>
+          </a:fontRef>
+        </p:style>
+      </p:cxnSp>
+      <p:cxnSp>
+        <p:nvCxnSpPr>
+          <p:cNvPr id="50" name="Straight Connector 49"/>
+          <p:cNvCxnSpPr/>
+          <p:nvPr/>
+        </p:nvCxnSpPr>
+        <p:spPr>
+          <a:xfrm>
+            <a:off x="1987009" y="4298535"/>
+            <a:ext cx="3338639" cy="0"/>
+          </a:xfrm>
+          <a:prstGeom prst="line">
+            <a:avLst/>
+          </a:prstGeom>
+          <a:ln>
+            <a:solidFill>
+              <a:schemeClr val="bg1">
+                <a:lumMod val="75000"/>
+              </a:schemeClr>
+            </a:solidFill>
+          </a:ln>
+        </p:spPr>
+        <p:style>
+          <a:lnRef idx="1">
+            <a:schemeClr val="accent1"/>
+          </a:lnRef>
+          <a:fillRef idx="0">
+            <a:schemeClr val="accent1"/>
+          </a:fillRef>
+          <a:effectRef idx="0">
+            <a:schemeClr val="accent1"/>
+          </a:effectRef>
+          <a:fontRef idx="minor">
+            <a:schemeClr val="tx1"/>
+          </a:fontRef>
+        </p:style>
+      </p:cxnSp>
+      <p:cxnSp>
+        <p:nvCxnSpPr>
+          <p:cNvPr id="51" name="Straight Connector 50"/>
+          <p:cNvCxnSpPr/>
+          <p:nvPr/>
+        </p:nvCxnSpPr>
+        <p:spPr>
+          <a:xfrm>
+            <a:off x="1987009" y="5024928"/>
+            <a:ext cx="3338639" cy="0"/>
+          </a:xfrm>
+          <a:prstGeom prst="line">
+            <a:avLst/>
+          </a:prstGeom>
+          <a:ln>
+            <a:solidFill>
+              <a:schemeClr val="bg1">
+                <a:lumMod val="75000"/>
+              </a:schemeClr>
+            </a:solidFill>
+          </a:ln>
+        </p:spPr>
+        <p:style>
+          <a:lnRef idx="1">
+            <a:schemeClr val="accent1"/>
+          </a:lnRef>
+          <a:fillRef idx="0">
+            <a:schemeClr val="accent1"/>
+          </a:fillRef>
+          <a:effectRef idx="0">
+            <a:schemeClr val="accent1"/>
+          </a:effectRef>
+          <a:fontRef idx="minor">
+            <a:schemeClr val="tx1"/>
+          </a:fontRef>
+        </p:style>
+      </p:cxnSp>
+      <p:sp>
+        <p:nvSpPr>
+          <p:cNvPr id="33" name="Rectangle 32"/>
+          <p:cNvSpPr/>
+          <p:nvPr/>
+        </p:nvSpPr>
+        <p:spPr>
+          <a:xfrm>
+            <a:off x="1863859" y="980414"/>
+            <a:ext cx="180137" cy="4831535"/>
+          </a:xfrm>
+          <a:prstGeom prst="rect">
+            <a:avLst/>
+          </a:prstGeom>
+          <a:solidFill>
+            <a:schemeClr val="tx2">
+              <a:lumMod val="75000"/>
+            </a:schemeClr>
+          </a:solidFill>
+          <a:ln>
+            <a:noFill/>
+          </a:ln>
+        </p:spPr>
+        <p:style>
+          <a:lnRef idx="3">
+            <a:schemeClr val="lt1"/>
+          </a:lnRef>
+          <a:fillRef idx="1">
+            <a:schemeClr val="accent5"/>
+          </a:fillRef>
+          <a:effectRef idx="1">
+            <a:schemeClr val="accent5"/>
+          </a:effectRef>
+          <a:fontRef idx="minor">
+            <a:schemeClr val="lt1"/>
+          </a:fontRef>
+        </p:style>
+        <p:txBody>
+          <a:bodyPr rtlCol="0" anchor="ctr"/>
+          <a:lstStyle/>
+          <a:p>
+            <a:pPr algn="ctr"/>
+            <a:r>
+              <a:rPr lang="en-US" altLang="zh-CN" dirty="0" smtClean="0">
+                <a:solidFill>
+                  <a:prstClr val="white"/>
+                </a:solidFill>
+              </a:rPr>
+              <a:t>.</a:t>
+            </a:r>
+          </a:p>
+          <a:p>
+            <a:pPr algn="ctr"/>
+            <a:r>
+              <a:rPr lang="en-US" altLang="zh-CN" dirty="0" smtClean="0">
+                <a:solidFill>
+                  <a:prstClr val="white"/>
+                </a:solidFill>
+              </a:rPr>
+              <a:t>.</a:t>
+            </a:r>
+          </a:p>
+          <a:p>
+            <a:pPr algn="ctr"/>
+            <a:r>
+              <a:rPr lang="en-US" altLang="zh-CN" dirty="0" smtClean="0">
+                <a:solidFill>
+                  <a:prstClr val="white"/>
+                </a:solidFill>
+              </a:rPr>
+              <a:t>.</a:t>
+            </a:r>
+          </a:p>
+          <a:p>
+            <a:pPr algn="ctr"/>
+            <a:r>
+              <a:rPr lang="en-US" altLang="zh-CN" dirty="0" smtClean="0">
+                <a:solidFill>
+                  <a:prstClr val="white"/>
+                </a:solidFill>
+              </a:rPr>
+              <a:t>.</a:t>
+            </a:r>
+          </a:p>
+          <a:p>
+            <a:pPr algn="ctr"/>
+            <a:r>
+              <a:rPr lang="en-US" altLang="zh-CN" dirty="0" smtClean="0">
+                <a:solidFill>
+                  <a:prstClr val="white"/>
+                </a:solidFill>
+              </a:rPr>
+              <a:t>.</a:t>
+            </a:r>
+          </a:p>
+          <a:p>
+            <a:pPr algn="ctr"/>
+            <a:r>
+              <a:rPr lang="en-US" altLang="zh-CN" dirty="0" smtClean="0">
+                <a:solidFill>
+                  <a:prstClr val="white"/>
+                </a:solidFill>
+              </a:rPr>
+              <a:t>.</a:t>
+            </a:r>
+          </a:p>
+          <a:p>
+            <a:pPr algn="ctr"/>
+            <a:r>
+              <a:rPr lang="en-US" altLang="zh-CN" dirty="0" smtClean="0">
+                <a:solidFill>
+                  <a:prstClr val="white"/>
+                </a:solidFill>
+              </a:rPr>
+              <a:t>.</a:t>
+            </a:r>
+          </a:p>
+          <a:p>
+            <a:pPr algn="ctr"/>
+            <a:r>
+              <a:rPr lang="en-US" altLang="zh-CN" dirty="0" smtClean="0">
+                <a:solidFill>
+                  <a:prstClr val="white"/>
+                </a:solidFill>
+              </a:rPr>
+              <a:t>.</a:t>
+            </a:r>
+          </a:p>
+          <a:p>
+            <a:pPr algn="ctr"/>
+            <a:r>
+              <a:rPr lang="en-US" altLang="zh-CN" dirty="0" smtClean="0">
+                <a:solidFill>
+                  <a:prstClr val="white"/>
+                </a:solidFill>
+              </a:rPr>
+              <a:t>.</a:t>
+            </a:r>
+          </a:p>
+          <a:p>
+            <a:pPr algn="ctr"/>
+            <a:r>
+              <a:rPr lang="en-US" altLang="zh-CN" dirty="0" smtClean="0">
+                <a:solidFill>
+                  <a:prstClr val="white"/>
+                </a:solidFill>
+              </a:rPr>
+              <a:t>.</a:t>
+            </a:r>
+          </a:p>
+          <a:p>
+            <a:pPr algn="ctr"/>
+            <a:r>
+              <a:rPr lang="en-US" altLang="zh-CN" dirty="0" smtClean="0">
+                <a:solidFill>
+                  <a:prstClr val="white"/>
+                </a:solidFill>
+              </a:rPr>
+              <a:t>.</a:t>
+            </a:r>
+          </a:p>
+          <a:p>
+            <a:pPr algn="ctr"/>
+            <a:r>
+              <a:rPr lang="en-US" altLang="zh-CN" dirty="0" smtClean="0">
+                <a:solidFill>
+                  <a:prstClr val="white"/>
+                </a:solidFill>
+              </a:rPr>
+              <a:t>.</a:t>
+            </a:r>
+          </a:p>
+          <a:p>
+            <a:pPr algn="ctr"/>
+            <a:r>
+              <a:rPr lang="en-US" altLang="zh-CN" dirty="0" smtClean="0">
+                <a:solidFill>
+                  <a:prstClr val="white"/>
+                </a:solidFill>
+              </a:rPr>
+              <a:t>.</a:t>
+            </a:r>
+          </a:p>
+          <a:p>
+            <a:pPr algn="ctr"/>
+            <a:r>
+              <a:rPr lang="en-US" altLang="zh-CN" dirty="0" smtClean="0">
+                <a:solidFill>
+                  <a:prstClr val="white"/>
+                </a:solidFill>
+              </a:rPr>
+              <a:t>.</a:t>
+            </a:r>
+          </a:p>
+          <a:p>
+            <a:pPr algn="ctr"/>
+            <a:r>
+              <a:rPr lang="en-US" altLang="zh-CN" dirty="0" smtClean="0">
+                <a:solidFill>
+                  <a:prstClr val="white"/>
+                </a:solidFill>
+              </a:rPr>
+              <a:t>.</a:t>
+            </a:r>
+          </a:p>
+          <a:p>
+            <a:pPr algn="ctr"/>
+            <a:r>
+              <a:rPr lang="en-US" altLang="zh-CN" dirty="0" smtClean="0">
+                <a:solidFill>
+                  <a:prstClr val="white"/>
+                </a:solidFill>
+              </a:rPr>
+              <a:t>.</a:t>
+            </a:r>
+          </a:p>
+          <a:p>
+            <a:pPr algn="ctr"/>
+            <a:r>
+              <a:rPr lang="en-US" altLang="zh-CN" dirty="0" smtClean="0">
+                <a:solidFill>
+                  <a:prstClr val="white"/>
+                </a:solidFill>
+              </a:rPr>
+              <a:t>.</a:t>
+            </a:r>
+          </a:p>
+          <a:p>
+            <a:pPr algn="ctr"/>
+            <a:r>
+              <a:rPr lang="en-US" altLang="zh-CN" dirty="0">
+                <a:solidFill>
+                  <a:prstClr val="white"/>
+                </a:solidFill>
+              </a:rPr>
+              <a:t>.</a:t>
+            </a:r>
+            <a:endParaRPr lang="zh-CN" altLang="en-US" dirty="0">
+              <a:solidFill>
+                <a:prstClr val="white"/>
+              </a:solidFill>
+            </a:endParaRPr>
+          </a:p>
+        </p:txBody>
+      </p:sp>
+      <p:sp>
+        <p:nvSpPr>
+          <p:cNvPr id="52" name="Rectangle 51"/>
+          <p:cNvSpPr/>
+          <p:nvPr/>
+        </p:nvSpPr>
+        <p:spPr>
+          <a:xfrm>
+            <a:off x="5220151" y="971868"/>
+            <a:ext cx="230055" cy="4840081"/>
+          </a:xfrm>
+          <a:prstGeom prst="rect">
+            <a:avLst/>
+          </a:prstGeom>
+          <a:solidFill>
+            <a:schemeClr val="tx2">
+              <a:lumMod val="75000"/>
+            </a:schemeClr>
+          </a:solidFill>
+          <a:ln>
+            <a:noFill/>
+          </a:ln>
+        </p:spPr>
+        <p:style>
+          <a:lnRef idx="3">
+            <a:schemeClr val="lt1"/>
+          </a:lnRef>
+          <a:fillRef idx="1">
+            <a:schemeClr val="accent5"/>
+          </a:fillRef>
+          <a:effectRef idx="1">
+            <a:schemeClr val="accent5"/>
+          </a:effectRef>
+          <a:fontRef idx="minor">
+            <a:schemeClr val="lt1"/>
+          </a:fontRef>
+        </p:style>
+        <p:txBody>
+          <a:bodyPr rtlCol="0" anchor="ctr"/>
+          <a:lstStyle/>
+          <a:p>
+            <a:pPr algn="ctr"/>
+            <a:endParaRPr lang="en-US" altLang="zh-CN" dirty="0" smtClean="0">
+              <a:solidFill>
+                <a:prstClr val="white"/>
+              </a:solidFill>
+            </a:endParaRPr>
+          </a:p>
+        </p:txBody>
+      </p:sp>
+      <p:cxnSp>
+        <p:nvCxnSpPr>
+          <p:cNvPr id="60" name="Straight Connector 59"/>
+          <p:cNvCxnSpPr/>
+          <p:nvPr/>
+        </p:nvCxnSpPr>
+        <p:spPr>
+          <a:xfrm>
+            <a:off x="2193541" y="4666005"/>
+            <a:ext cx="316194" cy="0"/>
+          </a:xfrm>
+          <a:prstGeom prst="line">
+            <a:avLst/>
+          </a:prstGeom>
+          <a:ln w="28575">
+            <a:solidFill>
+              <a:schemeClr val="tx2">
+                <a:lumMod val="75000"/>
+              </a:schemeClr>
+            </a:solidFill>
+          </a:ln>
+        </p:spPr>
+        <p:style>
+          <a:lnRef idx="1">
+            <a:schemeClr val="accent1"/>
+          </a:lnRef>
+          <a:fillRef idx="0">
+            <a:schemeClr val="accent1"/>
+          </a:fillRef>
+          <a:effectRef idx="0">
+            <a:schemeClr val="accent1"/>
+          </a:effectRef>
+          <a:fontRef idx="minor">
+            <a:schemeClr val="tx1"/>
+          </a:fontRef>
+        </p:style>
+      </p:cxnSp>
+      <p:cxnSp>
+        <p:nvCxnSpPr>
+          <p:cNvPr id="61" name="Straight Connector 60"/>
+          <p:cNvCxnSpPr/>
+          <p:nvPr/>
+        </p:nvCxnSpPr>
+        <p:spPr>
+          <a:xfrm>
+            <a:off x="4473605" y="4666005"/>
+            <a:ext cx="316194" cy="0"/>
+          </a:xfrm>
+          <a:prstGeom prst="line">
+            <a:avLst/>
+          </a:prstGeom>
+          <a:ln w="28575">
+            <a:solidFill>
+              <a:schemeClr val="tx2">
+                <a:lumMod val="75000"/>
+              </a:schemeClr>
+            </a:solidFill>
+          </a:ln>
+        </p:spPr>
+        <p:style>
+          <a:lnRef idx="1">
+            <a:schemeClr val="accent1"/>
+          </a:lnRef>
+          <a:fillRef idx="0">
+            <a:schemeClr val="accent1"/>
+          </a:fillRef>
+          <a:effectRef idx="0">
+            <a:schemeClr val="accent1"/>
+          </a:effectRef>
+          <a:fontRef idx="minor">
+            <a:schemeClr val="tx1"/>
+          </a:fontRef>
+        </p:style>
+      </p:cxnSp>
+      <p:sp>
+        <p:nvSpPr>
+          <p:cNvPr id="62" name="TextBox 61"/>
+          <p:cNvSpPr txBox="1"/>
+          <p:nvPr/>
+        </p:nvSpPr>
+        <p:spPr>
+          <a:xfrm>
+            <a:off x="2639641" y="4464096"/>
+            <a:ext cx="2150158" cy="646331"/>
+          </a:xfrm>
+          <a:prstGeom prst="rect">
+            <a:avLst/>
+          </a:prstGeom>
+          <a:noFill/>
+        </p:spPr>
+        <p:txBody>
+          <a:bodyPr wrap="square" rtlCol="0">
+            <a:spAutoFit/>
+          </a:bodyPr>
+          <a:lstStyle/>
+          <a:p>
+            <a:r>
+              <a:rPr lang="en-US" altLang="zh-CN" dirty="0" err="1" smtClean="0">
+                <a:solidFill>
+                  <a:prstClr val="white"/>
+                </a:solidFill>
+              </a:rPr>
+              <a:t>Balbalblablalbal</a:t>
+            </a:r>
+            <a:endParaRPr lang="en-US" altLang="zh-CN" dirty="0" smtClean="0">
+              <a:solidFill>
+                <a:prstClr val="white"/>
+              </a:solidFill>
+            </a:endParaRPr>
+          </a:p>
+          <a:p>
+            <a:endParaRPr lang="zh-CN" altLang="en-US" dirty="0">
+              <a:solidFill>
+                <a:prstClr val="black"/>
+              </a:solidFill>
+            </a:endParaRPr>
+          </a:p>
+        </p:txBody>
+      </p:sp>
+      <p:grpSp>
+        <p:nvGrpSpPr>
+          <p:cNvPr id="65" name="Group 64"/>
+          <p:cNvGrpSpPr/>
+          <p:nvPr/>
+        </p:nvGrpSpPr>
+        <p:grpSpPr>
+          <a:xfrm>
+            <a:off x="2103022" y="1506413"/>
+            <a:ext cx="2123704" cy="407846"/>
+            <a:chOff x="4513945" y="1506413"/>
+            <a:chExt cx="2123704" cy="407846"/>
+          </a:xfrm>
+        </p:grpSpPr>
+        <p:sp>
+          <p:nvSpPr>
+            <p:cNvPr id="63" name="Line Callout 1 62"/>
+            <p:cNvSpPr/>
+            <p:nvPr/>
+          </p:nvSpPr>
+          <p:spPr>
+            <a:xfrm>
+              <a:off x="4513945" y="1506413"/>
+              <a:ext cx="63218" cy="407846"/>
+            </a:xfrm>
+            <a:prstGeom prst="borderCallout1">
+              <a:avLst>
+                <a:gd name="adj1" fmla="val 56466"/>
+                <a:gd name="adj2" fmla="val -8333"/>
+                <a:gd name="adj3" fmla="val 104166"/>
+                <a:gd name="adj4" fmla="val -115255"/>
+              </a:avLst>
+            </a:prstGeom>
+            <a:solidFill>
+              <a:schemeClr val="tx2">
+                <a:lumMod val="75000"/>
+              </a:schemeClr>
+            </a:solidFill>
+            <a:ln w="28575">
+              <a:solidFill>
+                <a:schemeClr val="tx2">
+                  <a:lumMod val="75000"/>
+                </a:schemeClr>
+              </a:solidFill>
+            </a:ln>
+          </p:spPr>
+          <p:style>
+            <a:lnRef idx="2">
+              <a:schemeClr val="accent1">
+                <a:shade val="50000"/>
+              </a:schemeClr>
+            </a:lnRef>
+            <a:fillRef idx="1">
+              <a:schemeClr val="accent1"/>
+            </a:fillRef>
+            <a:effectRef idx="0">
+              <a:schemeClr val="accent1"/>
+            </a:effectRef>
+            <a:fontRef idx="minor">
+              <a:schemeClr val="lt1"/>
+            </a:fontRef>
+          </p:style>
+          <p:txBody>
+            <a:bodyPr rtlCol="0" anchor="ctr"/>
+            <a:lstStyle/>
+            <a:p>
+              <a:pPr algn="ctr"/>
+              <a:endParaRPr lang="zh-CN" altLang="en-US">
+                <a:solidFill>
+                  <a:prstClr val="white"/>
+                </a:solidFill>
+              </a:endParaRPr>
+            </a:p>
+          </p:txBody>
+        </p:sp>
+        <p:sp>
+          <p:nvSpPr>
+            <p:cNvPr id="64" name="TextBox 63"/>
+            <p:cNvSpPr txBox="1"/>
+            <p:nvPr/>
+          </p:nvSpPr>
+          <p:spPr>
+            <a:xfrm>
+              <a:off x="4674670" y="1507403"/>
+              <a:ext cx="1962979" cy="369332"/>
+            </a:xfrm>
+            <a:prstGeom prst="rect">
+              <a:avLst/>
+            </a:prstGeom>
+            <a:noFill/>
+          </p:spPr>
+          <p:txBody>
+            <a:bodyPr wrap="square" rtlCol="0">
+              <a:spAutoFit/>
+            </a:bodyPr>
+            <a:lstStyle/>
+            <a:p>
+              <a:r>
+                <a:rPr lang="en-US" altLang="zh-CN" dirty="0" err="1" smtClean="0">
+                  <a:solidFill>
+                    <a:prstClr val="black"/>
+                  </a:solidFill>
+                </a:rPr>
+                <a:t>bababbababab</a:t>
+              </a:r>
+              <a:endParaRPr lang="zh-CN" altLang="en-US" dirty="0">
+                <a:solidFill>
+                  <a:prstClr val="black"/>
+                </a:solidFill>
+              </a:endParaRPr>
+            </a:p>
+          </p:txBody>
+        </p:sp>
+      </p:grpSp>
+      <p:grpSp>
+        <p:nvGrpSpPr>
+          <p:cNvPr id="66" name="Group 65"/>
+          <p:cNvGrpSpPr/>
+          <p:nvPr/>
+        </p:nvGrpSpPr>
+        <p:grpSpPr>
+          <a:xfrm>
+            <a:off x="2103022" y="2258444"/>
+            <a:ext cx="2123704" cy="407846"/>
+            <a:chOff x="4513945" y="1506413"/>
+            <a:chExt cx="2123704" cy="407846"/>
+          </a:xfrm>
+        </p:grpSpPr>
+        <p:sp>
+          <p:nvSpPr>
+            <p:cNvPr id="67" name="Line Callout 1 66"/>
+            <p:cNvSpPr/>
+            <p:nvPr/>
+          </p:nvSpPr>
+          <p:spPr>
+            <a:xfrm>
+              <a:off x="4513945" y="1506413"/>
+              <a:ext cx="63218" cy="407846"/>
+            </a:xfrm>
+            <a:prstGeom prst="borderCallout1">
+              <a:avLst>
+                <a:gd name="adj1" fmla="val 56466"/>
+                <a:gd name="adj2" fmla="val -8333"/>
+                <a:gd name="adj3" fmla="val 104166"/>
+                <a:gd name="adj4" fmla="val -115255"/>
+              </a:avLst>
+            </a:prstGeom>
+            <a:solidFill>
+              <a:schemeClr val="accent6">
+                <a:lumMod val="50000"/>
+              </a:schemeClr>
+            </a:solidFill>
+            <a:ln w="28575">
+              <a:solidFill>
+                <a:schemeClr val="accent6">
+                  <a:lumMod val="50000"/>
+                </a:schemeClr>
+              </a:solidFill>
+            </a:ln>
+          </p:spPr>
+          <p:style>
+            <a:lnRef idx="2">
+              <a:schemeClr val="accent1">
+                <a:shade val="50000"/>
+              </a:schemeClr>
+            </a:lnRef>
+            <a:fillRef idx="1">
+              <a:schemeClr val="accent1"/>
+            </a:fillRef>
+            <a:effectRef idx="0">
+              <a:schemeClr val="accent1"/>
+            </a:effectRef>
+            <a:fontRef idx="minor">
+              <a:schemeClr val="lt1"/>
+            </a:fontRef>
+          </p:style>
+          <p:txBody>
+            <a:bodyPr rtlCol="0" anchor="ctr"/>
+            <a:lstStyle/>
+            <a:p>
+              <a:pPr algn="ctr"/>
+              <a:endParaRPr lang="zh-CN" altLang="en-US">
+                <a:solidFill>
+                  <a:srgbClr val="70AD47">
+                    <a:lumMod val="50000"/>
+                  </a:srgbClr>
+                </a:solidFill>
+              </a:endParaRPr>
+            </a:p>
+          </p:txBody>
+        </p:sp>
+        <p:sp>
+          <p:nvSpPr>
+            <p:cNvPr id="68" name="TextBox 67"/>
+            <p:cNvSpPr txBox="1"/>
+            <p:nvPr/>
+          </p:nvSpPr>
+          <p:spPr>
+            <a:xfrm>
+              <a:off x="4674670" y="1507403"/>
+              <a:ext cx="1962979" cy="369332"/>
+            </a:xfrm>
+            <a:prstGeom prst="rect">
+              <a:avLst/>
+            </a:prstGeom>
+            <a:noFill/>
+          </p:spPr>
+          <p:txBody>
+            <a:bodyPr wrap="square" rtlCol="0">
+              <a:spAutoFit/>
+            </a:bodyPr>
+            <a:lstStyle/>
+            <a:p>
+              <a:r>
+                <a:rPr lang="en-US" altLang="zh-CN" dirty="0" err="1" smtClean="0">
+                  <a:solidFill>
+                    <a:srgbClr val="70AD47">
+                      <a:lumMod val="50000"/>
+                    </a:srgbClr>
+                  </a:solidFill>
+                </a:rPr>
+                <a:t>bababbababab</a:t>
+              </a:r>
+              <a:endParaRPr lang="zh-CN" altLang="en-US" dirty="0">
+                <a:solidFill>
+                  <a:srgbClr val="70AD47">
+                    <a:lumMod val="50000"/>
+                  </a:srgbClr>
+                </a:solidFill>
+              </a:endParaRPr>
+            </a:p>
+          </p:txBody>
+        </p:sp>
+      </p:grpSp>
+      <p:grpSp>
+        <p:nvGrpSpPr>
+          <p:cNvPr id="69" name="Group 68"/>
+          <p:cNvGrpSpPr/>
+          <p:nvPr/>
+        </p:nvGrpSpPr>
+        <p:grpSpPr>
+          <a:xfrm>
+            <a:off x="2103022" y="2994522"/>
+            <a:ext cx="2123704" cy="407846"/>
+            <a:chOff x="4513945" y="1506413"/>
+            <a:chExt cx="2123704" cy="407846"/>
+          </a:xfrm>
+        </p:grpSpPr>
+        <p:sp>
+          <p:nvSpPr>
+            <p:cNvPr id="70" name="Line Callout 1 69"/>
+            <p:cNvSpPr/>
+            <p:nvPr/>
+          </p:nvSpPr>
+          <p:spPr>
+            <a:xfrm>
+              <a:off x="4513945" y="1506413"/>
+              <a:ext cx="63218" cy="407846"/>
+            </a:xfrm>
+            <a:prstGeom prst="borderCallout1">
+              <a:avLst>
+                <a:gd name="adj1" fmla="val 56466"/>
+                <a:gd name="adj2" fmla="val -8333"/>
+                <a:gd name="adj3" fmla="val 104166"/>
+                <a:gd name="adj4" fmla="val -115255"/>
+              </a:avLst>
+            </a:prstGeom>
+            <a:solidFill>
+              <a:schemeClr val="tx2">
+                <a:lumMod val="75000"/>
+              </a:schemeClr>
+            </a:solidFill>
+            <a:ln w="28575">
+              <a:solidFill>
+                <a:schemeClr val="tx2">
+                  <a:lumMod val="75000"/>
+                </a:schemeClr>
+              </a:solidFill>
+            </a:ln>
+          </p:spPr>
+          <p:style>
+            <a:lnRef idx="2">
+              <a:schemeClr val="accent1">
+                <a:shade val="50000"/>
+              </a:schemeClr>
+            </a:lnRef>
+            <a:fillRef idx="1">
+              <a:schemeClr val="accent1"/>
+            </a:fillRef>
+            <a:effectRef idx="0">
+              <a:schemeClr val="accent1"/>
+            </a:effectRef>
+            <a:fontRef idx="minor">
+              <a:schemeClr val="lt1"/>
+            </a:fontRef>
+          </p:style>
+          <p:txBody>
+            <a:bodyPr rtlCol="0" anchor="ctr"/>
+            <a:lstStyle/>
+            <a:p>
+              <a:pPr algn="ctr"/>
+              <a:endParaRPr lang="zh-CN" altLang="en-US">
+                <a:solidFill>
+                  <a:prstClr val="white"/>
+                </a:solidFill>
+              </a:endParaRPr>
+            </a:p>
+          </p:txBody>
+        </p:sp>
+        <p:sp>
+          <p:nvSpPr>
+            <p:cNvPr id="71" name="TextBox 70"/>
+            <p:cNvSpPr txBox="1"/>
+            <p:nvPr/>
+          </p:nvSpPr>
+          <p:spPr>
+            <a:xfrm>
+              <a:off x="4674670" y="1507403"/>
+              <a:ext cx="1962979" cy="369332"/>
+            </a:xfrm>
+            <a:prstGeom prst="rect">
+              <a:avLst/>
+            </a:prstGeom>
+            <a:noFill/>
+          </p:spPr>
+          <p:txBody>
+            <a:bodyPr wrap="square" rtlCol="0">
+              <a:spAutoFit/>
+            </a:bodyPr>
+            <a:lstStyle/>
+            <a:p>
+              <a:r>
+                <a:rPr lang="en-US" altLang="zh-CN" dirty="0" err="1" smtClean="0">
+                  <a:solidFill>
+                    <a:prstClr val="black"/>
+                  </a:solidFill>
+                </a:rPr>
+                <a:t>bababbababab</a:t>
+              </a:r>
+              <a:endParaRPr lang="zh-CN" altLang="en-US" dirty="0">
+                <a:solidFill>
+                  <a:prstClr val="black"/>
+                </a:solidFill>
+              </a:endParaRPr>
+            </a:p>
+          </p:txBody>
+        </p:sp>
+      </p:grpSp>
+      <p:grpSp>
+        <p:nvGrpSpPr>
+          <p:cNvPr id="72" name="Group 71"/>
+          <p:cNvGrpSpPr/>
+          <p:nvPr/>
+        </p:nvGrpSpPr>
+        <p:grpSpPr>
+          <a:xfrm>
+            <a:off x="2103022" y="3750861"/>
+            <a:ext cx="2123704" cy="407846"/>
+            <a:chOff x="4513945" y="1506413"/>
+            <a:chExt cx="2123704" cy="407846"/>
+          </a:xfrm>
+        </p:grpSpPr>
+        <p:sp>
+          <p:nvSpPr>
+            <p:cNvPr id="73" name="Line Callout 1 72"/>
+            <p:cNvSpPr/>
+            <p:nvPr/>
+          </p:nvSpPr>
+          <p:spPr>
+            <a:xfrm>
+              <a:off x="4513945" y="1506413"/>
+              <a:ext cx="63218" cy="407846"/>
+            </a:xfrm>
+            <a:prstGeom prst="borderCallout1">
+              <a:avLst>
+                <a:gd name="adj1" fmla="val 56466"/>
+                <a:gd name="adj2" fmla="val -8333"/>
+                <a:gd name="adj3" fmla="val 104166"/>
+                <a:gd name="adj4" fmla="val -115255"/>
+              </a:avLst>
+            </a:prstGeom>
+            <a:solidFill>
+              <a:schemeClr val="accent2">
+                <a:lumMod val="75000"/>
+              </a:schemeClr>
+            </a:solidFill>
+            <a:ln w="28575">
+              <a:solidFill>
+                <a:schemeClr val="accent2">
+                  <a:lumMod val="75000"/>
+                </a:schemeClr>
+              </a:solidFill>
+            </a:ln>
+          </p:spPr>
+          <p:style>
+            <a:lnRef idx="2">
+              <a:schemeClr val="accent1">
+                <a:shade val="50000"/>
+              </a:schemeClr>
+            </a:lnRef>
+            <a:fillRef idx="1">
+              <a:schemeClr val="accent1"/>
+            </a:fillRef>
+            <a:effectRef idx="0">
+              <a:schemeClr val="accent1"/>
+            </a:effectRef>
+            <a:fontRef idx="minor">
+              <a:schemeClr val="lt1"/>
+            </a:fontRef>
+          </p:style>
+          <p:txBody>
+            <a:bodyPr rtlCol="0" anchor="ctr"/>
+            <a:lstStyle/>
+            <a:p>
+              <a:pPr algn="ctr"/>
+              <a:endParaRPr lang="zh-CN" altLang="en-US">
+                <a:solidFill>
+                  <a:srgbClr val="ED7D31">
+                    <a:lumMod val="75000"/>
+                  </a:srgbClr>
+                </a:solidFill>
+              </a:endParaRPr>
+            </a:p>
+          </p:txBody>
+        </p:sp>
+        <p:sp>
+          <p:nvSpPr>
+            <p:cNvPr id="74" name="TextBox 73"/>
+            <p:cNvSpPr txBox="1"/>
+            <p:nvPr/>
+          </p:nvSpPr>
+          <p:spPr>
+            <a:xfrm>
+              <a:off x="4674670" y="1507403"/>
+              <a:ext cx="1962979" cy="369332"/>
+            </a:xfrm>
+            <a:prstGeom prst="rect">
+              <a:avLst/>
+            </a:prstGeom>
+            <a:noFill/>
+          </p:spPr>
+          <p:txBody>
+            <a:bodyPr wrap="square" rtlCol="0">
+              <a:spAutoFit/>
+            </a:bodyPr>
+            <a:lstStyle/>
+            <a:p>
+              <a:r>
+                <a:rPr lang="en-US" altLang="zh-CN" dirty="0" err="1" smtClean="0">
+                  <a:solidFill>
+                    <a:srgbClr val="ED7D31">
+                      <a:lumMod val="75000"/>
+                    </a:srgbClr>
+                  </a:solidFill>
+                </a:rPr>
+                <a:t>bababbababab</a:t>
+              </a:r>
+              <a:endParaRPr lang="zh-CN" altLang="en-US" dirty="0">
+                <a:solidFill>
+                  <a:srgbClr val="ED7D31">
+                    <a:lumMod val="75000"/>
+                  </a:srgbClr>
+                </a:solidFill>
+              </a:endParaRPr>
+            </a:p>
+          </p:txBody>
+        </p:sp>
+      </p:grpSp>
+      <p:grpSp>
+        <p:nvGrpSpPr>
+          <p:cNvPr id="75" name="Group 74"/>
+          <p:cNvGrpSpPr/>
+          <p:nvPr/>
+        </p:nvGrpSpPr>
+        <p:grpSpPr>
+          <a:xfrm>
+            <a:off x="2103022" y="5216429"/>
+            <a:ext cx="2123704" cy="407846"/>
+            <a:chOff x="4513945" y="1506413"/>
+            <a:chExt cx="2123704" cy="407846"/>
+          </a:xfrm>
+        </p:grpSpPr>
+        <p:sp>
+          <p:nvSpPr>
+            <p:cNvPr id="76" name="Line Callout 1 75"/>
+            <p:cNvSpPr/>
+            <p:nvPr/>
+          </p:nvSpPr>
+          <p:spPr>
+            <a:xfrm>
+              <a:off x="4513945" y="1506413"/>
+              <a:ext cx="63218" cy="407846"/>
+            </a:xfrm>
+            <a:prstGeom prst="borderCallout1">
+              <a:avLst>
+                <a:gd name="adj1" fmla="val 56466"/>
+                <a:gd name="adj2" fmla="val -8333"/>
+                <a:gd name="adj3" fmla="val 104166"/>
+                <a:gd name="adj4" fmla="val -115255"/>
+              </a:avLst>
+            </a:prstGeom>
+            <a:solidFill>
+              <a:schemeClr val="tx2">
+                <a:lumMod val="75000"/>
+              </a:schemeClr>
+            </a:solidFill>
+            <a:ln w="28575">
+              <a:solidFill>
+                <a:schemeClr val="tx2">
+                  <a:lumMod val="75000"/>
+                </a:schemeClr>
+              </a:solidFill>
+            </a:ln>
+          </p:spPr>
+          <p:style>
+            <a:lnRef idx="2">
+              <a:schemeClr val="accent1">
+                <a:shade val="50000"/>
+              </a:schemeClr>
+            </a:lnRef>
+            <a:fillRef idx="1">
+              <a:schemeClr val="accent1"/>
+            </a:fillRef>
+            <a:effectRef idx="0">
+              <a:schemeClr val="accent1"/>
+            </a:effectRef>
+            <a:fontRef idx="minor">
+              <a:schemeClr val="lt1"/>
+            </a:fontRef>
+          </p:style>
+          <p:txBody>
+            <a:bodyPr rtlCol="0" anchor="ctr"/>
+            <a:lstStyle/>
+            <a:p>
+              <a:pPr algn="ctr"/>
+              <a:endParaRPr lang="zh-CN" altLang="en-US">
+                <a:solidFill>
+                  <a:prstClr val="white"/>
+                </a:solidFill>
+              </a:endParaRPr>
+            </a:p>
+          </p:txBody>
+        </p:sp>
+        <p:sp>
+          <p:nvSpPr>
+            <p:cNvPr id="77" name="TextBox 76"/>
+            <p:cNvSpPr txBox="1"/>
+            <p:nvPr/>
+          </p:nvSpPr>
+          <p:spPr>
+            <a:xfrm>
+              <a:off x="4674670" y="1507403"/>
+              <a:ext cx="1962979" cy="369332"/>
+            </a:xfrm>
+            <a:prstGeom prst="rect">
+              <a:avLst/>
+            </a:prstGeom>
+            <a:noFill/>
+          </p:spPr>
+          <p:txBody>
+            <a:bodyPr wrap="square" rtlCol="0">
+              <a:spAutoFit/>
+            </a:bodyPr>
+            <a:lstStyle/>
+            <a:p>
+              <a:r>
+                <a:rPr lang="en-US" altLang="zh-CN" dirty="0" err="1" smtClean="0">
+                  <a:solidFill>
+                    <a:prstClr val="black"/>
+                  </a:solidFill>
+                </a:rPr>
+                <a:t>bababbababab</a:t>
+              </a:r>
+              <a:endParaRPr lang="zh-CN" altLang="en-US" dirty="0">
+                <a:solidFill>
+                  <a:prstClr val="black"/>
+                </a:solidFill>
+              </a:endParaRPr>
+            </a:p>
+          </p:txBody>
+        </p:sp>
+      </p:grpSp>
+      <p:sp>
+        <p:nvSpPr>
+          <p:cNvPr id="78" name="Line Callout 1 77"/>
+          <p:cNvSpPr/>
+          <p:nvPr/>
+        </p:nvSpPr>
+        <p:spPr>
+          <a:xfrm>
+            <a:off x="2110141" y="1026425"/>
+            <a:ext cx="769791" cy="270405"/>
+          </a:xfrm>
+          <a:prstGeom prst="borderCallout1">
+            <a:avLst>
+              <a:gd name="adj1" fmla="val 44026"/>
+              <a:gd name="adj2" fmla="val 13857"/>
+              <a:gd name="adj3" fmla="val 84217"/>
+              <a:gd name="adj4" fmla="val -18292"/>
+            </a:avLst>
+          </a:prstGeom>
+          <a:solidFill>
+            <a:schemeClr val="tx2">
+              <a:lumMod val="75000"/>
+            </a:schemeClr>
+          </a:solidFill>
+          <a:ln w="28575">
+            <a:solidFill>
+              <a:schemeClr val="tx2">
+                <a:lumMod val="75000"/>
+              </a:schemeClr>
+            </a:solidFill>
+          </a:ln>
+        </p:spPr>
+        <p:style>
+          <a:lnRef idx="2">
+            <a:schemeClr val="accent1">
+              <a:shade val="50000"/>
+            </a:schemeClr>
+          </a:lnRef>
+          <a:fillRef idx="1">
+            <a:schemeClr val="accent1"/>
+          </a:fillRef>
+          <a:effectRef idx="0">
+            <a:schemeClr val="accent1"/>
+          </a:effectRef>
+          <a:fontRef idx="minor">
+            <a:schemeClr val="lt1"/>
+          </a:fontRef>
+        </p:style>
+        <p:txBody>
+          <a:bodyPr rtlCol="0" anchor="ctr"/>
+          <a:lstStyle/>
+          <a:p>
+            <a:pPr algn="ctr"/>
+            <a:r>
+              <a:rPr lang="en-US" altLang="zh-CN" sz="1200" dirty="0" smtClean="0">
+                <a:solidFill>
+                  <a:prstClr val="white"/>
+                </a:solidFill>
+              </a:rPr>
+              <a:t>2069</a:t>
+            </a:r>
+            <a:r>
+              <a:rPr lang="zh-CN" altLang="en-US" sz="1200" dirty="0">
+                <a:solidFill>
+                  <a:prstClr val="white"/>
+                </a:solidFill>
+              </a:rPr>
+              <a:t>年</a:t>
+            </a:r>
+          </a:p>
+        </p:txBody>
+      </p:sp>
+      <p:sp>
+        <p:nvSpPr>
+          <p:cNvPr id="82" name="Right Brace 81"/>
+          <p:cNvSpPr/>
+          <p:nvPr/>
+        </p:nvSpPr>
+        <p:spPr>
+          <a:xfrm>
+            <a:off x="5571858" y="1506413"/>
+            <a:ext cx="1162228" cy="4080338"/>
+          </a:xfrm>
+          <a:prstGeom prst="rightBrace">
+            <a:avLst>
+              <a:gd name="adj1" fmla="val 8333"/>
+              <a:gd name="adj2" fmla="val 50209"/>
+            </a:avLst>
+          </a:prstGeom>
+        </p:spPr>
+        <p:style>
+          <a:lnRef idx="1">
+            <a:schemeClr val="accent1"/>
+          </a:lnRef>
+          <a:fillRef idx="0">
+            <a:schemeClr val="accent1"/>
+          </a:fillRef>
+          <a:effectRef idx="0">
+            <a:schemeClr val="accent1"/>
+          </a:effectRef>
+          <a:fontRef idx="minor">
+            <a:schemeClr val="tx1"/>
+          </a:fontRef>
+        </p:style>
+        <p:txBody>
+          <a:bodyPr rtlCol="0" anchor="ctr"/>
+          <a:lstStyle/>
+          <a:p>
+            <a:pPr algn="ctr"/>
+            <a:endParaRPr lang="zh-CN" altLang="en-US">
+              <a:solidFill>
+                <a:prstClr val="black"/>
+              </a:solidFill>
+            </a:endParaRPr>
+          </a:p>
+        </p:txBody>
+      </p:sp>
+      <p:sp>
+        <p:nvSpPr>
+          <p:cNvPr id="83" name="TextBox 82"/>
+          <p:cNvSpPr txBox="1"/>
+          <p:nvPr/>
+        </p:nvSpPr>
+        <p:spPr>
+          <a:xfrm>
+            <a:off x="6819544" y="3364844"/>
+            <a:ext cx="1051133" cy="369332"/>
+          </a:xfrm>
+          <a:prstGeom prst="rect">
+            <a:avLst/>
+          </a:prstGeom>
+          <a:noFill/>
+        </p:spPr>
+        <p:txBody>
+          <a:bodyPr wrap="square" rtlCol="0">
+            <a:spAutoFit/>
+          </a:bodyPr>
+          <a:lstStyle/>
+          <a:p>
+            <a:r>
+              <a:rPr lang="zh-CN" altLang="en-US" dirty="0" smtClean="0">
+                <a:solidFill>
+                  <a:prstClr val="white"/>
+                </a:solidFill>
+              </a:rPr>
+              <a:t>对话区</a:t>
+            </a:r>
+            <a:endParaRPr lang="zh-CN" altLang="en-US" dirty="0">
+              <a:solidFill>
+                <a:prstClr val="white"/>
+              </a:solidFill>
+            </a:endParaRPr>
+          </a:p>
+        </p:txBody>
+      </p:sp>
+      <p:sp>
+        <p:nvSpPr>
+          <p:cNvPr id="84" name="Right Brace 83"/>
+          <p:cNvSpPr/>
+          <p:nvPr/>
+        </p:nvSpPr>
+        <p:spPr>
+          <a:xfrm>
+            <a:off x="5565450" y="5586751"/>
+            <a:ext cx="1162228" cy="1073146"/>
+          </a:xfrm>
+          <a:prstGeom prst="rightBrace">
+            <a:avLst>
+              <a:gd name="adj1" fmla="val 8333"/>
+              <a:gd name="adj2" fmla="val 50209"/>
+            </a:avLst>
+          </a:prstGeom>
+        </p:spPr>
+        <p:style>
+          <a:lnRef idx="1">
+            <a:schemeClr val="accent1"/>
+          </a:lnRef>
+          <a:fillRef idx="0">
+            <a:schemeClr val="accent1"/>
+          </a:fillRef>
+          <a:effectRef idx="0">
+            <a:schemeClr val="accent1"/>
+          </a:effectRef>
+          <a:fontRef idx="minor">
+            <a:schemeClr val="tx1"/>
+          </a:fontRef>
+        </p:style>
+        <p:txBody>
+          <a:bodyPr rtlCol="0" anchor="ctr"/>
+          <a:lstStyle/>
+          <a:p>
+            <a:pPr algn="ctr"/>
+            <a:endParaRPr lang="zh-CN" altLang="en-US">
+              <a:solidFill>
+                <a:prstClr val="black"/>
+              </a:solidFill>
+            </a:endParaRPr>
+          </a:p>
+        </p:txBody>
+      </p:sp>
+      <p:sp>
+        <p:nvSpPr>
+          <p:cNvPr id="85" name="TextBox 84"/>
+          <p:cNvSpPr txBox="1"/>
+          <p:nvPr/>
+        </p:nvSpPr>
+        <p:spPr>
+          <a:xfrm>
+            <a:off x="6850540" y="5911912"/>
+            <a:ext cx="1051133" cy="369332"/>
+          </a:xfrm>
+          <a:prstGeom prst="rect">
+            <a:avLst/>
+          </a:prstGeom>
+          <a:noFill/>
+        </p:spPr>
+        <p:txBody>
+          <a:bodyPr wrap="square" rtlCol="0">
+            <a:spAutoFit/>
+          </a:bodyPr>
+          <a:lstStyle/>
+          <a:p>
+            <a:r>
+              <a:rPr lang="zh-CN" altLang="en-US" dirty="0" smtClean="0">
+                <a:solidFill>
+                  <a:prstClr val="white"/>
+                </a:solidFill>
+              </a:rPr>
+              <a:t>选项区</a:t>
+            </a:r>
+            <a:endParaRPr lang="zh-CN" altLang="en-US" dirty="0">
+              <a:solidFill>
+                <a:prstClr val="white"/>
+              </a:solidFill>
+            </a:endParaRPr>
+          </a:p>
+        </p:txBody>
+      </p:sp>
+      <p:sp>
+        <p:nvSpPr>
+          <p:cNvPr id="86" name="Right Brace 85"/>
+          <p:cNvSpPr/>
+          <p:nvPr/>
+        </p:nvSpPr>
+        <p:spPr>
+          <a:xfrm>
+            <a:off x="5605128" y="963322"/>
+            <a:ext cx="1162228" cy="475956"/>
+          </a:xfrm>
+          <a:prstGeom prst="rightBrace">
+            <a:avLst>
+              <a:gd name="adj1" fmla="val 8333"/>
+              <a:gd name="adj2" fmla="val 50209"/>
+            </a:avLst>
+          </a:prstGeom>
+        </p:spPr>
+        <p:style>
+          <a:lnRef idx="1">
+            <a:schemeClr val="accent1"/>
+          </a:lnRef>
+          <a:fillRef idx="0">
+            <a:schemeClr val="accent1"/>
+          </a:fillRef>
+          <a:effectRef idx="0">
+            <a:schemeClr val="accent1"/>
+          </a:effectRef>
+          <a:fontRef idx="minor">
+            <a:schemeClr val="tx1"/>
+          </a:fontRef>
+        </p:style>
+        <p:txBody>
+          <a:bodyPr rtlCol="0" anchor="ctr"/>
+          <a:lstStyle/>
+          <a:p>
+            <a:pPr algn="ctr"/>
+            <a:endParaRPr lang="zh-CN" altLang="en-US">
+              <a:solidFill>
+                <a:prstClr val="black"/>
+              </a:solidFill>
+            </a:endParaRPr>
+          </a:p>
+        </p:txBody>
+      </p:sp>
+      <p:sp>
+        <p:nvSpPr>
+          <p:cNvPr id="87" name="TextBox 86"/>
+          <p:cNvSpPr txBox="1"/>
+          <p:nvPr/>
+        </p:nvSpPr>
+        <p:spPr>
+          <a:xfrm>
+            <a:off x="6801192" y="1003724"/>
+            <a:ext cx="1735888" cy="369332"/>
+          </a:xfrm>
+          <a:prstGeom prst="rect">
+            <a:avLst/>
+          </a:prstGeom>
+          <a:noFill/>
+        </p:spPr>
+        <p:txBody>
+          <a:bodyPr wrap="square" rtlCol="0">
+            <a:spAutoFit/>
+          </a:bodyPr>
+          <a:lstStyle/>
+          <a:p>
+            <a:r>
+              <a:rPr lang="zh-CN" altLang="en-US" dirty="0" smtClean="0">
+                <a:solidFill>
+                  <a:prstClr val="white"/>
+                </a:solidFill>
+              </a:rPr>
+              <a:t>辅助信息区</a:t>
+            </a:r>
+            <a:endParaRPr lang="zh-CN" altLang="en-US" dirty="0">
+              <a:solidFill>
+                <a:prstClr val="white"/>
+              </a:solidFill>
+            </a:endParaRPr>
+          </a:p>
+        </p:txBody>
+      </p:sp>
+      <p:sp>
+        <p:nvSpPr>
+          <p:cNvPr id="88" name="Up Arrow Callout 87"/>
+          <p:cNvSpPr/>
+          <p:nvPr/>
+        </p:nvSpPr>
+        <p:spPr>
+          <a:xfrm rot="-2700000">
+            <a:off x="5180165" y="5539215"/>
+            <a:ext cx="241204" cy="170916"/>
+          </a:xfrm>
+          <a:prstGeom prst="upArrowCallout">
+            <a:avLst>
+              <a:gd name="adj1" fmla="val 25000"/>
+              <a:gd name="adj2" fmla="val 50000"/>
+              <a:gd name="adj3" fmla="val 25000"/>
+              <a:gd name="adj4" fmla="val 37477"/>
+            </a:avLst>
+          </a:prstGeom>
+          <a:solidFill>
+            <a:schemeClr val="tx2">
+              <a:lumMod val="75000"/>
+            </a:schemeClr>
+          </a:solidFill>
+          <a:ln>
+            <a:solidFill>
+              <a:schemeClr val="bg1"/>
+            </a:solidFill>
+          </a:ln>
+        </p:spPr>
+        <p:style>
+          <a:lnRef idx="2">
+            <a:schemeClr val="accent1">
+              <a:shade val="50000"/>
+            </a:schemeClr>
+          </a:lnRef>
+          <a:fillRef idx="1">
+            <a:schemeClr val="accent1"/>
+          </a:fillRef>
+          <a:effectRef idx="0">
+            <a:schemeClr val="accent1"/>
+          </a:effectRef>
+          <a:fontRef idx="minor">
+            <a:schemeClr val="lt1"/>
+          </a:fontRef>
+        </p:style>
+        <p:txBody>
+          <a:bodyPr rtlCol="0" anchor="ctr"/>
+          <a:lstStyle/>
+          <a:p>
+            <a:pPr algn="ctr"/>
+            <a:endParaRPr lang="zh-CN" altLang="en-US">
+              <a:solidFill>
+                <a:prstClr val="white"/>
+              </a:solidFill>
+            </a:endParaRPr>
+          </a:p>
+        </p:txBody>
+      </p:sp>
+    </p:spTree>
+    <p:extLst>
+      <p:ext uri="{BB962C8B-B14F-4D97-AF65-F5344CB8AC3E}">
+        <p14:creationId xmlns:p14="http://schemas.microsoft.com/office/powerpoint/2010/main" val="1686215727"/>
+      </p:ext>
+    </p:extLst>
+  </p:cSld>
+  <p:clrMapOvr>
+    <a:masterClrMapping/>
+  </p:clrMapOvr>
+  <p:timing>
+    <p:tnLst>
+      <p:par>
+        <p:cTn id="1" dur="indefinite" restart="never" nodeType="tmRoot"/>
+      </p:par>
+    </p:tnLst>
+  </p:timing>
+</p:sld>
+</file>
+
+<file path=ppt/slides/slide12.xml><?xml version="1.0" encoding="utf-8"?>
+<p:sld xmlns:a="http://schemas.openxmlformats.org/drawingml/2006/main" xmlns:r="http://schemas.openxmlformats.org/officeDocument/2006/relationships" xmlns:p="http://schemas.openxmlformats.org/presentationml/2006/main">
+  <p:cSld>
+    <p:bg>
+      <p:bgPr>
+        <a:solidFill>
+          <a:schemeClr val="tx1">
+            <a:lumMod val="75000"/>
+            <a:lumOff val="25000"/>
+          </a:schemeClr>
+        </a:solidFill>
+        <a:effectLst/>
+      </p:bgPr>
+    </p:bg>
+    <p:spTree>
+      <p:nvGrpSpPr>
+        <p:cNvPr id="1" name=""/>
+        <p:cNvGrpSpPr/>
+        <p:nvPr/>
+      </p:nvGrpSpPr>
+      <p:grpSpPr>
+        <a:xfrm>
+          <a:off x="0" y="0"/>
+          <a:ext cx="0" cy="0"/>
+          <a:chOff x="0" y="0"/>
+          <a:chExt cx="0" cy="0"/>
+        </a:xfrm>
+      </p:grpSpPr>
+      <p:grpSp>
+        <p:nvGrpSpPr>
+          <p:cNvPr id="3" name="Group 2"/>
+          <p:cNvGrpSpPr/>
+          <p:nvPr/>
+        </p:nvGrpSpPr>
+        <p:grpSpPr>
+          <a:xfrm rot="16200000">
+            <a:off x="8476708" y="3236526"/>
+            <a:ext cx="6858000" cy="384945"/>
+            <a:chOff x="8602382" y="242485"/>
+            <a:chExt cx="4128371" cy="384945"/>
+          </a:xfrm>
+        </p:grpSpPr>
+        <p:sp>
+          <p:nvSpPr>
+            <p:cNvPr id="42" name="Rectangle 41"/>
+            <p:cNvSpPr/>
+            <p:nvPr/>
+          </p:nvSpPr>
+          <p:spPr>
+            <a:xfrm>
+              <a:off x="8602383" y="242485"/>
+              <a:ext cx="4128370" cy="65217"/>
+            </a:xfrm>
+            <a:prstGeom prst="rect">
+              <a:avLst/>
+            </a:prstGeom>
+            <a:solidFill>
+              <a:srgbClr val="9CAEF0"/>
+            </a:solidFill>
+            <a:ln>
+              <a:noFill/>
+            </a:ln>
+          </p:spPr>
+          <p:style>
+            <a:lnRef idx="2">
+              <a:schemeClr val="accent1">
+                <a:shade val="50000"/>
+              </a:schemeClr>
+            </a:lnRef>
+            <a:fillRef idx="1">
+              <a:schemeClr val="accent1"/>
+            </a:fillRef>
+            <a:effectRef idx="0">
+              <a:schemeClr val="accent1"/>
+            </a:effectRef>
+            <a:fontRef idx="minor">
+              <a:schemeClr val="lt1"/>
+            </a:fontRef>
+          </p:style>
+          <p:txBody>
+            <a:bodyPr rtlCol="0" anchor="ctr"/>
+            <a:lstStyle/>
+            <a:p>
+              <a:pPr algn="ctr"/>
+              <a:endParaRPr lang="zh-CN" altLang="en-US">
+                <a:solidFill>
+                  <a:prstClr val="white"/>
+                </a:solidFill>
+              </a:endParaRPr>
+            </a:p>
+          </p:txBody>
+        </p:sp>
+        <p:sp>
+          <p:nvSpPr>
+            <p:cNvPr id="43" name="Rectangle 42"/>
+            <p:cNvSpPr/>
+            <p:nvPr/>
+          </p:nvSpPr>
+          <p:spPr>
+            <a:xfrm>
+              <a:off x="8602383" y="402349"/>
+              <a:ext cx="4128370" cy="65217"/>
+            </a:xfrm>
+            <a:prstGeom prst="rect">
+              <a:avLst/>
+            </a:prstGeom>
+            <a:solidFill>
+              <a:srgbClr val="9CD8F0"/>
+            </a:solidFill>
+            <a:ln>
+              <a:noFill/>
+            </a:ln>
+          </p:spPr>
+          <p:style>
+            <a:lnRef idx="2">
+              <a:schemeClr val="accent1">
+                <a:shade val="50000"/>
+              </a:schemeClr>
+            </a:lnRef>
+            <a:fillRef idx="1">
+              <a:schemeClr val="accent1"/>
+            </a:fillRef>
+            <a:effectRef idx="0">
+              <a:schemeClr val="accent1"/>
+            </a:effectRef>
+            <a:fontRef idx="minor">
+              <a:schemeClr val="lt1"/>
+            </a:fontRef>
+          </p:style>
+          <p:txBody>
+            <a:bodyPr rtlCol="0" anchor="ctr"/>
+            <a:lstStyle/>
+            <a:p>
+              <a:pPr algn="ctr"/>
+              <a:endParaRPr lang="zh-CN" altLang="en-US">
+                <a:solidFill>
+                  <a:prstClr val="white"/>
+                </a:solidFill>
+              </a:endParaRPr>
+            </a:p>
+          </p:txBody>
+        </p:sp>
+        <p:sp>
+          <p:nvSpPr>
+            <p:cNvPr id="44" name="Rectangle 43"/>
+            <p:cNvSpPr/>
+            <p:nvPr/>
+          </p:nvSpPr>
+          <p:spPr>
+            <a:xfrm>
+              <a:off x="8602382" y="562213"/>
+              <a:ext cx="4128370" cy="65217"/>
+            </a:xfrm>
+            <a:prstGeom prst="rect">
+              <a:avLst/>
+            </a:prstGeom>
+            <a:solidFill>
+              <a:srgbClr val="EFDD9C"/>
+            </a:solidFill>
+            <a:ln>
+              <a:noFill/>
+            </a:ln>
+          </p:spPr>
+          <p:style>
+            <a:lnRef idx="2">
+              <a:schemeClr val="accent1">
+                <a:shade val="50000"/>
+              </a:schemeClr>
+            </a:lnRef>
+            <a:fillRef idx="1">
+              <a:schemeClr val="accent1"/>
+            </a:fillRef>
+            <a:effectRef idx="0">
+              <a:schemeClr val="accent1"/>
+            </a:effectRef>
+            <a:fontRef idx="minor">
+              <a:schemeClr val="lt1"/>
+            </a:fontRef>
+          </p:style>
+          <p:txBody>
+            <a:bodyPr rtlCol="0" anchor="ctr"/>
+            <a:lstStyle/>
+            <a:p>
+              <a:pPr algn="ctr"/>
+              <a:endParaRPr lang="zh-CN" altLang="en-US">
+                <a:solidFill>
+                  <a:prstClr val="white"/>
+                </a:solidFill>
+              </a:endParaRPr>
+            </a:p>
+          </p:txBody>
+        </p:sp>
+      </p:grpSp>
+      <p:sp>
+        <p:nvSpPr>
+          <p:cNvPr id="5" name="Rectangle 4"/>
+          <p:cNvSpPr/>
+          <p:nvPr/>
+        </p:nvSpPr>
+        <p:spPr>
+          <a:xfrm>
+            <a:off x="3795412" y="125832"/>
+            <a:ext cx="4474011" cy="585823"/>
+          </a:xfrm>
+          <a:prstGeom prst="rect">
+            <a:avLst/>
+          </a:prstGeom>
+          <a:noFill/>
+          <a:ln w="19050">
+            <a:noFill/>
+          </a:ln>
+        </p:spPr>
+        <p:style>
+          <a:lnRef idx="2">
+            <a:schemeClr val="accent1">
+              <a:shade val="50000"/>
+            </a:schemeClr>
+          </a:lnRef>
+          <a:fillRef idx="1">
+            <a:schemeClr val="accent1"/>
+          </a:fillRef>
+          <a:effectRef idx="0">
+            <a:schemeClr val="accent1"/>
+          </a:effectRef>
+          <a:fontRef idx="minor">
+            <a:schemeClr val="lt1"/>
+          </a:fontRef>
+        </p:style>
+        <p:txBody>
+          <a:bodyPr rtlCol="0" anchor="ctr"/>
+          <a:lstStyle/>
+          <a:p>
+            <a:pPr algn="ctr"/>
+            <a:r>
               <a:rPr lang="zh-CN" altLang="en-US" sz="3000" dirty="0">
                 <a:solidFill>
                   <a:prstClr val="white"/>
@@ -8228,7 +9184,7 @@
 </p:sld>
 </file>
 
-<file path=ppt/slides/slide12.xml><?xml version="1.0" encoding="utf-8"?>
+<file path=ppt/slides/slide13.xml><?xml version="1.0" encoding="utf-8"?>
 <p:sld xmlns:a="http://schemas.openxmlformats.org/drawingml/2006/main" xmlns:r="http://schemas.openxmlformats.org/officeDocument/2006/relationships" xmlns:p="http://schemas.openxmlformats.org/presentationml/2006/main">
   <p:cSld>
     <p:bg>
@@ -9552,7 +10508,7 @@
 </p:sld>
 </file>
 
-<file path=ppt/slides/slide13.xml><?xml version="1.0" encoding="utf-8"?>
+<file path=ppt/slides/slide14.xml><?xml version="1.0" encoding="utf-8"?>
 <p:sld xmlns:a="http://schemas.openxmlformats.org/drawingml/2006/main" xmlns:r="http://schemas.openxmlformats.org/officeDocument/2006/relationships" xmlns:p="http://schemas.openxmlformats.org/presentationml/2006/main">
   <p:cSld>
     <p:bg>
@@ -10231,7 +11187,7 @@
 </p:sld>
 </file>
 
-<file path=ppt/slides/slide14.xml><?xml version="1.0" encoding="utf-8"?>
+<file path=ppt/slides/slide15.xml><?xml version="1.0" encoding="utf-8"?>
 <p:sld xmlns:a="http://schemas.openxmlformats.org/drawingml/2006/main" xmlns:r="http://schemas.openxmlformats.org/officeDocument/2006/relationships" xmlns:p="http://schemas.openxmlformats.org/presentationml/2006/main">
   <p:cSld>
     <p:bg>
@@ -12668,7 +13624,7 @@
 </p:sld>
 </file>
 
-<file path=ppt/slides/slide15.xml><?xml version="1.0" encoding="utf-8"?>
+<file path=ppt/slides/slide16.xml><?xml version="1.0" encoding="utf-8"?>
 <p:sld xmlns:a="http://schemas.openxmlformats.org/drawingml/2006/main" xmlns:r="http://schemas.openxmlformats.org/officeDocument/2006/relationships" xmlns:p="http://schemas.openxmlformats.org/presentationml/2006/main">
   <p:cSld>
     <p:bg>
@@ -15472,7 +16428,7 @@
 </p:sld>
 </file>
 
-<file path=ppt/slides/slide16.xml><?xml version="1.0" encoding="utf-8"?>
+<file path=ppt/slides/slide17.xml><?xml version="1.0" encoding="utf-8"?>
 <p:sld xmlns:a="http://schemas.openxmlformats.org/drawingml/2006/main" xmlns:r="http://schemas.openxmlformats.org/officeDocument/2006/relationships" xmlns:p="http://schemas.openxmlformats.org/presentationml/2006/main">
   <p:cSld>
     <p:bg>
@@ -17239,7 +18195,7 @@
 </p:sld>
 </file>
 
-<file path=ppt/slides/slide17.xml><?xml version="1.0" encoding="utf-8"?>
+<file path=ppt/slides/slide18.xml><?xml version="1.0" encoding="utf-8"?>
 <p:sld xmlns:a="http://schemas.openxmlformats.org/drawingml/2006/main" xmlns:r="http://schemas.openxmlformats.org/officeDocument/2006/relationships" xmlns:p="http://schemas.openxmlformats.org/presentationml/2006/main">
   <p:cSld>
     <p:bg>
@@ -19375,7 +20331,7 @@
         </p:nvSpPr>
         <p:spPr>
           <a:xfrm>
-            <a:off x="10037632" y="2708352"/>
+            <a:off x="10181795" y="1401930"/>
             <a:ext cx="1298239" cy="2585323"/>
           </a:xfrm>
           <a:prstGeom prst="rect">
@@ -19448,6 +20404,44 @@
           <a:p>
             <a:pPr algn="ctr"/>
             <a:endParaRPr lang="zh-CN" altLang="en-US"/>
+          </a:p>
+        </p:txBody>
+      </p:sp>
+      <p:sp>
+        <p:nvSpPr>
+          <p:cNvPr id="45" name="TextBox 44"/>
+          <p:cNvSpPr txBox="1"/>
+          <p:nvPr/>
+        </p:nvSpPr>
+        <p:spPr>
+          <a:xfrm>
+            <a:off x="10181796" y="4547418"/>
+            <a:ext cx="1298239" cy="1754326"/>
+          </a:xfrm>
+          <a:prstGeom prst="rect">
+            <a:avLst/>
+          </a:prstGeom>
+          <a:noFill/>
+        </p:spPr>
+        <p:txBody>
+          <a:bodyPr wrap="square" rtlCol="0">
+            <a:spAutoFit/>
+          </a:bodyPr>
+          <a:lstStyle/>
+          <a:p>
+            <a:r>
+              <a:rPr lang="zh-CN" altLang="en-US" dirty="0" smtClean="0">
+                <a:solidFill>
+                  <a:schemeClr val="bg1"/>
+                </a:solidFill>
+              </a:rPr>
+              <a:t>玩法延伸：现在和未来同时扫描环境，让玩家去分析</a:t>
+            </a:r>
+            <a:endParaRPr lang="zh-CN" altLang="en-US" dirty="0">
+              <a:solidFill>
+                <a:schemeClr val="bg1"/>
+              </a:solidFill>
+            </a:endParaRPr>
           </a:p>
         </p:txBody>
       </p:sp>
@@ -19471,7 +20465,7 @@
 </p:sld>
 </file>
 
-<file path=ppt/slides/slide18.xml><?xml version="1.0" encoding="utf-8"?>
+<file path=ppt/slides/slide19.xml><?xml version="1.0" encoding="utf-8"?>
 <p:sld xmlns:a="http://schemas.openxmlformats.org/drawingml/2006/main" xmlns:r="http://schemas.openxmlformats.org/officeDocument/2006/relationships" xmlns:p="http://schemas.openxmlformats.org/presentationml/2006/main">
   <p:cSld>
     <p:bg>
